--- a/2-  Introduction to Machine Learning/Introduction to Machine Learning.pptx
+++ b/2-  Introduction to Machine Learning/Introduction to Machine Learning.pptx
@@ -10802,13 +10802,13 @@
         </p:spPr>
         <p:txBody>
           <a:bodyPr>
-            <a:normAutofit/>
+            <a:noAutofit/>
           </a:bodyPr>
           <a:lstStyle/>
           <a:p>
             <a:r>
-              <a:rPr lang="en-PH" sz="3900" b="1" dirty="0"/>
-              <a:t>Traditional Programming vs Machine Learning </a:t>
+              <a:rPr lang="en-PH" sz="5500" b="1" dirty="0"/>
+              <a:t>Traditional Programming</a:t>
             </a:r>
           </a:p>
         </p:txBody>
@@ -12388,13 +12388,13 @@
         </p:spPr>
         <p:txBody>
           <a:bodyPr>
-            <a:normAutofit/>
+            <a:noAutofit/>
           </a:bodyPr>
           <a:lstStyle/>
           <a:p>
             <a:r>
-              <a:rPr lang="en-PH" sz="3900" b="1" dirty="0"/>
-              <a:t>Traditional Programming vs Machine Learning </a:t>
+              <a:rPr lang="en-PH" sz="5500" b="1" dirty="0"/>
+              <a:t>Machine Learning </a:t>
             </a:r>
           </a:p>
         </p:txBody>
@@ -12920,7 +12920,7 @@
         </p:nvCxnSpPr>
         <p:spPr>
           <a:xfrm>
-            <a:off x="5514581" y="2480153"/>
+            <a:off x="5614551" y="2493111"/>
             <a:ext cx="0" cy="547769"/>
           </a:xfrm>
           <a:prstGeom prst="straightConnector1">
@@ -12961,7 +12961,7 @@
         </p:nvCxnSpPr>
         <p:spPr>
           <a:xfrm>
-            <a:off x="6005185" y="2528488"/>
+            <a:off x="6069903" y="2541446"/>
             <a:ext cx="0" cy="499434"/>
           </a:xfrm>
           <a:prstGeom prst="straightConnector1">
@@ -13002,7 +13002,7 @@
         </p:nvCxnSpPr>
         <p:spPr>
           <a:xfrm>
-            <a:off x="6491869" y="2480153"/>
+            <a:off x="6523184" y="2528488"/>
             <a:ext cx="0" cy="512392"/>
           </a:xfrm>
           <a:prstGeom prst="straightConnector1">
@@ -13330,52 +13330,12 @@
           </a:p>
         </p:txBody>
       </p:sp>
-      <p:cxnSp>
-        <p:nvCxnSpPr>
-          <p:cNvPr id="49" name="Straight Connector 48">
-            <a:extLst>
-              <a:ext uri="{FF2B5EF4-FFF2-40B4-BE49-F238E27FC236}">
-                <a16:creationId xmlns:a16="http://schemas.microsoft.com/office/drawing/2014/main" id="{210E4FB5-A6C0-FE36-0CA7-60D0B14D04FF}"/>
-              </a:ext>
-            </a:extLst>
-          </p:cNvPr>
-          <p:cNvCxnSpPr>
-            <a:cxnSpLocks/>
-            <a:stCxn id="25" idx="4"/>
-            <a:endCxn id="30" idx="0"/>
-          </p:cNvCxnSpPr>
-          <p:nvPr/>
-        </p:nvCxnSpPr>
-        <p:spPr>
-          <a:xfrm>
-            <a:off x="5983369" y="3750340"/>
-            <a:ext cx="0" cy="490830"/>
-          </a:xfrm>
-          <a:prstGeom prst="line">
-            <a:avLst/>
-          </a:prstGeom>
-        </p:spPr>
-        <p:style>
-          <a:lnRef idx="3">
-            <a:schemeClr val="dk1"/>
-          </a:lnRef>
-          <a:fillRef idx="0">
-            <a:schemeClr val="dk1"/>
-          </a:fillRef>
-          <a:effectRef idx="2">
-            <a:schemeClr val="dk1"/>
-          </a:effectRef>
-          <a:fontRef idx="minor">
-            <a:schemeClr val="tx1"/>
-          </a:fontRef>
-        </p:style>
-      </p:cxnSp>
       <p:grpSp>
         <p:nvGrpSpPr>
-          <p:cNvPr id="67" name="Group 66">
+          <p:cNvPr id="95" name="Group 94">
             <a:extLst>
               <a:ext uri="{FF2B5EF4-FFF2-40B4-BE49-F238E27FC236}">
-                <a16:creationId xmlns:a16="http://schemas.microsoft.com/office/drawing/2014/main" id="{BED0CD3A-AFC8-541E-AA4F-8D36E1CA2ECD}"/>
+                <a16:creationId xmlns:a16="http://schemas.microsoft.com/office/drawing/2014/main" id="{EB27BC79-EA0E-452E-E593-C856F3051BE8}"/>
               </a:ext>
             </a:extLst>
           </p:cNvPr>
@@ -13384,707 +13344,18 @@
         </p:nvGrpSpPr>
         <p:grpSpPr>
           <a:xfrm>
-            <a:off x="4848123" y="3129777"/>
-            <a:ext cx="2385517" cy="1566506"/>
-            <a:chOff x="331241" y="954065"/>
-            <a:chExt cx="2385517" cy="1566506"/>
+            <a:off x="5292279" y="3128388"/>
+            <a:ext cx="1607442" cy="1597157"/>
+            <a:chOff x="293893" y="4102100"/>
+            <a:chExt cx="1607442" cy="1770972"/>
           </a:xfrm>
         </p:grpSpPr>
-        <p:grpSp>
-          <p:nvGrpSpPr>
-            <p:cNvPr id="63" name="Group 62">
+        <p:cxnSp>
+          <p:nvCxnSpPr>
+            <p:cNvPr id="49" name="Straight Connector 48">
               <a:extLst>
                 <a:ext uri="{FF2B5EF4-FFF2-40B4-BE49-F238E27FC236}">
-                  <a16:creationId xmlns:a16="http://schemas.microsoft.com/office/drawing/2014/main" id="{33D90A60-E9C6-5E95-D3C3-3384ED7718DA}"/>
-                </a:ext>
-              </a:extLst>
-            </p:cNvPr>
-            <p:cNvGrpSpPr/>
-            <p:nvPr/>
-          </p:nvGrpSpPr>
-          <p:grpSpPr>
-            <a:xfrm>
-              <a:off x="331241" y="954065"/>
-              <a:ext cx="2385517" cy="1566506"/>
-              <a:chOff x="1001486" y="1753660"/>
-              <a:chExt cx="2385517" cy="1566506"/>
-            </a:xfrm>
-          </p:grpSpPr>
-          <p:sp>
-            <p:nvSpPr>
-              <p:cNvPr id="22" name="Rectangle: Rounded Corners 21">
-                <a:extLst>
-                  <a:ext uri="{FF2B5EF4-FFF2-40B4-BE49-F238E27FC236}">
-                    <a16:creationId xmlns:a16="http://schemas.microsoft.com/office/drawing/2014/main" id="{FF8BCC15-065D-E006-14CD-C8679D073006}"/>
-                  </a:ext>
-                </a:extLst>
-              </p:cNvPr>
-              <p:cNvSpPr/>
-              <p:nvPr/>
-            </p:nvSpPr>
-            <p:spPr>
-              <a:xfrm>
-                <a:off x="1001486" y="1753660"/>
-                <a:ext cx="2385517" cy="1566506"/>
-              </a:xfrm>
-              <a:prstGeom prst="roundRect">
-                <a:avLst/>
-              </a:prstGeom>
-              <a:ln/>
-            </p:spPr>
-            <p:style>
-              <a:lnRef idx="2">
-                <a:schemeClr val="dk1"/>
-              </a:lnRef>
-              <a:fillRef idx="1">
-                <a:schemeClr val="lt1"/>
-              </a:fillRef>
-              <a:effectRef idx="0">
-                <a:schemeClr val="dk1"/>
-              </a:effectRef>
-              <a:fontRef idx="minor">
-                <a:schemeClr val="dk1"/>
-              </a:fontRef>
-            </p:style>
-            <p:txBody>
-              <a:bodyPr rtlCol="0" anchor="ctr"/>
-              <a:lstStyle/>
-              <a:p>
-                <a:pPr algn="ctr"/>
-                <a:r>
-                  <a:rPr lang="en-US" sz="1500" b="1" dirty="0"/>
-                  <a:t>Neural Network</a:t>
-                </a:r>
-              </a:p>
-              <a:p>
-                <a:pPr algn="ctr"/>
-                <a:endParaRPr lang="en-US" sz="1500" b="1" dirty="0"/>
-              </a:p>
-              <a:p>
-                <a:pPr algn="ctr"/>
-                <a:endParaRPr lang="en-US" sz="1500" b="1" dirty="0"/>
-              </a:p>
-              <a:p>
-                <a:pPr algn="ctr"/>
-                <a:endParaRPr lang="en-US" sz="1500" b="1" dirty="0"/>
-              </a:p>
-              <a:p>
-                <a:pPr algn="ctr"/>
-                <a:endParaRPr lang="en-US" sz="1500" b="1" dirty="0"/>
-              </a:p>
-              <a:p>
-                <a:pPr algn="ctr"/>
-                <a:endParaRPr lang="en-US" sz="1500" b="1" dirty="0"/>
-              </a:p>
-              <a:p>
-                <a:pPr algn="ctr"/>
-                <a:endParaRPr lang="en-PH" sz="1500" b="1" dirty="0"/>
-              </a:p>
-            </p:txBody>
-          </p:sp>
-          <p:sp>
-            <p:nvSpPr>
-              <p:cNvPr id="24" name="Oval 23">
-                <a:extLst>
-                  <a:ext uri="{FF2B5EF4-FFF2-40B4-BE49-F238E27FC236}">
-                    <a16:creationId xmlns:a16="http://schemas.microsoft.com/office/drawing/2014/main" id="{1668A032-BA25-B548-95BC-7668B36E7544}"/>
-                  </a:ext>
-                </a:extLst>
-              </p:cNvPr>
-              <p:cNvSpPr/>
-              <p:nvPr/>
-            </p:nvSpPr>
-            <p:spPr>
-              <a:xfrm>
-                <a:off x="1473896" y="2055569"/>
-                <a:ext cx="344465" cy="319414"/>
-              </a:xfrm>
-              <a:prstGeom prst="ellipse">
-                <a:avLst/>
-              </a:prstGeom>
-            </p:spPr>
-            <p:style>
-              <a:lnRef idx="2">
-                <a:schemeClr val="accent1">
-                  <a:shade val="15000"/>
-                </a:schemeClr>
-              </a:lnRef>
-              <a:fillRef idx="1">
-                <a:schemeClr val="accent1"/>
-              </a:fillRef>
-              <a:effectRef idx="0">
-                <a:schemeClr val="accent1"/>
-              </a:effectRef>
-              <a:fontRef idx="minor">
-                <a:schemeClr val="lt1"/>
-              </a:fontRef>
-            </p:style>
-            <p:txBody>
-              <a:bodyPr rtlCol="0" anchor="ctr"/>
-              <a:lstStyle/>
-              <a:p>
-                <a:pPr algn="ctr"/>
-                <a:endParaRPr lang="en-PH" dirty="0"/>
-              </a:p>
-            </p:txBody>
-          </p:sp>
-          <p:sp>
-            <p:nvSpPr>
-              <p:cNvPr id="25" name="Oval 24">
-                <a:extLst>
-                  <a:ext uri="{FF2B5EF4-FFF2-40B4-BE49-F238E27FC236}">
-                    <a16:creationId xmlns:a16="http://schemas.microsoft.com/office/drawing/2014/main" id="{21B03782-40D8-FFC5-0ADB-CD4E610322C9}"/>
-                  </a:ext>
-                </a:extLst>
-              </p:cNvPr>
-              <p:cNvSpPr/>
-              <p:nvPr/>
-            </p:nvSpPr>
-            <p:spPr>
-              <a:xfrm>
-                <a:off x="1964499" y="2054809"/>
-                <a:ext cx="344465" cy="319414"/>
-              </a:xfrm>
-              <a:prstGeom prst="ellipse">
-                <a:avLst/>
-              </a:prstGeom>
-            </p:spPr>
-            <p:style>
-              <a:lnRef idx="2">
-                <a:schemeClr val="accent1">
-                  <a:shade val="15000"/>
-                </a:schemeClr>
-              </a:lnRef>
-              <a:fillRef idx="1">
-                <a:schemeClr val="accent1"/>
-              </a:fillRef>
-              <a:effectRef idx="0">
-                <a:schemeClr val="accent1"/>
-              </a:effectRef>
-              <a:fontRef idx="minor">
-                <a:schemeClr val="lt1"/>
-              </a:fontRef>
-            </p:style>
-            <p:txBody>
-              <a:bodyPr rtlCol="0" anchor="ctr"/>
-              <a:lstStyle/>
-              <a:p>
-                <a:pPr algn="ctr"/>
-                <a:endParaRPr lang="en-PH" dirty="0"/>
-              </a:p>
-            </p:txBody>
-          </p:sp>
-          <p:sp>
-            <p:nvSpPr>
-              <p:cNvPr id="27" name="Oval 26">
-                <a:extLst>
-                  <a:ext uri="{FF2B5EF4-FFF2-40B4-BE49-F238E27FC236}">
-                    <a16:creationId xmlns:a16="http://schemas.microsoft.com/office/drawing/2014/main" id="{81A748AB-73E9-2CEC-2496-A7AC73F45F44}"/>
-                  </a:ext>
-                </a:extLst>
-              </p:cNvPr>
-              <p:cNvSpPr/>
-              <p:nvPr/>
-            </p:nvSpPr>
-            <p:spPr>
-              <a:xfrm>
-                <a:off x="2455102" y="2054809"/>
-                <a:ext cx="344465" cy="319414"/>
-              </a:xfrm>
-              <a:prstGeom prst="ellipse">
-                <a:avLst/>
-              </a:prstGeom>
-            </p:spPr>
-            <p:style>
-              <a:lnRef idx="2">
-                <a:schemeClr val="accent1">
-                  <a:shade val="15000"/>
-                </a:schemeClr>
-              </a:lnRef>
-              <a:fillRef idx="1">
-                <a:schemeClr val="accent1"/>
-              </a:fillRef>
-              <a:effectRef idx="0">
-                <a:schemeClr val="accent1"/>
-              </a:effectRef>
-              <a:fontRef idx="minor">
-                <a:schemeClr val="lt1"/>
-              </a:fontRef>
-            </p:style>
-            <p:txBody>
-              <a:bodyPr rtlCol="0" anchor="ctr"/>
-              <a:lstStyle/>
-              <a:p>
-                <a:pPr algn="ctr"/>
-                <a:endParaRPr lang="en-PH" dirty="0"/>
-              </a:p>
-            </p:txBody>
-          </p:sp>
-          <p:sp>
-            <p:nvSpPr>
-              <p:cNvPr id="28" name="Oval 27">
-                <a:extLst>
-                  <a:ext uri="{FF2B5EF4-FFF2-40B4-BE49-F238E27FC236}">
-                    <a16:creationId xmlns:a16="http://schemas.microsoft.com/office/drawing/2014/main" id="{E923551D-9319-72BB-44CC-B16AB7D5DE2D}"/>
-                  </a:ext>
-                </a:extLst>
-              </p:cNvPr>
-              <p:cNvSpPr/>
-              <p:nvPr/>
-            </p:nvSpPr>
-            <p:spPr>
-              <a:xfrm>
-                <a:off x="1473895" y="2865053"/>
-                <a:ext cx="344465" cy="319414"/>
-              </a:xfrm>
-              <a:prstGeom prst="ellipse">
-                <a:avLst/>
-              </a:prstGeom>
-            </p:spPr>
-            <p:style>
-              <a:lnRef idx="2">
-                <a:schemeClr val="accent1">
-                  <a:shade val="15000"/>
-                </a:schemeClr>
-              </a:lnRef>
-              <a:fillRef idx="1">
-                <a:schemeClr val="accent1"/>
-              </a:fillRef>
-              <a:effectRef idx="0">
-                <a:schemeClr val="accent1"/>
-              </a:effectRef>
-              <a:fontRef idx="minor">
-                <a:schemeClr val="lt1"/>
-              </a:fontRef>
-            </p:style>
-            <p:txBody>
-              <a:bodyPr rtlCol="0" anchor="ctr"/>
-              <a:lstStyle/>
-              <a:p>
-                <a:pPr algn="ctr"/>
-                <a:endParaRPr lang="en-PH" dirty="0"/>
-              </a:p>
-            </p:txBody>
-          </p:sp>
-          <p:sp>
-            <p:nvSpPr>
-              <p:cNvPr id="30" name="Oval 29">
-                <a:extLst>
-                  <a:ext uri="{FF2B5EF4-FFF2-40B4-BE49-F238E27FC236}">
-                    <a16:creationId xmlns:a16="http://schemas.microsoft.com/office/drawing/2014/main" id="{5A1AECC7-E3BE-F7E0-0EE0-51D4342081CB}"/>
-                  </a:ext>
-                </a:extLst>
-              </p:cNvPr>
-              <p:cNvSpPr/>
-              <p:nvPr/>
-            </p:nvSpPr>
-            <p:spPr>
-              <a:xfrm>
-                <a:off x="1964499" y="2865053"/>
-                <a:ext cx="344465" cy="319414"/>
-              </a:xfrm>
-              <a:prstGeom prst="ellipse">
-                <a:avLst/>
-              </a:prstGeom>
-            </p:spPr>
-            <p:style>
-              <a:lnRef idx="2">
-                <a:schemeClr val="accent1">
-                  <a:shade val="15000"/>
-                </a:schemeClr>
-              </a:lnRef>
-              <a:fillRef idx="1">
-                <a:schemeClr val="accent1"/>
-              </a:fillRef>
-              <a:effectRef idx="0">
-                <a:schemeClr val="accent1"/>
-              </a:effectRef>
-              <a:fontRef idx="minor">
-                <a:schemeClr val="lt1"/>
-              </a:fontRef>
-            </p:style>
-            <p:txBody>
-              <a:bodyPr rtlCol="0" anchor="ctr"/>
-              <a:lstStyle/>
-              <a:p>
-                <a:pPr algn="ctr"/>
-                <a:endParaRPr lang="en-PH" dirty="0"/>
-              </a:p>
-            </p:txBody>
-          </p:sp>
-          <p:sp>
-            <p:nvSpPr>
-              <p:cNvPr id="31" name="Oval 30">
-                <a:extLst>
-                  <a:ext uri="{FF2B5EF4-FFF2-40B4-BE49-F238E27FC236}">
-                    <a16:creationId xmlns:a16="http://schemas.microsoft.com/office/drawing/2014/main" id="{308532AC-D820-890F-FFE3-5DB434767E90}"/>
-                  </a:ext>
-                </a:extLst>
-              </p:cNvPr>
-              <p:cNvSpPr/>
-              <p:nvPr/>
-            </p:nvSpPr>
-            <p:spPr>
-              <a:xfrm>
-                <a:off x="2455102" y="2882259"/>
-                <a:ext cx="344465" cy="319414"/>
-              </a:xfrm>
-              <a:prstGeom prst="ellipse">
-                <a:avLst/>
-              </a:prstGeom>
-            </p:spPr>
-            <p:style>
-              <a:lnRef idx="2">
-                <a:schemeClr val="accent1">
-                  <a:shade val="15000"/>
-                </a:schemeClr>
-              </a:lnRef>
-              <a:fillRef idx="1">
-                <a:schemeClr val="accent1"/>
-              </a:fillRef>
-              <a:effectRef idx="0">
-                <a:schemeClr val="accent1"/>
-              </a:effectRef>
-              <a:fontRef idx="minor">
-                <a:schemeClr val="lt1"/>
-              </a:fontRef>
-            </p:style>
-            <p:txBody>
-              <a:bodyPr rtlCol="0" anchor="ctr"/>
-              <a:lstStyle/>
-              <a:p>
-                <a:pPr algn="ctr"/>
-                <a:endParaRPr lang="en-PH" dirty="0"/>
-              </a:p>
-            </p:txBody>
-          </p:sp>
-          <p:cxnSp>
-            <p:nvCxnSpPr>
-              <p:cNvPr id="32" name="Straight Connector 31">
-                <a:extLst>
-                  <a:ext uri="{FF2B5EF4-FFF2-40B4-BE49-F238E27FC236}">
-                    <a16:creationId xmlns:a16="http://schemas.microsoft.com/office/drawing/2014/main" id="{484E5F8E-2C8C-CB8C-81DF-C9E578F07938}"/>
-                  </a:ext>
-                </a:extLst>
-              </p:cNvPr>
-              <p:cNvCxnSpPr>
-                <a:cxnSpLocks/>
-                <a:stCxn id="24" idx="4"/>
-                <a:endCxn id="28" idx="0"/>
-              </p:cNvCxnSpPr>
-              <p:nvPr/>
-            </p:nvCxnSpPr>
-            <p:spPr>
-              <a:xfrm flipH="1">
-                <a:off x="1646128" y="2374983"/>
-                <a:ext cx="1" cy="490070"/>
-              </a:xfrm>
-              <a:prstGeom prst="line">
-                <a:avLst/>
-              </a:prstGeom>
-            </p:spPr>
-            <p:style>
-              <a:lnRef idx="3">
-                <a:schemeClr val="dk1"/>
-              </a:lnRef>
-              <a:fillRef idx="0">
-                <a:schemeClr val="dk1"/>
-              </a:fillRef>
-              <a:effectRef idx="2">
-                <a:schemeClr val="dk1"/>
-              </a:effectRef>
-              <a:fontRef idx="minor">
-                <a:schemeClr val="tx1"/>
-              </a:fontRef>
-            </p:style>
-          </p:cxnSp>
-          <p:cxnSp>
-            <p:nvCxnSpPr>
-              <p:cNvPr id="34" name="Straight Connector 33">
-                <a:extLst>
-                  <a:ext uri="{FF2B5EF4-FFF2-40B4-BE49-F238E27FC236}">
-                    <a16:creationId xmlns:a16="http://schemas.microsoft.com/office/drawing/2014/main" id="{55D8989A-0C6D-E5E2-177D-1130BF91EB03}"/>
-                  </a:ext>
-                </a:extLst>
-              </p:cNvPr>
-              <p:cNvCxnSpPr>
-                <a:cxnSpLocks/>
-                <a:stCxn id="24" idx="5"/>
-                <a:endCxn id="30" idx="0"/>
-              </p:cNvCxnSpPr>
-              <p:nvPr/>
-            </p:nvCxnSpPr>
-            <p:spPr>
-              <a:xfrm>
-                <a:off x="1767915" y="2328206"/>
-                <a:ext cx="368817" cy="536847"/>
-              </a:xfrm>
-              <a:prstGeom prst="line">
-                <a:avLst/>
-              </a:prstGeom>
-            </p:spPr>
-            <p:style>
-              <a:lnRef idx="3">
-                <a:schemeClr val="dk1"/>
-              </a:lnRef>
-              <a:fillRef idx="0">
-                <a:schemeClr val="dk1"/>
-              </a:fillRef>
-              <a:effectRef idx="2">
-                <a:schemeClr val="dk1"/>
-              </a:effectRef>
-              <a:fontRef idx="minor">
-                <a:schemeClr val="tx1"/>
-              </a:fontRef>
-            </p:style>
-          </p:cxnSp>
-          <p:cxnSp>
-            <p:nvCxnSpPr>
-              <p:cNvPr id="35" name="Straight Connector 34">
-                <a:extLst>
-                  <a:ext uri="{FF2B5EF4-FFF2-40B4-BE49-F238E27FC236}">
-                    <a16:creationId xmlns:a16="http://schemas.microsoft.com/office/drawing/2014/main" id="{DB5ACA3A-5879-A08D-3052-D5C67EB1FAEB}"/>
-                  </a:ext>
-                </a:extLst>
-              </p:cNvPr>
-              <p:cNvCxnSpPr>
-                <a:cxnSpLocks/>
-                <a:stCxn id="24" idx="6"/>
-                <a:endCxn id="31" idx="2"/>
-              </p:cNvCxnSpPr>
-              <p:nvPr/>
-            </p:nvCxnSpPr>
-            <p:spPr>
-              <a:xfrm>
-                <a:off x="1818361" y="2215276"/>
-                <a:ext cx="636741" cy="826690"/>
-              </a:xfrm>
-              <a:prstGeom prst="line">
-                <a:avLst/>
-              </a:prstGeom>
-            </p:spPr>
-            <p:style>
-              <a:lnRef idx="3">
-                <a:schemeClr val="dk1"/>
-              </a:lnRef>
-              <a:fillRef idx="0">
-                <a:schemeClr val="dk1"/>
-              </a:fillRef>
-              <a:effectRef idx="2">
-                <a:schemeClr val="dk1"/>
-              </a:effectRef>
-              <a:fontRef idx="minor">
-                <a:schemeClr val="tx1"/>
-              </a:fontRef>
-            </p:style>
-          </p:cxnSp>
-          <p:cxnSp>
-            <p:nvCxnSpPr>
-              <p:cNvPr id="37" name="Straight Connector 36">
-                <a:extLst>
-                  <a:ext uri="{FF2B5EF4-FFF2-40B4-BE49-F238E27FC236}">
-                    <a16:creationId xmlns:a16="http://schemas.microsoft.com/office/drawing/2014/main" id="{1F1998A0-168D-FD8A-4B4A-A72D32899599}"/>
-                  </a:ext>
-                </a:extLst>
-              </p:cNvPr>
-              <p:cNvCxnSpPr>
-                <a:cxnSpLocks/>
-                <a:stCxn id="25" idx="5"/>
-                <a:endCxn id="31" idx="1"/>
-              </p:cNvCxnSpPr>
-              <p:nvPr/>
-            </p:nvCxnSpPr>
-            <p:spPr>
-              <a:xfrm>
-                <a:off x="2258518" y="2327446"/>
-                <a:ext cx="247030" cy="601590"/>
-              </a:xfrm>
-              <a:prstGeom prst="line">
-                <a:avLst/>
-              </a:prstGeom>
-            </p:spPr>
-            <p:style>
-              <a:lnRef idx="3">
-                <a:schemeClr val="dk1"/>
-              </a:lnRef>
-              <a:fillRef idx="0">
-                <a:schemeClr val="dk1"/>
-              </a:fillRef>
-              <a:effectRef idx="2">
-                <a:schemeClr val="dk1"/>
-              </a:effectRef>
-              <a:fontRef idx="minor">
-                <a:schemeClr val="tx1"/>
-              </a:fontRef>
-            </p:style>
-          </p:cxnSp>
-          <p:cxnSp>
-            <p:nvCxnSpPr>
-              <p:cNvPr id="38" name="Straight Connector 37">
-                <a:extLst>
-                  <a:ext uri="{FF2B5EF4-FFF2-40B4-BE49-F238E27FC236}">
-                    <a16:creationId xmlns:a16="http://schemas.microsoft.com/office/drawing/2014/main" id="{C49A629D-A85E-AFBF-D27F-6643E439A93F}"/>
-                  </a:ext>
-                </a:extLst>
-              </p:cNvPr>
-              <p:cNvCxnSpPr>
-                <a:cxnSpLocks/>
-                <a:stCxn id="27" idx="4"/>
-                <a:endCxn id="31" idx="0"/>
-              </p:cNvCxnSpPr>
-              <p:nvPr/>
-            </p:nvCxnSpPr>
-            <p:spPr>
-              <a:xfrm>
-                <a:off x="2627335" y="2374223"/>
-                <a:ext cx="0" cy="508036"/>
-              </a:xfrm>
-              <a:prstGeom prst="line">
-                <a:avLst/>
-              </a:prstGeom>
-            </p:spPr>
-            <p:style>
-              <a:lnRef idx="3">
-                <a:schemeClr val="dk1"/>
-              </a:lnRef>
-              <a:fillRef idx="0">
-                <a:schemeClr val="dk1"/>
-              </a:fillRef>
-              <a:effectRef idx="2">
-                <a:schemeClr val="dk1"/>
-              </a:effectRef>
-              <a:fontRef idx="minor">
-                <a:schemeClr val="tx1"/>
-              </a:fontRef>
-            </p:style>
-          </p:cxnSp>
-          <p:cxnSp>
-            <p:nvCxnSpPr>
-              <p:cNvPr id="44" name="Straight Connector 43">
-                <a:extLst>
-                  <a:ext uri="{FF2B5EF4-FFF2-40B4-BE49-F238E27FC236}">
-                    <a16:creationId xmlns:a16="http://schemas.microsoft.com/office/drawing/2014/main" id="{991A8289-A2E2-9126-DED2-C49B5655DD55}"/>
-                  </a:ext>
-                </a:extLst>
-              </p:cNvPr>
-              <p:cNvCxnSpPr>
-                <a:cxnSpLocks/>
-                <a:stCxn id="27" idx="3"/>
-                <a:endCxn id="30" idx="7"/>
-              </p:cNvCxnSpPr>
-              <p:nvPr/>
-            </p:nvCxnSpPr>
-            <p:spPr>
-              <a:xfrm flipH="1">
-                <a:off x="2258518" y="2327446"/>
-                <a:ext cx="247030" cy="584384"/>
-              </a:xfrm>
-              <a:prstGeom prst="line">
-                <a:avLst/>
-              </a:prstGeom>
-            </p:spPr>
-            <p:style>
-              <a:lnRef idx="3">
-                <a:schemeClr val="dk1"/>
-              </a:lnRef>
-              <a:fillRef idx="0">
-                <a:schemeClr val="dk1"/>
-              </a:fillRef>
-              <a:effectRef idx="2">
-                <a:schemeClr val="dk1"/>
-              </a:effectRef>
-              <a:fontRef idx="minor">
-                <a:schemeClr val="tx1"/>
-              </a:fontRef>
-            </p:style>
-          </p:cxnSp>
-          <p:cxnSp>
-            <p:nvCxnSpPr>
-              <p:cNvPr id="54" name="Straight Connector 53">
-                <a:extLst>
-                  <a:ext uri="{FF2B5EF4-FFF2-40B4-BE49-F238E27FC236}">
-                    <a16:creationId xmlns:a16="http://schemas.microsoft.com/office/drawing/2014/main" id="{2E17AE80-C462-4B95-243D-9D79E9D77E5D}"/>
-                  </a:ext>
-                </a:extLst>
-              </p:cNvPr>
-              <p:cNvCxnSpPr>
-                <a:cxnSpLocks/>
-                <a:stCxn id="25" idx="3"/>
-                <a:endCxn id="28" idx="7"/>
-              </p:cNvCxnSpPr>
-              <p:nvPr/>
-            </p:nvCxnSpPr>
-            <p:spPr>
-              <a:xfrm flipH="1">
-                <a:off x="1767914" y="2327446"/>
-                <a:ext cx="247031" cy="584384"/>
-              </a:xfrm>
-              <a:prstGeom prst="line">
-                <a:avLst/>
-              </a:prstGeom>
-            </p:spPr>
-            <p:style>
-              <a:lnRef idx="3">
-                <a:schemeClr val="dk1"/>
-              </a:lnRef>
-              <a:fillRef idx="0">
-                <a:schemeClr val="dk1"/>
-              </a:fillRef>
-              <a:effectRef idx="2">
-                <a:schemeClr val="dk1"/>
-              </a:effectRef>
-              <a:fontRef idx="minor">
-                <a:schemeClr val="tx1"/>
-              </a:fontRef>
-            </p:style>
-          </p:cxnSp>
-          <p:cxnSp>
-            <p:nvCxnSpPr>
-              <p:cNvPr id="60" name="Straight Connector 59">
-                <a:extLst>
-                  <a:ext uri="{FF2B5EF4-FFF2-40B4-BE49-F238E27FC236}">
-                    <a16:creationId xmlns:a16="http://schemas.microsoft.com/office/drawing/2014/main" id="{CBC8F848-55B7-8258-3A18-BD7FCED80A53}"/>
-                  </a:ext>
-                </a:extLst>
-              </p:cNvPr>
-              <p:cNvCxnSpPr>
-                <a:cxnSpLocks/>
-                <a:stCxn id="27" idx="2"/>
-                <a:endCxn id="28" idx="6"/>
-              </p:cNvCxnSpPr>
-              <p:nvPr/>
-            </p:nvCxnSpPr>
-            <p:spPr>
-              <a:xfrm flipH="1">
-                <a:off x="1818360" y="2214516"/>
-                <a:ext cx="636742" cy="810244"/>
-              </a:xfrm>
-              <a:prstGeom prst="line">
-                <a:avLst/>
-              </a:prstGeom>
-            </p:spPr>
-            <p:style>
-              <a:lnRef idx="3">
-                <a:schemeClr val="dk1"/>
-              </a:lnRef>
-              <a:fillRef idx="0">
-                <a:schemeClr val="dk1"/>
-              </a:fillRef>
-              <a:effectRef idx="2">
-                <a:schemeClr val="dk1"/>
-              </a:effectRef>
-              <a:fontRef idx="minor">
-                <a:schemeClr val="tx1"/>
-              </a:fontRef>
-            </p:style>
-          </p:cxnSp>
-        </p:grpSp>
-        <p:cxnSp>
-          <p:nvCxnSpPr>
-            <p:cNvPr id="64" name="Straight Connector 63">
-              <a:extLst>
-                <a:ext uri="{FF2B5EF4-FFF2-40B4-BE49-F238E27FC236}">
-                  <a16:creationId xmlns:a16="http://schemas.microsoft.com/office/drawing/2014/main" id="{4B2893B2-A29B-030D-207E-28181C5C1C9B}"/>
+                  <a16:creationId xmlns:a16="http://schemas.microsoft.com/office/drawing/2014/main" id="{210E4FB5-A6C0-FE36-0CA7-60D0B14D04FF}"/>
                 </a:ext>
               </a:extLst>
             </p:cNvPr>
@@ -14097,8 +13368,712 @@
           </p:nvCxnSpPr>
           <p:spPr>
             <a:xfrm>
-              <a:off x="1466487" y="1574628"/>
-              <a:ext cx="0" cy="490830"/>
+              <a:off x="1053102" y="4828073"/>
+              <a:ext cx="0" cy="432788"/>
+            </a:xfrm>
+            <a:prstGeom prst="line">
+              <a:avLst/>
+            </a:prstGeom>
+          </p:spPr>
+          <p:style>
+            <a:lnRef idx="3">
+              <a:schemeClr val="dk1"/>
+            </a:lnRef>
+            <a:fillRef idx="0">
+              <a:schemeClr val="dk1"/>
+            </a:fillRef>
+            <a:effectRef idx="2">
+              <a:schemeClr val="dk1"/>
+            </a:effectRef>
+            <a:fontRef idx="minor">
+              <a:schemeClr val="tx1"/>
+            </a:fontRef>
+          </p:style>
+        </p:cxnSp>
+        <p:sp>
+          <p:nvSpPr>
+            <p:cNvPr id="22" name="Rectangle: Rounded Corners 21">
+              <a:extLst>
+                <a:ext uri="{FF2B5EF4-FFF2-40B4-BE49-F238E27FC236}">
+                  <a16:creationId xmlns:a16="http://schemas.microsoft.com/office/drawing/2014/main" id="{FF8BCC15-065D-E006-14CD-C8679D073006}"/>
+                </a:ext>
+              </a:extLst>
+            </p:cNvPr>
+            <p:cNvSpPr/>
+            <p:nvPr/>
+          </p:nvSpPr>
+          <p:spPr>
+            <a:xfrm>
+              <a:off x="293893" y="4102100"/>
+              <a:ext cx="1607442" cy="1770972"/>
+            </a:xfrm>
+            <a:prstGeom prst="roundRect">
+              <a:avLst/>
+            </a:prstGeom>
+            <a:ln/>
+          </p:spPr>
+          <p:style>
+            <a:lnRef idx="2">
+              <a:schemeClr val="dk1"/>
+            </a:lnRef>
+            <a:fillRef idx="1">
+              <a:schemeClr val="lt1"/>
+            </a:fillRef>
+            <a:effectRef idx="0">
+              <a:schemeClr val="dk1"/>
+            </a:effectRef>
+            <a:fontRef idx="minor">
+              <a:schemeClr val="dk1"/>
+            </a:fontRef>
+          </p:style>
+          <p:txBody>
+            <a:bodyPr rtlCol="0" anchor="ctr"/>
+            <a:lstStyle/>
+            <a:p>
+              <a:pPr algn="ctr"/>
+              <a:r>
+                <a:rPr lang="en-US" sz="1500" b="1" dirty="0"/>
+                <a:t>Neural Network</a:t>
+              </a:r>
+            </a:p>
+            <a:p>
+              <a:pPr algn="ctr"/>
+              <a:endParaRPr lang="en-US" sz="1500" b="1" dirty="0"/>
+            </a:p>
+            <a:p>
+              <a:pPr algn="ctr"/>
+              <a:endParaRPr lang="en-US" sz="1500" b="1" dirty="0"/>
+            </a:p>
+            <a:p>
+              <a:pPr algn="ctr"/>
+              <a:endParaRPr lang="en-US" sz="1500" b="1" dirty="0"/>
+            </a:p>
+            <a:p>
+              <a:pPr algn="ctr"/>
+              <a:endParaRPr lang="en-US" sz="1500" b="1" dirty="0"/>
+            </a:p>
+            <a:p>
+              <a:pPr algn="ctr"/>
+              <a:endParaRPr lang="en-US" sz="1500" b="1" dirty="0"/>
+            </a:p>
+          </p:txBody>
+        </p:sp>
+        <p:sp>
+          <p:nvSpPr>
+            <p:cNvPr id="24" name="Oval 23">
+              <a:extLst>
+                <a:ext uri="{FF2B5EF4-FFF2-40B4-BE49-F238E27FC236}">
+                  <a16:creationId xmlns:a16="http://schemas.microsoft.com/office/drawing/2014/main" id="{1668A032-BA25-B548-95BC-7668B36E7544}"/>
+                </a:ext>
+              </a:extLst>
+            </p:cNvPr>
+            <p:cNvSpPr/>
+            <p:nvPr/>
+          </p:nvSpPr>
+          <p:spPr>
+            <a:xfrm>
+              <a:off x="553576" y="4547102"/>
+              <a:ext cx="259595" cy="281642"/>
+            </a:xfrm>
+            <a:prstGeom prst="ellipse">
+              <a:avLst/>
+            </a:prstGeom>
+          </p:spPr>
+          <p:style>
+            <a:lnRef idx="2">
+              <a:schemeClr val="accent1">
+                <a:shade val="15000"/>
+              </a:schemeClr>
+            </a:lnRef>
+            <a:fillRef idx="1">
+              <a:schemeClr val="accent1"/>
+            </a:fillRef>
+            <a:effectRef idx="0">
+              <a:schemeClr val="accent1"/>
+            </a:effectRef>
+            <a:fontRef idx="minor">
+              <a:schemeClr val="lt1"/>
+            </a:fontRef>
+          </p:style>
+          <p:txBody>
+            <a:bodyPr rtlCol="0" anchor="ctr"/>
+            <a:lstStyle/>
+            <a:p>
+              <a:pPr algn="ctr"/>
+              <a:endParaRPr lang="en-PH" dirty="0"/>
+            </a:p>
+          </p:txBody>
+        </p:sp>
+        <p:sp>
+          <p:nvSpPr>
+            <p:cNvPr id="25" name="Oval 24">
+              <a:extLst>
+                <a:ext uri="{FF2B5EF4-FFF2-40B4-BE49-F238E27FC236}">
+                  <a16:creationId xmlns:a16="http://schemas.microsoft.com/office/drawing/2014/main" id="{21B03782-40D8-FFC5-0ADB-CD4E610322C9}"/>
+                </a:ext>
+              </a:extLst>
+            </p:cNvPr>
+            <p:cNvSpPr/>
+            <p:nvPr/>
+          </p:nvSpPr>
+          <p:spPr>
+            <a:xfrm>
+              <a:off x="923304" y="4546431"/>
+              <a:ext cx="259595" cy="281642"/>
+            </a:xfrm>
+            <a:prstGeom prst="ellipse">
+              <a:avLst/>
+            </a:prstGeom>
+          </p:spPr>
+          <p:style>
+            <a:lnRef idx="2">
+              <a:schemeClr val="accent1">
+                <a:shade val="15000"/>
+              </a:schemeClr>
+            </a:lnRef>
+            <a:fillRef idx="1">
+              <a:schemeClr val="accent1"/>
+            </a:fillRef>
+            <a:effectRef idx="0">
+              <a:schemeClr val="accent1"/>
+            </a:effectRef>
+            <a:fontRef idx="minor">
+              <a:schemeClr val="lt1"/>
+            </a:fontRef>
+          </p:style>
+          <p:txBody>
+            <a:bodyPr rtlCol="0" anchor="ctr"/>
+            <a:lstStyle/>
+            <a:p>
+              <a:pPr algn="ctr"/>
+              <a:endParaRPr lang="en-PH" dirty="0"/>
+            </a:p>
+          </p:txBody>
+        </p:sp>
+        <p:sp>
+          <p:nvSpPr>
+            <p:cNvPr id="27" name="Oval 26">
+              <a:extLst>
+                <a:ext uri="{FF2B5EF4-FFF2-40B4-BE49-F238E27FC236}">
+                  <a16:creationId xmlns:a16="http://schemas.microsoft.com/office/drawing/2014/main" id="{81A748AB-73E9-2CEC-2496-A7AC73F45F44}"/>
+                </a:ext>
+              </a:extLst>
+            </p:cNvPr>
+            <p:cNvSpPr/>
+            <p:nvPr/>
+          </p:nvSpPr>
+          <p:spPr>
+            <a:xfrm>
+              <a:off x="1293032" y="4546431"/>
+              <a:ext cx="259595" cy="281642"/>
+            </a:xfrm>
+            <a:prstGeom prst="ellipse">
+              <a:avLst/>
+            </a:prstGeom>
+          </p:spPr>
+          <p:style>
+            <a:lnRef idx="2">
+              <a:schemeClr val="accent1">
+                <a:shade val="15000"/>
+              </a:schemeClr>
+            </a:lnRef>
+            <a:fillRef idx="1">
+              <a:schemeClr val="accent1"/>
+            </a:fillRef>
+            <a:effectRef idx="0">
+              <a:schemeClr val="accent1"/>
+            </a:effectRef>
+            <a:fontRef idx="minor">
+              <a:schemeClr val="lt1"/>
+            </a:fontRef>
+          </p:style>
+          <p:txBody>
+            <a:bodyPr rtlCol="0" anchor="ctr"/>
+            <a:lstStyle/>
+            <a:p>
+              <a:pPr algn="ctr"/>
+              <a:endParaRPr lang="en-PH" dirty="0"/>
+            </a:p>
+          </p:txBody>
+        </p:sp>
+        <p:sp>
+          <p:nvSpPr>
+            <p:cNvPr id="28" name="Oval 27">
+              <a:extLst>
+                <a:ext uri="{FF2B5EF4-FFF2-40B4-BE49-F238E27FC236}">
+                  <a16:creationId xmlns:a16="http://schemas.microsoft.com/office/drawing/2014/main" id="{E923551D-9319-72BB-44CC-B16AB7D5DE2D}"/>
+                </a:ext>
+              </a:extLst>
+            </p:cNvPr>
+            <p:cNvSpPr/>
+            <p:nvPr/>
+          </p:nvSpPr>
+          <p:spPr>
+            <a:xfrm>
+              <a:off x="553576" y="5260861"/>
+              <a:ext cx="259595" cy="281642"/>
+            </a:xfrm>
+            <a:prstGeom prst="ellipse">
+              <a:avLst/>
+            </a:prstGeom>
+          </p:spPr>
+          <p:style>
+            <a:lnRef idx="2">
+              <a:schemeClr val="accent1">
+                <a:shade val="15000"/>
+              </a:schemeClr>
+            </a:lnRef>
+            <a:fillRef idx="1">
+              <a:schemeClr val="accent1"/>
+            </a:fillRef>
+            <a:effectRef idx="0">
+              <a:schemeClr val="accent1"/>
+            </a:effectRef>
+            <a:fontRef idx="minor">
+              <a:schemeClr val="lt1"/>
+            </a:fontRef>
+          </p:style>
+          <p:txBody>
+            <a:bodyPr rtlCol="0" anchor="ctr"/>
+            <a:lstStyle/>
+            <a:p>
+              <a:pPr algn="ctr"/>
+              <a:endParaRPr lang="en-PH" dirty="0"/>
+            </a:p>
+          </p:txBody>
+        </p:sp>
+        <p:sp>
+          <p:nvSpPr>
+            <p:cNvPr id="30" name="Oval 29">
+              <a:extLst>
+                <a:ext uri="{FF2B5EF4-FFF2-40B4-BE49-F238E27FC236}">
+                  <a16:creationId xmlns:a16="http://schemas.microsoft.com/office/drawing/2014/main" id="{5A1AECC7-E3BE-F7E0-0EE0-51D4342081CB}"/>
+                </a:ext>
+              </a:extLst>
+            </p:cNvPr>
+            <p:cNvSpPr/>
+            <p:nvPr/>
+          </p:nvSpPr>
+          <p:spPr>
+            <a:xfrm>
+              <a:off x="923304" y="5260861"/>
+              <a:ext cx="259595" cy="281642"/>
+            </a:xfrm>
+            <a:prstGeom prst="ellipse">
+              <a:avLst/>
+            </a:prstGeom>
+          </p:spPr>
+          <p:style>
+            <a:lnRef idx="2">
+              <a:schemeClr val="accent1">
+                <a:shade val="15000"/>
+              </a:schemeClr>
+            </a:lnRef>
+            <a:fillRef idx="1">
+              <a:schemeClr val="accent1"/>
+            </a:fillRef>
+            <a:effectRef idx="0">
+              <a:schemeClr val="accent1"/>
+            </a:effectRef>
+            <a:fontRef idx="minor">
+              <a:schemeClr val="lt1"/>
+            </a:fontRef>
+          </p:style>
+          <p:txBody>
+            <a:bodyPr rtlCol="0" anchor="ctr"/>
+            <a:lstStyle/>
+            <a:p>
+              <a:pPr algn="ctr"/>
+              <a:endParaRPr lang="en-PH" dirty="0"/>
+            </a:p>
+          </p:txBody>
+        </p:sp>
+        <p:sp>
+          <p:nvSpPr>
+            <p:cNvPr id="31" name="Oval 30">
+              <a:extLst>
+                <a:ext uri="{FF2B5EF4-FFF2-40B4-BE49-F238E27FC236}">
+                  <a16:creationId xmlns:a16="http://schemas.microsoft.com/office/drawing/2014/main" id="{308532AC-D820-890F-FFE3-5DB434767E90}"/>
+                </a:ext>
+              </a:extLst>
+            </p:cNvPr>
+            <p:cNvSpPr/>
+            <p:nvPr/>
+          </p:nvSpPr>
+          <p:spPr>
+            <a:xfrm>
+              <a:off x="1293032" y="5276033"/>
+              <a:ext cx="259595" cy="281642"/>
+            </a:xfrm>
+            <a:prstGeom prst="ellipse">
+              <a:avLst/>
+            </a:prstGeom>
+          </p:spPr>
+          <p:style>
+            <a:lnRef idx="2">
+              <a:schemeClr val="accent1">
+                <a:shade val="15000"/>
+              </a:schemeClr>
+            </a:lnRef>
+            <a:fillRef idx="1">
+              <a:schemeClr val="accent1"/>
+            </a:fillRef>
+            <a:effectRef idx="0">
+              <a:schemeClr val="accent1"/>
+            </a:effectRef>
+            <a:fontRef idx="minor">
+              <a:schemeClr val="lt1"/>
+            </a:fontRef>
+          </p:style>
+          <p:txBody>
+            <a:bodyPr rtlCol="0" anchor="ctr"/>
+            <a:lstStyle/>
+            <a:p>
+              <a:pPr algn="ctr"/>
+              <a:endParaRPr lang="en-PH" dirty="0"/>
+            </a:p>
+          </p:txBody>
+        </p:sp>
+        <p:cxnSp>
+          <p:nvCxnSpPr>
+            <p:cNvPr id="32" name="Straight Connector 31">
+              <a:extLst>
+                <a:ext uri="{FF2B5EF4-FFF2-40B4-BE49-F238E27FC236}">
+                  <a16:creationId xmlns:a16="http://schemas.microsoft.com/office/drawing/2014/main" id="{484E5F8E-2C8C-CB8C-81DF-C9E578F07938}"/>
+                </a:ext>
+              </a:extLst>
+            </p:cNvPr>
+            <p:cNvCxnSpPr>
+              <a:cxnSpLocks/>
+              <a:stCxn id="24" idx="4"/>
+              <a:endCxn id="28" idx="0"/>
+            </p:cNvCxnSpPr>
+            <p:nvPr/>
+          </p:nvCxnSpPr>
+          <p:spPr>
+            <a:xfrm>
+              <a:off x="683374" y="4828744"/>
+              <a:ext cx="0" cy="432117"/>
+            </a:xfrm>
+            <a:prstGeom prst="line">
+              <a:avLst/>
+            </a:prstGeom>
+          </p:spPr>
+          <p:style>
+            <a:lnRef idx="3">
+              <a:schemeClr val="dk1"/>
+            </a:lnRef>
+            <a:fillRef idx="0">
+              <a:schemeClr val="dk1"/>
+            </a:fillRef>
+            <a:effectRef idx="2">
+              <a:schemeClr val="dk1"/>
+            </a:effectRef>
+            <a:fontRef idx="minor">
+              <a:schemeClr val="tx1"/>
+            </a:fontRef>
+          </p:style>
+        </p:cxnSp>
+        <p:cxnSp>
+          <p:nvCxnSpPr>
+            <p:cNvPr id="34" name="Straight Connector 33">
+              <a:extLst>
+                <a:ext uri="{FF2B5EF4-FFF2-40B4-BE49-F238E27FC236}">
+                  <a16:creationId xmlns:a16="http://schemas.microsoft.com/office/drawing/2014/main" id="{55D8989A-0C6D-E5E2-177D-1130BF91EB03}"/>
+                </a:ext>
+              </a:extLst>
+            </p:cNvPr>
+            <p:cNvCxnSpPr>
+              <a:cxnSpLocks/>
+              <a:stCxn id="24" idx="5"/>
+              <a:endCxn id="30" idx="0"/>
+            </p:cNvCxnSpPr>
+            <p:nvPr/>
+          </p:nvCxnSpPr>
+          <p:spPr>
+            <a:xfrm>
+              <a:off x="775154" y="4787498"/>
+              <a:ext cx="277948" cy="473363"/>
+            </a:xfrm>
+            <a:prstGeom prst="line">
+              <a:avLst/>
+            </a:prstGeom>
+          </p:spPr>
+          <p:style>
+            <a:lnRef idx="3">
+              <a:schemeClr val="dk1"/>
+            </a:lnRef>
+            <a:fillRef idx="0">
+              <a:schemeClr val="dk1"/>
+            </a:fillRef>
+            <a:effectRef idx="2">
+              <a:schemeClr val="dk1"/>
+            </a:effectRef>
+            <a:fontRef idx="minor">
+              <a:schemeClr val="tx1"/>
+            </a:fontRef>
+          </p:style>
+        </p:cxnSp>
+        <p:cxnSp>
+          <p:nvCxnSpPr>
+            <p:cNvPr id="35" name="Straight Connector 34">
+              <a:extLst>
+                <a:ext uri="{FF2B5EF4-FFF2-40B4-BE49-F238E27FC236}">
+                  <a16:creationId xmlns:a16="http://schemas.microsoft.com/office/drawing/2014/main" id="{DB5ACA3A-5879-A08D-3052-D5C67EB1FAEB}"/>
+                </a:ext>
+              </a:extLst>
+            </p:cNvPr>
+            <p:cNvCxnSpPr>
+              <a:cxnSpLocks/>
+              <a:stCxn id="24" idx="6"/>
+              <a:endCxn id="31" idx="2"/>
+            </p:cNvCxnSpPr>
+            <p:nvPr/>
+          </p:nvCxnSpPr>
+          <p:spPr>
+            <a:xfrm>
+              <a:off x="813171" y="4687923"/>
+              <a:ext cx="479861" cy="728931"/>
+            </a:xfrm>
+            <a:prstGeom prst="line">
+              <a:avLst/>
+            </a:prstGeom>
+          </p:spPr>
+          <p:style>
+            <a:lnRef idx="3">
+              <a:schemeClr val="dk1"/>
+            </a:lnRef>
+            <a:fillRef idx="0">
+              <a:schemeClr val="dk1"/>
+            </a:fillRef>
+            <a:effectRef idx="2">
+              <a:schemeClr val="dk1"/>
+            </a:effectRef>
+            <a:fontRef idx="minor">
+              <a:schemeClr val="tx1"/>
+            </a:fontRef>
+          </p:style>
+        </p:cxnSp>
+        <p:cxnSp>
+          <p:nvCxnSpPr>
+            <p:cNvPr id="37" name="Straight Connector 36">
+              <a:extLst>
+                <a:ext uri="{FF2B5EF4-FFF2-40B4-BE49-F238E27FC236}">
+                  <a16:creationId xmlns:a16="http://schemas.microsoft.com/office/drawing/2014/main" id="{1F1998A0-168D-FD8A-4B4A-A72D32899599}"/>
+                </a:ext>
+              </a:extLst>
+            </p:cNvPr>
+            <p:cNvCxnSpPr>
+              <a:cxnSpLocks/>
+              <a:stCxn id="25" idx="5"/>
+              <a:endCxn id="31" idx="1"/>
+            </p:cNvCxnSpPr>
+            <p:nvPr/>
+          </p:nvCxnSpPr>
+          <p:spPr>
+            <a:xfrm>
+              <a:off x="1144882" y="4786827"/>
+              <a:ext cx="186167" cy="530452"/>
+            </a:xfrm>
+            <a:prstGeom prst="line">
+              <a:avLst/>
+            </a:prstGeom>
+          </p:spPr>
+          <p:style>
+            <a:lnRef idx="3">
+              <a:schemeClr val="dk1"/>
+            </a:lnRef>
+            <a:fillRef idx="0">
+              <a:schemeClr val="dk1"/>
+            </a:fillRef>
+            <a:effectRef idx="2">
+              <a:schemeClr val="dk1"/>
+            </a:effectRef>
+            <a:fontRef idx="minor">
+              <a:schemeClr val="tx1"/>
+            </a:fontRef>
+          </p:style>
+        </p:cxnSp>
+        <p:cxnSp>
+          <p:nvCxnSpPr>
+            <p:cNvPr id="38" name="Straight Connector 37">
+              <a:extLst>
+                <a:ext uri="{FF2B5EF4-FFF2-40B4-BE49-F238E27FC236}">
+                  <a16:creationId xmlns:a16="http://schemas.microsoft.com/office/drawing/2014/main" id="{C49A629D-A85E-AFBF-D27F-6643E439A93F}"/>
+                </a:ext>
+              </a:extLst>
+            </p:cNvPr>
+            <p:cNvCxnSpPr>
+              <a:cxnSpLocks/>
+              <a:stCxn id="27" idx="4"/>
+              <a:endCxn id="31" idx="0"/>
+            </p:cNvCxnSpPr>
+            <p:nvPr/>
+          </p:nvCxnSpPr>
+          <p:spPr>
+            <a:xfrm>
+              <a:off x="1422830" y="4828073"/>
+              <a:ext cx="0" cy="447960"/>
+            </a:xfrm>
+            <a:prstGeom prst="line">
+              <a:avLst/>
+            </a:prstGeom>
+          </p:spPr>
+          <p:style>
+            <a:lnRef idx="3">
+              <a:schemeClr val="dk1"/>
+            </a:lnRef>
+            <a:fillRef idx="0">
+              <a:schemeClr val="dk1"/>
+            </a:fillRef>
+            <a:effectRef idx="2">
+              <a:schemeClr val="dk1"/>
+            </a:effectRef>
+            <a:fontRef idx="minor">
+              <a:schemeClr val="tx1"/>
+            </a:fontRef>
+          </p:style>
+        </p:cxnSp>
+        <p:cxnSp>
+          <p:nvCxnSpPr>
+            <p:cNvPr id="44" name="Straight Connector 43">
+              <a:extLst>
+                <a:ext uri="{FF2B5EF4-FFF2-40B4-BE49-F238E27FC236}">
+                  <a16:creationId xmlns:a16="http://schemas.microsoft.com/office/drawing/2014/main" id="{991A8289-A2E2-9126-DED2-C49B5655DD55}"/>
+                </a:ext>
+              </a:extLst>
+            </p:cNvPr>
+            <p:cNvCxnSpPr>
+              <a:cxnSpLocks/>
+              <a:stCxn id="27" idx="3"/>
+              <a:endCxn id="30" idx="7"/>
+            </p:cNvCxnSpPr>
+            <p:nvPr/>
+          </p:nvCxnSpPr>
+          <p:spPr>
+            <a:xfrm flipH="1">
+              <a:off x="1144882" y="4786827"/>
+              <a:ext cx="186167" cy="515280"/>
+            </a:xfrm>
+            <a:prstGeom prst="line">
+              <a:avLst/>
+            </a:prstGeom>
+          </p:spPr>
+          <p:style>
+            <a:lnRef idx="3">
+              <a:schemeClr val="dk1"/>
+            </a:lnRef>
+            <a:fillRef idx="0">
+              <a:schemeClr val="dk1"/>
+            </a:fillRef>
+            <a:effectRef idx="2">
+              <a:schemeClr val="dk1"/>
+            </a:effectRef>
+            <a:fontRef idx="minor">
+              <a:schemeClr val="tx1"/>
+            </a:fontRef>
+          </p:style>
+        </p:cxnSp>
+        <p:cxnSp>
+          <p:nvCxnSpPr>
+            <p:cNvPr id="54" name="Straight Connector 53">
+              <a:extLst>
+                <a:ext uri="{FF2B5EF4-FFF2-40B4-BE49-F238E27FC236}">
+                  <a16:creationId xmlns:a16="http://schemas.microsoft.com/office/drawing/2014/main" id="{2E17AE80-C462-4B95-243D-9D79E9D77E5D}"/>
+                </a:ext>
+              </a:extLst>
+            </p:cNvPr>
+            <p:cNvCxnSpPr>
+              <a:cxnSpLocks/>
+              <a:stCxn id="25" idx="3"/>
+              <a:endCxn id="28" idx="7"/>
+            </p:cNvCxnSpPr>
+            <p:nvPr/>
+          </p:nvCxnSpPr>
+          <p:spPr>
+            <a:xfrm flipH="1">
+              <a:off x="775154" y="4786827"/>
+              <a:ext cx="186167" cy="515280"/>
+            </a:xfrm>
+            <a:prstGeom prst="line">
+              <a:avLst/>
+            </a:prstGeom>
+          </p:spPr>
+          <p:style>
+            <a:lnRef idx="3">
+              <a:schemeClr val="dk1"/>
+            </a:lnRef>
+            <a:fillRef idx="0">
+              <a:schemeClr val="dk1"/>
+            </a:fillRef>
+            <a:effectRef idx="2">
+              <a:schemeClr val="dk1"/>
+            </a:effectRef>
+            <a:fontRef idx="minor">
+              <a:schemeClr val="tx1"/>
+            </a:fontRef>
+          </p:style>
+        </p:cxnSp>
+        <p:cxnSp>
+          <p:nvCxnSpPr>
+            <p:cNvPr id="60" name="Straight Connector 59">
+              <a:extLst>
+                <a:ext uri="{FF2B5EF4-FFF2-40B4-BE49-F238E27FC236}">
+                  <a16:creationId xmlns:a16="http://schemas.microsoft.com/office/drawing/2014/main" id="{CBC8F848-55B7-8258-3A18-BD7FCED80A53}"/>
+                </a:ext>
+              </a:extLst>
+            </p:cNvPr>
+            <p:cNvCxnSpPr>
+              <a:cxnSpLocks/>
+              <a:stCxn id="27" idx="2"/>
+              <a:endCxn id="28" idx="6"/>
+            </p:cNvCxnSpPr>
+            <p:nvPr/>
+          </p:nvCxnSpPr>
+          <p:spPr>
+            <a:xfrm flipH="1">
+              <a:off x="813171" y="4687252"/>
+              <a:ext cx="479861" cy="714430"/>
+            </a:xfrm>
+            <a:prstGeom prst="line">
+              <a:avLst/>
+            </a:prstGeom>
+          </p:spPr>
+          <p:style>
+            <a:lnRef idx="3">
+              <a:schemeClr val="dk1"/>
+            </a:lnRef>
+            <a:fillRef idx="0">
+              <a:schemeClr val="dk1"/>
+            </a:fillRef>
+            <a:effectRef idx="2">
+              <a:schemeClr val="dk1"/>
+            </a:effectRef>
+            <a:fontRef idx="minor">
+              <a:schemeClr val="tx1"/>
+            </a:fontRef>
+          </p:style>
+        </p:cxnSp>
+        <p:cxnSp>
+          <p:nvCxnSpPr>
+            <p:cNvPr id="72" name="Straight Connector 71">
+              <a:extLst>
+                <a:ext uri="{FF2B5EF4-FFF2-40B4-BE49-F238E27FC236}">
+                  <a16:creationId xmlns:a16="http://schemas.microsoft.com/office/drawing/2014/main" id="{20AEE966-F0F0-BB57-7F3E-180F691D2F3C}"/>
+                </a:ext>
+              </a:extLst>
+            </p:cNvPr>
+            <p:cNvCxnSpPr>
+              <a:cxnSpLocks/>
+              <a:stCxn id="25" idx="4"/>
+              <a:endCxn id="30" idx="0"/>
+            </p:cNvCxnSpPr>
+            <p:nvPr/>
+          </p:nvCxnSpPr>
+          <p:spPr>
+            <a:xfrm>
+              <a:off x="1053102" y="4828073"/>
+              <a:ext cx="0" cy="432788"/>
             </a:xfrm>
             <a:prstGeom prst="line">
               <a:avLst/>
@@ -14130,6 +14105,426 @@
   <p:clrMapOvr>
     <a:masterClrMapping/>
   </p:clrMapOvr>
+  <p:timing>
+    <p:tnLst>
+      <p:par>
+        <p:cTn id="1" dur="indefinite" restart="never" nodeType="tmRoot">
+          <p:childTnLst>
+            <p:seq concurrent="1" nextAc="seek">
+              <p:cTn id="2" dur="indefinite" nodeType="mainSeq">
+                <p:childTnLst>
+                  <p:par>
+                    <p:cTn id="3" fill="hold">
+                      <p:stCondLst>
+                        <p:cond delay="indefinite"/>
+                      </p:stCondLst>
+                      <p:childTnLst>
+                        <p:par>
+                          <p:cTn id="4" fill="hold">
+                            <p:stCondLst>
+                              <p:cond delay="0"/>
+                            </p:stCondLst>
+                            <p:childTnLst>
+                              <p:par>
+                                <p:cTn id="5" presetID="14" presetClass="entr" presetSubtype="10" fill="hold" nodeType="clickEffect">
+                                  <p:stCondLst>
+                                    <p:cond delay="0"/>
+                                  </p:stCondLst>
+                                  <p:childTnLst>
+                                    <p:set>
+                                      <p:cBhvr>
+                                        <p:cTn id="6" dur="1" fill="hold">
+                                          <p:stCondLst>
+                                            <p:cond delay="0"/>
+                                          </p:stCondLst>
+                                        </p:cTn>
+                                        <p:tgtEl>
+                                          <p:spTgt spid="46"/>
+                                        </p:tgtEl>
+                                        <p:attrNameLst>
+                                          <p:attrName>style.visibility</p:attrName>
+                                        </p:attrNameLst>
+                                      </p:cBhvr>
+                                      <p:to>
+                                        <p:strVal val="visible"/>
+                                      </p:to>
+                                    </p:set>
+                                    <p:animEffect transition="in" filter="randombar(horizontal)">
+                                      <p:cBhvr>
+                                        <p:cTn id="7" dur="500"/>
+                                        <p:tgtEl>
+                                          <p:spTgt spid="46"/>
+                                        </p:tgtEl>
+                                      </p:cBhvr>
+                                    </p:animEffect>
+                                  </p:childTnLst>
+                                </p:cTn>
+                              </p:par>
+                              <p:par>
+                                <p:cTn id="8" presetID="14" presetClass="entr" presetSubtype="10" fill="hold" nodeType="withEffect">
+                                  <p:stCondLst>
+                                    <p:cond delay="0"/>
+                                  </p:stCondLst>
+                                  <p:childTnLst>
+                                    <p:set>
+                                      <p:cBhvr>
+                                        <p:cTn id="9" dur="1" fill="hold">
+                                          <p:stCondLst>
+                                            <p:cond delay="0"/>
+                                          </p:stCondLst>
+                                        </p:cTn>
+                                        <p:tgtEl>
+                                          <p:spTgt spid="47"/>
+                                        </p:tgtEl>
+                                        <p:attrNameLst>
+                                          <p:attrName>style.visibility</p:attrName>
+                                        </p:attrNameLst>
+                                      </p:cBhvr>
+                                      <p:to>
+                                        <p:strVal val="visible"/>
+                                      </p:to>
+                                    </p:set>
+                                    <p:animEffect transition="in" filter="randombar(horizontal)">
+                                      <p:cBhvr>
+                                        <p:cTn id="10" dur="500"/>
+                                        <p:tgtEl>
+                                          <p:spTgt spid="47"/>
+                                        </p:tgtEl>
+                                      </p:cBhvr>
+                                    </p:animEffect>
+                                  </p:childTnLst>
+                                </p:cTn>
+                              </p:par>
+                              <p:par>
+                                <p:cTn id="11" presetID="14" presetClass="entr" presetSubtype="10" fill="hold" nodeType="withEffect">
+                                  <p:stCondLst>
+                                    <p:cond delay="0"/>
+                                  </p:stCondLst>
+                                  <p:childTnLst>
+                                    <p:set>
+                                      <p:cBhvr>
+                                        <p:cTn id="12" dur="1" fill="hold">
+                                          <p:stCondLst>
+                                            <p:cond delay="0"/>
+                                          </p:stCondLst>
+                                        </p:cTn>
+                                        <p:tgtEl>
+                                          <p:spTgt spid="50"/>
+                                        </p:tgtEl>
+                                        <p:attrNameLst>
+                                          <p:attrName>style.visibility</p:attrName>
+                                        </p:attrNameLst>
+                                      </p:cBhvr>
+                                      <p:to>
+                                        <p:strVal val="visible"/>
+                                      </p:to>
+                                    </p:set>
+                                    <p:animEffect transition="in" filter="randombar(horizontal)">
+                                      <p:cBhvr>
+                                        <p:cTn id="13" dur="500"/>
+                                        <p:tgtEl>
+                                          <p:spTgt spid="50"/>
+                                        </p:tgtEl>
+                                      </p:cBhvr>
+                                    </p:animEffect>
+                                  </p:childTnLst>
+                                </p:cTn>
+                              </p:par>
+                              <p:par>
+                                <p:cTn id="14" presetID="14" presetClass="entr" presetSubtype="10" fill="hold" nodeType="withEffect">
+                                  <p:stCondLst>
+                                    <p:cond delay="0"/>
+                                  </p:stCondLst>
+                                  <p:childTnLst>
+                                    <p:set>
+                                      <p:cBhvr>
+                                        <p:cTn id="15" dur="1" fill="hold">
+                                          <p:stCondLst>
+                                            <p:cond delay="0"/>
+                                          </p:stCondLst>
+                                        </p:cTn>
+                                        <p:tgtEl>
+                                          <p:spTgt spid="58"/>
+                                        </p:tgtEl>
+                                        <p:attrNameLst>
+                                          <p:attrName>style.visibility</p:attrName>
+                                        </p:attrNameLst>
+                                      </p:cBhvr>
+                                      <p:to>
+                                        <p:strVal val="visible"/>
+                                      </p:to>
+                                    </p:set>
+                                    <p:animEffect transition="in" filter="randombar(horizontal)">
+                                      <p:cBhvr>
+                                        <p:cTn id="16" dur="500"/>
+                                        <p:tgtEl>
+                                          <p:spTgt spid="58"/>
+                                        </p:tgtEl>
+                                      </p:cBhvr>
+                                    </p:animEffect>
+                                  </p:childTnLst>
+                                </p:cTn>
+                              </p:par>
+                              <p:par>
+                                <p:cTn id="17" presetID="14" presetClass="entr" presetSubtype="10" fill="hold" nodeType="withEffect">
+                                  <p:stCondLst>
+                                    <p:cond delay="0"/>
+                                  </p:stCondLst>
+                                  <p:childTnLst>
+                                    <p:set>
+                                      <p:cBhvr>
+                                        <p:cTn id="18" dur="1" fill="hold">
+                                          <p:stCondLst>
+                                            <p:cond delay="0"/>
+                                          </p:stCondLst>
+                                        </p:cTn>
+                                        <p:tgtEl>
+                                          <p:spTgt spid="57"/>
+                                        </p:tgtEl>
+                                        <p:attrNameLst>
+                                          <p:attrName>style.visibility</p:attrName>
+                                        </p:attrNameLst>
+                                      </p:cBhvr>
+                                      <p:to>
+                                        <p:strVal val="visible"/>
+                                      </p:to>
+                                    </p:set>
+                                    <p:animEffect transition="in" filter="randombar(horizontal)">
+                                      <p:cBhvr>
+                                        <p:cTn id="19" dur="500"/>
+                                        <p:tgtEl>
+                                          <p:spTgt spid="57"/>
+                                        </p:tgtEl>
+                                      </p:cBhvr>
+                                    </p:animEffect>
+                                  </p:childTnLst>
+                                </p:cTn>
+                              </p:par>
+                              <p:par>
+                                <p:cTn id="20" presetID="14" presetClass="entr" presetSubtype="10" fill="hold" nodeType="withEffect">
+                                  <p:stCondLst>
+                                    <p:cond delay="0"/>
+                                  </p:stCondLst>
+                                  <p:childTnLst>
+                                    <p:set>
+                                      <p:cBhvr>
+                                        <p:cTn id="21" dur="1" fill="hold">
+                                          <p:stCondLst>
+                                            <p:cond delay="0"/>
+                                          </p:stCondLst>
+                                        </p:cTn>
+                                        <p:tgtEl>
+                                          <p:spTgt spid="56"/>
+                                        </p:tgtEl>
+                                        <p:attrNameLst>
+                                          <p:attrName>style.visibility</p:attrName>
+                                        </p:attrNameLst>
+                                      </p:cBhvr>
+                                      <p:to>
+                                        <p:strVal val="visible"/>
+                                      </p:to>
+                                    </p:set>
+                                    <p:animEffect transition="in" filter="randombar(horizontal)">
+                                      <p:cBhvr>
+                                        <p:cTn id="22" dur="500"/>
+                                        <p:tgtEl>
+                                          <p:spTgt spid="56"/>
+                                        </p:tgtEl>
+                                      </p:cBhvr>
+                                    </p:animEffect>
+                                  </p:childTnLst>
+                                </p:cTn>
+                              </p:par>
+                            </p:childTnLst>
+                          </p:cTn>
+                        </p:par>
+                      </p:childTnLst>
+                    </p:cTn>
+                  </p:par>
+                  <p:par>
+                    <p:cTn id="23" fill="hold">
+                      <p:stCondLst>
+                        <p:cond delay="indefinite"/>
+                      </p:stCondLst>
+                      <p:childTnLst>
+                        <p:par>
+                          <p:cTn id="24" fill="hold">
+                            <p:stCondLst>
+                              <p:cond delay="0"/>
+                            </p:stCondLst>
+                            <p:childTnLst>
+                              <p:par>
+                                <p:cTn id="25" presetID="14" presetClass="entr" presetSubtype="10" fill="hold" nodeType="clickEffect">
+                                  <p:stCondLst>
+                                    <p:cond delay="0"/>
+                                  </p:stCondLst>
+                                  <p:childTnLst>
+                                    <p:set>
+                                      <p:cBhvr>
+                                        <p:cTn id="26" dur="1" fill="hold">
+                                          <p:stCondLst>
+                                            <p:cond delay="0"/>
+                                          </p:stCondLst>
+                                        </p:cTn>
+                                        <p:tgtEl>
+                                          <p:spTgt spid="95"/>
+                                        </p:tgtEl>
+                                        <p:attrNameLst>
+                                          <p:attrName>style.visibility</p:attrName>
+                                        </p:attrNameLst>
+                                      </p:cBhvr>
+                                      <p:to>
+                                        <p:strVal val="visible"/>
+                                      </p:to>
+                                    </p:set>
+                                    <p:animEffect transition="in" filter="randombar(horizontal)">
+                                      <p:cBhvr>
+                                        <p:cTn id="27" dur="500"/>
+                                        <p:tgtEl>
+                                          <p:spTgt spid="95"/>
+                                        </p:tgtEl>
+                                      </p:cBhvr>
+                                    </p:animEffect>
+                                  </p:childTnLst>
+                                </p:cTn>
+                              </p:par>
+                            </p:childTnLst>
+                          </p:cTn>
+                        </p:par>
+                      </p:childTnLst>
+                    </p:cTn>
+                  </p:par>
+                  <p:par>
+                    <p:cTn id="28" fill="hold">
+                      <p:stCondLst>
+                        <p:cond delay="indefinite"/>
+                      </p:stCondLst>
+                      <p:childTnLst>
+                        <p:par>
+                          <p:cTn id="29" fill="hold">
+                            <p:stCondLst>
+                              <p:cond delay="0"/>
+                            </p:stCondLst>
+                            <p:childTnLst>
+                              <p:par>
+                                <p:cTn id="30" presetID="14" presetClass="entr" presetSubtype="10" fill="hold" grpId="0" nodeType="clickEffect">
+                                  <p:stCondLst>
+                                    <p:cond delay="0"/>
+                                  </p:stCondLst>
+                                  <p:childTnLst>
+                                    <p:set>
+                                      <p:cBhvr>
+                                        <p:cTn id="31" dur="1" fill="hold">
+                                          <p:stCondLst>
+                                            <p:cond delay="0"/>
+                                          </p:stCondLst>
+                                        </p:cTn>
+                                        <p:tgtEl>
+                                          <p:spTgt spid="21"/>
+                                        </p:tgtEl>
+                                        <p:attrNameLst>
+                                          <p:attrName>style.visibility</p:attrName>
+                                        </p:attrNameLst>
+                                      </p:cBhvr>
+                                      <p:to>
+                                        <p:strVal val="visible"/>
+                                      </p:to>
+                                    </p:set>
+                                    <p:animEffect transition="in" filter="randombar(horizontal)">
+                                      <p:cBhvr>
+                                        <p:cTn id="32" dur="500"/>
+                                        <p:tgtEl>
+                                          <p:spTgt spid="21"/>
+                                        </p:tgtEl>
+                                      </p:cBhvr>
+                                    </p:animEffect>
+                                  </p:childTnLst>
+                                </p:cTn>
+                              </p:par>
+                            </p:childTnLst>
+                          </p:cTn>
+                        </p:par>
+                      </p:childTnLst>
+                    </p:cTn>
+                  </p:par>
+                  <p:par>
+                    <p:cTn id="33" fill="hold">
+                      <p:stCondLst>
+                        <p:cond delay="indefinite"/>
+                      </p:stCondLst>
+                      <p:childTnLst>
+                        <p:par>
+                          <p:cTn id="34" fill="hold">
+                            <p:stCondLst>
+                              <p:cond delay="0"/>
+                            </p:stCondLst>
+                            <p:childTnLst>
+                              <p:par>
+                                <p:cTn id="35" presetID="14" presetClass="entr" presetSubtype="10" fill="hold" nodeType="clickEffect">
+                                  <p:stCondLst>
+                                    <p:cond delay="0"/>
+                                  </p:stCondLst>
+                                  <p:childTnLst>
+                                    <p:set>
+                                      <p:cBhvr>
+                                        <p:cTn id="36" dur="1" fill="hold">
+                                          <p:stCondLst>
+                                            <p:cond delay="0"/>
+                                          </p:stCondLst>
+                                        </p:cTn>
+                                        <p:tgtEl>
+                                          <p:spTgt spid="68"/>
+                                        </p:tgtEl>
+                                        <p:attrNameLst>
+                                          <p:attrName>style.visibility</p:attrName>
+                                        </p:attrNameLst>
+                                      </p:cBhvr>
+                                      <p:to>
+                                        <p:strVal val="visible"/>
+                                      </p:to>
+                                    </p:set>
+                                    <p:animEffect transition="in" filter="randombar(horizontal)">
+                                      <p:cBhvr>
+                                        <p:cTn id="37" dur="500"/>
+                                        <p:tgtEl>
+                                          <p:spTgt spid="68"/>
+                                        </p:tgtEl>
+                                      </p:cBhvr>
+                                    </p:animEffect>
+                                  </p:childTnLst>
+                                </p:cTn>
+                              </p:par>
+                            </p:childTnLst>
+                          </p:cTn>
+                        </p:par>
+                      </p:childTnLst>
+                    </p:cTn>
+                  </p:par>
+                </p:childTnLst>
+              </p:cTn>
+              <p:prevCondLst>
+                <p:cond evt="onPrev" delay="0">
+                  <p:tgtEl>
+                    <p:sldTgt/>
+                  </p:tgtEl>
+                </p:cond>
+              </p:prevCondLst>
+              <p:nextCondLst>
+                <p:cond evt="onNext" delay="0">
+                  <p:tgtEl>
+                    <p:sldTgt/>
+                  </p:tgtEl>
+                </p:cond>
+              </p:nextCondLst>
+            </p:seq>
+          </p:childTnLst>
+        </p:cTn>
+      </p:par>
+    </p:tnLst>
+    <p:bldLst>
+      <p:bldP spid="21" grpId="0"/>
+    </p:bldLst>
+  </p:timing>
 </p:sld>
 </file>
 

--- a/2-  Introduction to Machine Learning/Introduction to Machine Learning.pptx
+++ b/2-  Introduction to Machine Learning/Introduction to Machine Learning.pptx
@@ -5,7 +5,7 @@
     <p:sldMasterId id="2147483648" r:id="rId4"/>
   </p:sldMasterIdLst>
   <p:notesMasterIdLst>
-    <p:notesMasterId r:id="rId24"/>
+    <p:notesMasterId r:id="rId29"/>
   </p:notesMasterIdLst>
   <p:sldIdLst>
     <p:sldId id="257" r:id="rId5"/>
@@ -26,7 +26,12 @@
     <p:sldId id="310" r:id="rId20"/>
     <p:sldId id="311" r:id="rId21"/>
     <p:sldId id="313" r:id="rId22"/>
-    <p:sldId id="312" r:id="rId23"/>
+    <p:sldId id="314" r:id="rId23"/>
+    <p:sldId id="315" r:id="rId24"/>
+    <p:sldId id="316" r:id="rId25"/>
+    <p:sldId id="312" r:id="rId26"/>
+    <p:sldId id="317" r:id="rId27"/>
+    <p:sldId id="318" r:id="rId28"/>
   </p:sldIdLst>
   <p:sldSz cx="12192000" cy="6858000"/>
   <p:notesSz cx="6858000" cy="9144000"/>
@@ -1925,7 +1930,7 @@
     </p:spTree>
     <p:extLst>
       <p:ext uri="{BB962C8B-B14F-4D97-AF65-F5344CB8AC3E}">
-        <p14:creationId xmlns:p14="http://schemas.microsoft.com/office/powerpoint/2010/main" val="163682151"/>
+        <p14:creationId xmlns:p14="http://schemas.microsoft.com/office/powerpoint/2010/main" val="3294022467"/>
       </p:ext>
     </p:extLst>
   </p:cSld>
@@ -2062,6 +2067,686 @@
     <p:extLst>
       <p:ext uri="{BB962C8B-B14F-4D97-AF65-F5344CB8AC3E}">
         <p14:creationId xmlns:p14="http://schemas.microsoft.com/office/powerpoint/2010/main" val="1265636569"/>
+      </p:ext>
+    </p:extLst>
+  </p:cSld>
+  <p:clrMapOvr>
+    <a:masterClrMapping/>
+  </p:clrMapOvr>
+</p:notes>
+</file>
+
+<file path=ppt/notesSlides/notesSlide20.xml><?xml version="1.0" encoding="utf-8"?>
+<p:notes xmlns:a="http://schemas.openxmlformats.org/drawingml/2006/main" xmlns:r="http://schemas.openxmlformats.org/officeDocument/2006/relationships" xmlns:p="http://schemas.openxmlformats.org/presentationml/2006/main">
+  <p:cSld>
+    <p:spTree>
+      <p:nvGrpSpPr>
+        <p:cNvPr id="1" name=""/>
+        <p:cNvGrpSpPr/>
+        <p:nvPr/>
+      </p:nvGrpSpPr>
+      <p:grpSpPr>
+        <a:xfrm>
+          <a:off x="0" y="0"/>
+          <a:ext cx="0" cy="0"/>
+          <a:chOff x="0" y="0"/>
+          <a:chExt cx="0" cy="0"/>
+        </a:xfrm>
+      </p:grpSpPr>
+      <p:sp>
+        <p:nvSpPr>
+          <p:cNvPr id="2" name="Slide Image Placeholder 1"/>
+          <p:cNvSpPr>
+            <a:spLocks noGrp="1" noRot="1" noChangeAspect="1"/>
+          </p:cNvSpPr>
+          <p:nvPr>
+            <p:ph type="sldImg"/>
+          </p:nvPr>
+        </p:nvSpPr>
+        <p:spPr/>
+      </p:sp>
+      <p:sp>
+        <p:nvSpPr>
+          <p:cNvPr id="3" name="Notes Placeholder 2"/>
+          <p:cNvSpPr>
+            <a:spLocks noGrp="1"/>
+          </p:cNvSpPr>
+          <p:nvPr>
+            <p:ph type="body" idx="1"/>
+          </p:nvPr>
+        </p:nvSpPr>
+        <p:spPr/>
+        <p:txBody>
+          <a:bodyPr/>
+          <a:lstStyle/>
+          <a:p>
+            <a:r>
+              <a:rPr lang="en-US" b="0" i="0" dirty="0">
+                <a:solidFill>
+                  <a:srgbClr val="000000"/>
+                </a:solidFill>
+                <a:effectLst/>
+                <a:latin typeface="Charter"/>
+              </a:rPr>
+              <a:t>Have you asked yourself the question, why do people organize?</a:t>
+            </a:r>
+          </a:p>
+          <a:p>
+            <a:endParaRPr lang="en-US" b="0" i="0" dirty="0">
+              <a:solidFill>
+                <a:srgbClr val="000000"/>
+              </a:solidFill>
+              <a:effectLst/>
+              <a:latin typeface="Charter"/>
+            </a:endParaRPr>
+          </a:p>
+          <a:p>
+            <a:r>
+              <a:rPr lang="en-US" b="0" i="0" dirty="0">
+                <a:solidFill>
+                  <a:srgbClr val="000000"/>
+                </a:solidFill>
+                <a:effectLst/>
+                <a:latin typeface="Charter"/>
+              </a:rPr>
+              <a:t>Lets go to the psychology of organizing</a:t>
+            </a:r>
+          </a:p>
+          <a:p>
+            <a:endParaRPr lang="en-US" b="0" i="0" dirty="0">
+              <a:solidFill>
+                <a:srgbClr val="000000"/>
+              </a:solidFill>
+              <a:effectLst/>
+              <a:latin typeface="Charter"/>
+            </a:endParaRPr>
+          </a:p>
+          <a:p>
+            <a:r>
+              <a:rPr lang="en-US" b="0" i="0" dirty="0">
+                <a:solidFill>
+                  <a:srgbClr val="000000"/>
+                </a:solidFill>
+                <a:effectLst/>
+                <a:latin typeface="Charter"/>
+              </a:rPr>
+              <a:t>This predictability applies within the context of our homes, manifesting through the concept of organization</a:t>
+            </a:r>
+            <a:endParaRPr lang="en-PH" dirty="0"/>
+          </a:p>
+        </p:txBody>
+      </p:sp>
+      <p:sp>
+        <p:nvSpPr>
+          <p:cNvPr id="4" name="Slide Number Placeholder 3"/>
+          <p:cNvSpPr>
+            <a:spLocks noGrp="1"/>
+          </p:cNvSpPr>
+          <p:nvPr>
+            <p:ph type="sldNum" sz="quarter" idx="5"/>
+          </p:nvPr>
+        </p:nvSpPr>
+        <p:spPr/>
+        <p:txBody>
+          <a:bodyPr/>
+          <a:lstStyle/>
+          <a:p>
+            <a:fld id="{FE90CCE9-4AAE-4E1F-85AD-521A406D6524}" type="slidenum">
+              <a:rPr lang="en-PH" smtClean="0"/>
+              <a:t>20</a:t>
+            </a:fld>
+            <a:endParaRPr lang="en-PH"/>
+          </a:p>
+        </p:txBody>
+      </p:sp>
+    </p:spTree>
+    <p:extLst>
+      <p:ext uri="{BB962C8B-B14F-4D97-AF65-F5344CB8AC3E}">
+        <p14:creationId xmlns:p14="http://schemas.microsoft.com/office/powerpoint/2010/main" val="3206125215"/>
+      </p:ext>
+    </p:extLst>
+  </p:cSld>
+  <p:clrMapOvr>
+    <a:masterClrMapping/>
+  </p:clrMapOvr>
+</p:notes>
+</file>
+
+<file path=ppt/notesSlides/notesSlide21.xml><?xml version="1.0" encoding="utf-8"?>
+<p:notes xmlns:a="http://schemas.openxmlformats.org/drawingml/2006/main" xmlns:r="http://schemas.openxmlformats.org/officeDocument/2006/relationships" xmlns:p="http://schemas.openxmlformats.org/presentationml/2006/main">
+  <p:cSld>
+    <p:spTree>
+      <p:nvGrpSpPr>
+        <p:cNvPr id="1" name=""/>
+        <p:cNvGrpSpPr/>
+        <p:nvPr/>
+      </p:nvGrpSpPr>
+      <p:grpSpPr>
+        <a:xfrm>
+          <a:off x="0" y="0"/>
+          <a:ext cx="0" cy="0"/>
+          <a:chOff x="0" y="0"/>
+          <a:chExt cx="0" cy="0"/>
+        </a:xfrm>
+      </p:grpSpPr>
+      <p:sp>
+        <p:nvSpPr>
+          <p:cNvPr id="2" name="Slide Image Placeholder 1"/>
+          <p:cNvSpPr>
+            <a:spLocks noGrp="1" noRot="1" noChangeAspect="1"/>
+          </p:cNvSpPr>
+          <p:nvPr>
+            <p:ph type="sldImg"/>
+          </p:nvPr>
+        </p:nvSpPr>
+        <p:spPr/>
+      </p:sp>
+      <p:sp>
+        <p:nvSpPr>
+          <p:cNvPr id="3" name="Notes Placeholder 2"/>
+          <p:cNvSpPr>
+            <a:spLocks noGrp="1"/>
+          </p:cNvSpPr>
+          <p:nvPr>
+            <p:ph type="body" idx="1"/>
+          </p:nvPr>
+        </p:nvSpPr>
+        <p:spPr/>
+        <p:txBody>
+          <a:bodyPr/>
+          <a:lstStyle/>
+          <a:p>
+            <a:r>
+              <a:rPr lang="en-US" b="0" i="0" dirty="0">
+                <a:solidFill>
+                  <a:srgbClr val="000000"/>
+                </a:solidFill>
+                <a:effectLst/>
+                <a:latin typeface="Charter"/>
+              </a:rPr>
+              <a:t>Have you asked yourself the question, why do people organize?</a:t>
+            </a:r>
+          </a:p>
+          <a:p>
+            <a:endParaRPr lang="en-US" b="0" i="0" dirty="0">
+              <a:solidFill>
+                <a:srgbClr val="000000"/>
+              </a:solidFill>
+              <a:effectLst/>
+              <a:latin typeface="Charter"/>
+            </a:endParaRPr>
+          </a:p>
+          <a:p>
+            <a:r>
+              <a:rPr lang="en-US" b="0" i="0" dirty="0">
+                <a:solidFill>
+                  <a:srgbClr val="000000"/>
+                </a:solidFill>
+                <a:effectLst/>
+                <a:latin typeface="Charter"/>
+              </a:rPr>
+              <a:t>Lets go to the psychology of organizing</a:t>
+            </a:r>
+          </a:p>
+          <a:p>
+            <a:endParaRPr lang="en-US" b="0" i="0" dirty="0">
+              <a:solidFill>
+                <a:srgbClr val="000000"/>
+              </a:solidFill>
+              <a:effectLst/>
+              <a:latin typeface="Charter"/>
+            </a:endParaRPr>
+          </a:p>
+          <a:p>
+            <a:r>
+              <a:rPr lang="en-US" b="0" i="0" dirty="0">
+                <a:solidFill>
+                  <a:srgbClr val="000000"/>
+                </a:solidFill>
+                <a:effectLst/>
+                <a:latin typeface="Charter"/>
+              </a:rPr>
+              <a:t>This predictability applies within the context of our homes, manifesting through the concept of organization</a:t>
+            </a:r>
+            <a:endParaRPr lang="en-PH" dirty="0"/>
+          </a:p>
+        </p:txBody>
+      </p:sp>
+      <p:sp>
+        <p:nvSpPr>
+          <p:cNvPr id="4" name="Slide Number Placeholder 3"/>
+          <p:cNvSpPr>
+            <a:spLocks noGrp="1"/>
+          </p:cNvSpPr>
+          <p:nvPr>
+            <p:ph type="sldNum" sz="quarter" idx="5"/>
+          </p:nvPr>
+        </p:nvSpPr>
+        <p:spPr/>
+        <p:txBody>
+          <a:bodyPr/>
+          <a:lstStyle/>
+          <a:p>
+            <a:fld id="{FE90CCE9-4AAE-4E1F-85AD-521A406D6524}" type="slidenum">
+              <a:rPr lang="en-PH" smtClean="0"/>
+              <a:t>21</a:t>
+            </a:fld>
+            <a:endParaRPr lang="en-PH"/>
+          </a:p>
+        </p:txBody>
+      </p:sp>
+    </p:spTree>
+    <p:extLst>
+      <p:ext uri="{BB962C8B-B14F-4D97-AF65-F5344CB8AC3E}">
+        <p14:creationId xmlns:p14="http://schemas.microsoft.com/office/powerpoint/2010/main" val="1232146184"/>
+      </p:ext>
+    </p:extLst>
+  </p:cSld>
+  <p:clrMapOvr>
+    <a:masterClrMapping/>
+  </p:clrMapOvr>
+</p:notes>
+</file>
+
+<file path=ppt/notesSlides/notesSlide22.xml><?xml version="1.0" encoding="utf-8"?>
+<p:notes xmlns:a="http://schemas.openxmlformats.org/drawingml/2006/main" xmlns:r="http://schemas.openxmlformats.org/officeDocument/2006/relationships" xmlns:p="http://schemas.openxmlformats.org/presentationml/2006/main">
+  <p:cSld>
+    <p:spTree>
+      <p:nvGrpSpPr>
+        <p:cNvPr id="1" name=""/>
+        <p:cNvGrpSpPr/>
+        <p:nvPr/>
+      </p:nvGrpSpPr>
+      <p:grpSpPr>
+        <a:xfrm>
+          <a:off x="0" y="0"/>
+          <a:ext cx="0" cy="0"/>
+          <a:chOff x="0" y="0"/>
+          <a:chExt cx="0" cy="0"/>
+        </a:xfrm>
+      </p:grpSpPr>
+      <p:sp>
+        <p:nvSpPr>
+          <p:cNvPr id="2" name="Slide Image Placeholder 1"/>
+          <p:cNvSpPr>
+            <a:spLocks noGrp="1" noRot="1" noChangeAspect="1"/>
+          </p:cNvSpPr>
+          <p:nvPr>
+            <p:ph type="sldImg"/>
+          </p:nvPr>
+        </p:nvSpPr>
+        <p:spPr/>
+      </p:sp>
+      <p:sp>
+        <p:nvSpPr>
+          <p:cNvPr id="3" name="Notes Placeholder 2"/>
+          <p:cNvSpPr>
+            <a:spLocks noGrp="1"/>
+          </p:cNvSpPr>
+          <p:nvPr>
+            <p:ph type="body" idx="1"/>
+          </p:nvPr>
+        </p:nvSpPr>
+        <p:spPr/>
+        <p:txBody>
+          <a:bodyPr/>
+          <a:lstStyle/>
+          <a:p>
+            <a:r>
+              <a:rPr lang="en-US" b="0" i="0" dirty="0">
+                <a:solidFill>
+                  <a:srgbClr val="000000"/>
+                </a:solidFill>
+                <a:effectLst/>
+                <a:latin typeface="Charter"/>
+              </a:rPr>
+              <a:t>Have you asked yourself the question, why do people organize?</a:t>
+            </a:r>
+          </a:p>
+          <a:p>
+            <a:endParaRPr lang="en-US" b="0" i="0" dirty="0">
+              <a:solidFill>
+                <a:srgbClr val="000000"/>
+              </a:solidFill>
+              <a:effectLst/>
+              <a:latin typeface="Charter"/>
+            </a:endParaRPr>
+          </a:p>
+          <a:p>
+            <a:r>
+              <a:rPr lang="en-US" b="0" i="0" dirty="0">
+                <a:solidFill>
+                  <a:srgbClr val="000000"/>
+                </a:solidFill>
+                <a:effectLst/>
+                <a:latin typeface="Charter"/>
+              </a:rPr>
+              <a:t>Lets go to the psychology of organizing</a:t>
+            </a:r>
+          </a:p>
+          <a:p>
+            <a:endParaRPr lang="en-US" b="0" i="0" dirty="0">
+              <a:solidFill>
+                <a:srgbClr val="000000"/>
+              </a:solidFill>
+              <a:effectLst/>
+              <a:latin typeface="Charter"/>
+            </a:endParaRPr>
+          </a:p>
+          <a:p>
+            <a:r>
+              <a:rPr lang="en-US" b="0" i="0" dirty="0">
+                <a:solidFill>
+                  <a:srgbClr val="000000"/>
+                </a:solidFill>
+                <a:effectLst/>
+                <a:latin typeface="Charter"/>
+              </a:rPr>
+              <a:t>This predictability applies within the context of our homes, manifesting through the concept of organization</a:t>
+            </a:r>
+            <a:endParaRPr lang="en-PH" dirty="0"/>
+          </a:p>
+        </p:txBody>
+      </p:sp>
+      <p:sp>
+        <p:nvSpPr>
+          <p:cNvPr id="4" name="Slide Number Placeholder 3"/>
+          <p:cNvSpPr>
+            <a:spLocks noGrp="1"/>
+          </p:cNvSpPr>
+          <p:nvPr>
+            <p:ph type="sldNum" sz="quarter" idx="5"/>
+          </p:nvPr>
+        </p:nvSpPr>
+        <p:spPr/>
+        <p:txBody>
+          <a:bodyPr/>
+          <a:lstStyle/>
+          <a:p>
+            <a:fld id="{FE90CCE9-4AAE-4E1F-85AD-521A406D6524}" type="slidenum">
+              <a:rPr lang="en-PH" smtClean="0"/>
+              <a:t>22</a:t>
+            </a:fld>
+            <a:endParaRPr lang="en-PH"/>
+          </a:p>
+        </p:txBody>
+      </p:sp>
+    </p:spTree>
+    <p:extLst>
+      <p:ext uri="{BB962C8B-B14F-4D97-AF65-F5344CB8AC3E}">
+        <p14:creationId xmlns:p14="http://schemas.microsoft.com/office/powerpoint/2010/main" val="163682151"/>
+      </p:ext>
+    </p:extLst>
+  </p:cSld>
+  <p:clrMapOvr>
+    <a:masterClrMapping/>
+  </p:clrMapOvr>
+</p:notes>
+</file>
+
+<file path=ppt/notesSlides/notesSlide23.xml><?xml version="1.0" encoding="utf-8"?>
+<p:notes xmlns:a="http://schemas.openxmlformats.org/drawingml/2006/main" xmlns:r="http://schemas.openxmlformats.org/officeDocument/2006/relationships" xmlns:p="http://schemas.openxmlformats.org/presentationml/2006/main">
+  <p:cSld>
+    <p:spTree>
+      <p:nvGrpSpPr>
+        <p:cNvPr id="1" name=""/>
+        <p:cNvGrpSpPr/>
+        <p:nvPr/>
+      </p:nvGrpSpPr>
+      <p:grpSpPr>
+        <a:xfrm>
+          <a:off x="0" y="0"/>
+          <a:ext cx="0" cy="0"/>
+          <a:chOff x="0" y="0"/>
+          <a:chExt cx="0" cy="0"/>
+        </a:xfrm>
+      </p:grpSpPr>
+      <p:sp>
+        <p:nvSpPr>
+          <p:cNvPr id="2" name="Slide Image Placeholder 1"/>
+          <p:cNvSpPr>
+            <a:spLocks noGrp="1" noRot="1" noChangeAspect="1"/>
+          </p:cNvSpPr>
+          <p:nvPr>
+            <p:ph type="sldImg"/>
+          </p:nvPr>
+        </p:nvSpPr>
+        <p:spPr/>
+      </p:sp>
+      <p:sp>
+        <p:nvSpPr>
+          <p:cNvPr id="3" name="Notes Placeholder 2"/>
+          <p:cNvSpPr>
+            <a:spLocks noGrp="1"/>
+          </p:cNvSpPr>
+          <p:nvPr>
+            <p:ph type="body" idx="1"/>
+          </p:nvPr>
+        </p:nvSpPr>
+        <p:spPr/>
+        <p:txBody>
+          <a:bodyPr/>
+          <a:lstStyle/>
+          <a:p>
+            <a:r>
+              <a:rPr lang="en-US" b="0" i="0" dirty="0">
+                <a:solidFill>
+                  <a:srgbClr val="000000"/>
+                </a:solidFill>
+                <a:effectLst/>
+                <a:latin typeface="Charter"/>
+              </a:rPr>
+              <a:t>Have you asked yourself the question, why do people organize?</a:t>
+            </a:r>
+          </a:p>
+          <a:p>
+            <a:endParaRPr lang="en-US" b="0" i="0" dirty="0">
+              <a:solidFill>
+                <a:srgbClr val="000000"/>
+              </a:solidFill>
+              <a:effectLst/>
+              <a:latin typeface="Charter"/>
+            </a:endParaRPr>
+          </a:p>
+          <a:p>
+            <a:r>
+              <a:rPr lang="en-US" b="0" i="0" dirty="0">
+                <a:solidFill>
+                  <a:srgbClr val="000000"/>
+                </a:solidFill>
+                <a:effectLst/>
+                <a:latin typeface="Charter"/>
+              </a:rPr>
+              <a:t>Lets go to the psychology of organizing</a:t>
+            </a:r>
+          </a:p>
+          <a:p>
+            <a:endParaRPr lang="en-US" b="0" i="0" dirty="0">
+              <a:solidFill>
+                <a:srgbClr val="000000"/>
+              </a:solidFill>
+              <a:effectLst/>
+              <a:latin typeface="Charter"/>
+            </a:endParaRPr>
+          </a:p>
+          <a:p>
+            <a:r>
+              <a:rPr lang="en-US" b="0" i="0" dirty="0">
+                <a:solidFill>
+                  <a:srgbClr val="000000"/>
+                </a:solidFill>
+                <a:effectLst/>
+                <a:latin typeface="Charter"/>
+              </a:rPr>
+              <a:t>This predictability applies within the context of our homes, manifesting through the concept of organization</a:t>
+            </a:r>
+            <a:endParaRPr lang="en-PH" dirty="0"/>
+          </a:p>
+        </p:txBody>
+      </p:sp>
+      <p:sp>
+        <p:nvSpPr>
+          <p:cNvPr id="4" name="Slide Number Placeholder 3"/>
+          <p:cNvSpPr>
+            <a:spLocks noGrp="1"/>
+          </p:cNvSpPr>
+          <p:nvPr>
+            <p:ph type="sldNum" sz="quarter" idx="5"/>
+          </p:nvPr>
+        </p:nvSpPr>
+        <p:spPr/>
+        <p:txBody>
+          <a:bodyPr/>
+          <a:lstStyle/>
+          <a:p>
+            <a:fld id="{FE90CCE9-4AAE-4E1F-85AD-521A406D6524}" type="slidenum">
+              <a:rPr lang="en-PH" smtClean="0"/>
+              <a:t>23</a:t>
+            </a:fld>
+            <a:endParaRPr lang="en-PH"/>
+          </a:p>
+        </p:txBody>
+      </p:sp>
+    </p:spTree>
+    <p:extLst>
+      <p:ext uri="{BB962C8B-B14F-4D97-AF65-F5344CB8AC3E}">
+        <p14:creationId xmlns:p14="http://schemas.microsoft.com/office/powerpoint/2010/main" val="632245251"/>
+      </p:ext>
+    </p:extLst>
+  </p:cSld>
+  <p:clrMapOvr>
+    <a:masterClrMapping/>
+  </p:clrMapOvr>
+</p:notes>
+</file>
+
+<file path=ppt/notesSlides/notesSlide24.xml><?xml version="1.0" encoding="utf-8"?>
+<p:notes xmlns:a="http://schemas.openxmlformats.org/drawingml/2006/main" xmlns:r="http://schemas.openxmlformats.org/officeDocument/2006/relationships" xmlns:p="http://schemas.openxmlformats.org/presentationml/2006/main">
+  <p:cSld>
+    <p:spTree>
+      <p:nvGrpSpPr>
+        <p:cNvPr id="1" name=""/>
+        <p:cNvGrpSpPr/>
+        <p:nvPr/>
+      </p:nvGrpSpPr>
+      <p:grpSpPr>
+        <a:xfrm>
+          <a:off x="0" y="0"/>
+          <a:ext cx="0" cy="0"/>
+          <a:chOff x="0" y="0"/>
+          <a:chExt cx="0" cy="0"/>
+        </a:xfrm>
+      </p:grpSpPr>
+      <p:sp>
+        <p:nvSpPr>
+          <p:cNvPr id="2" name="Slide Image Placeholder 1"/>
+          <p:cNvSpPr>
+            <a:spLocks noGrp="1" noRot="1" noChangeAspect="1"/>
+          </p:cNvSpPr>
+          <p:nvPr>
+            <p:ph type="sldImg"/>
+          </p:nvPr>
+        </p:nvSpPr>
+        <p:spPr/>
+      </p:sp>
+      <p:sp>
+        <p:nvSpPr>
+          <p:cNvPr id="3" name="Notes Placeholder 2"/>
+          <p:cNvSpPr>
+            <a:spLocks noGrp="1"/>
+          </p:cNvSpPr>
+          <p:nvPr>
+            <p:ph type="body" idx="1"/>
+          </p:nvPr>
+        </p:nvSpPr>
+        <p:spPr/>
+        <p:txBody>
+          <a:bodyPr/>
+          <a:lstStyle/>
+          <a:p>
+            <a:r>
+              <a:rPr lang="en-US" b="0" i="0" dirty="0">
+                <a:solidFill>
+                  <a:srgbClr val="000000"/>
+                </a:solidFill>
+                <a:effectLst/>
+                <a:latin typeface="Charter"/>
+              </a:rPr>
+              <a:t>Have you asked yourself the question, why do people organize?</a:t>
+            </a:r>
+          </a:p>
+          <a:p>
+            <a:endParaRPr lang="en-US" b="0" i="0" dirty="0">
+              <a:solidFill>
+                <a:srgbClr val="000000"/>
+              </a:solidFill>
+              <a:effectLst/>
+              <a:latin typeface="Charter"/>
+            </a:endParaRPr>
+          </a:p>
+          <a:p>
+            <a:r>
+              <a:rPr lang="en-US" b="0" i="0" dirty="0">
+                <a:solidFill>
+                  <a:srgbClr val="000000"/>
+                </a:solidFill>
+                <a:effectLst/>
+                <a:latin typeface="Charter"/>
+              </a:rPr>
+              <a:t>Lets go to the psychology of organizing</a:t>
+            </a:r>
+          </a:p>
+          <a:p>
+            <a:endParaRPr lang="en-US" b="0" i="0" dirty="0">
+              <a:solidFill>
+                <a:srgbClr val="000000"/>
+              </a:solidFill>
+              <a:effectLst/>
+              <a:latin typeface="Charter"/>
+            </a:endParaRPr>
+          </a:p>
+          <a:p>
+            <a:r>
+              <a:rPr lang="en-US" b="0" i="0" dirty="0">
+                <a:solidFill>
+                  <a:srgbClr val="000000"/>
+                </a:solidFill>
+                <a:effectLst/>
+                <a:latin typeface="Charter"/>
+              </a:rPr>
+              <a:t>This predictability applies within the context of our homes, manifesting through the concept of organization</a:t>
+            </a:r>
+            <a:endParaRPr lang="en-PH" dirty="0"/>
+          </a:p>
+        </p:txBody>
+      </p:sp>
+      <p:sp>
+        <p:nvSpPr>
+          <p:cNvPr id="4" name="Slide Number Placeholder 3"/>
+          <p:cNvSpPr>
+            <a:spLocks noGrp="1"/>
+          </p:cNvSpPr>
+          <p:nvPr>
+            <p:ph type="sldNum" sz="quarter" idx="5"/>
+          </p:nvPr>
+        </p:nvSpPr>
+        <p:spPr/>
+        <p:txBody>
+          <a:bodyPr/>
+          <a:lstStyle/>
+          <a:p>
+            <a:fld id="{FE90CCE9-4AAE-4E1F-85AD-521A406D6524}" type="slidenum">
+              <a:rPr lang="en-PH" smtClean="0"/>
+              <a:t>24</a:t>
+            </a:fld>
+            <a:endParaRPr lang="en-PH"/>
+          </a:p>
+        </p:txBody>
+      </p:sp>
+    </p:spTree>
+    <p:extLst>
+      <p:ext uri="{BB962C8B-B14F-4D97-AF65-F5344CB8AC3E}">
+        <p14:creationId xmlns:p14="http://schemas.microsoft.com/office/powerpoint/2010/main" val="3854776875"/>
       </p:ext>
     </p:extLst>
   </p:cSld>
@@ -7073,7 +7758,7 @@
         </p:spPr>
         <p:txBody>
           <a:bodyPr vert="horz" lIns="91440" tIns="45720" rIns="91440" bIns="45720" rtlCol="0" anchor="b">
-            <a:normAutofit fontScale="82500" lnSpcReduction="20000"/>
+            <a:normAutofit fontScale="97500"/>
           </a:bodyPr>
           <a:lstStyle>
             <a:lvl1pPr algn="ctr" defTabSz="914400" rtl="0" eaLnBrk="1" latinLnBrk="0" hangingPunct="1">
@@ -7128,7 +7813,7 @@
                 </a:solidFill>
                 <a:latin typeface="Calibri Light (Headings)"/>
               </a:rPr>
-              <a:t>What is Machine Learning</a:t>
+              <a:t>What is Machine Learning?</a:t>
             </a:r>
             <a:endParaRPr lang="en-US" sz="2900" b="1" i="0" dirty="0">
               <a:solidFill>
@@ -7162,6 +7847,33 @@
               </a:rPr>
               <a:t>The Machine Learning Paradigm</a:t>
             </a:r>
+          </a:p>
+          <a:p>
+            <a:pPr marL="457200" indent="-457200" algn="l">
+              <a:buFont typeface="Wingdings" pitchFamily="2" charset="2"/>
+              <a:buChar char="Ø"/>
+            </a:pPr>
+            <a:endParaRPr lang="en-US" sz="2900" b="1" dirty="0">
+              <a:latin typeface="Calibri Light (Headings)"/>
+            </a:endParaRPr>
+          </a:p>
+          <a:p>
+            <a:pPr marL="457200" indent="-457200" algn="l">
+              <a:buFont typeface="Wingdings" pitchFamily="2" charset="2"/>
+              <a:buChar char="Ø"/>
+            </a:pPr>
+            <a:endParaRPr lang="en-US" sz="2900" b="1" dirty="0">
+              <a:latin typeface="Calibri Light (Headings)"/>
+            </a:endParaRPr>
+          </a:p>
+          <a:p>
+            <a:pPr marL="457200" indent="-457200" algn="l">
+              <a:buFont typeface="Wingdings" pitchFamily="2" charset="2"/>
+              <a:buChar char="Ø"/>
+            </a:pPr>
+            <a:endParaRPr lang="en-US" sz="2900" b="1" dirty="0">
+              <a:latin typeface="Calibri Light (Headings)"/>
+            </a:endParaRPr>
           </a:p>
           <a:p>
             <a:pPr marL="457200" indent="-457200" algn="l">
@@ -7177,25 +7889,6 @@
               </a:solidFill>
               <a:latin typeface="Calibri Light (Headings)"/>
             </a:endParaRPr>
-          </a:p>
-          <a:p>
-            <a:pPr marL="457200" indent="-457200" algn="l">
-              <a:buFont typeface="Wingdings" pitchFamily="2" charset="2"/>
-              <a:buChar char="Ø"/>
-            </a:pPr>
-            <a:r>
-              <a:rPr lang="en-US" sz="2900" b="1" i="0" dirty="0">
-                <a:solidFill>
-                  <a:schemeClr val="tx1">
-                    <a:lumMod val="50000"/>
-                    <a:lumOff val="50000"/>
-                  </a:schemeClr>
-                </a:solidFill>
-                <a:effectLst/>
-                <a:latin typeface="Calibri Light (Headings)"/>
-              </a:rPr>
-              <a:t>C</a:t>
-            </a:r>
           </a:p>
           <a:p>
             <a:pPr marL="457200" indent="-457200" algn="l">
@@ -7212,126 +7905,6 @@
               <a:effectLst/>
               <a:latin typeface="Calibri Light (Headings)"/>
             </a:endParaRPr>
-          </a:p>
-          <a:p>
-            <a:pPr marL="457200" indent="-457200" algn="l">
-              <a:buFont typeface="Wingdings" pitchFamily="2" charset="2"/>
-              <a:buChar char="Ø"/>
-            </a:pPr>
-            <a:r>
-              <a:rPr lang="en-US" sz="2900" b="1" dirty="0">
-                <a:solidFill>
-                  <a:schemeClr val="tx1">
-                    <a:lumMod val="50000"/>
-                    <a:lumOff val="50000"/>
-                  </a:schemeClr>
-                </a:solidFill>
-                <a:latin typeface="Calibri Light (Headings)"/>
-              </a:rPr>
-              <a:t>D</a:t>
-            </a:r>
-          </a:p>
-          <a:p>
-            <a:pPr marL="457200" indent="-457200" algn="l">
-              <a:buFont typeface="Wingdings" pitchFamily="2" charset="2"/>
-              <a:buChar char="Ø"/>
-            </a:pPr>
-            <a:endParaRPr lang="en-US" sz="2900" b="1" dirty="0">
-              <a:solidFill>
-                <a:schemeClr val="tx1">
-                  <a:lumMod val="50000"/>
-                  <a:lumOff val="50000"/>
-                </a:schemeClr>
-              </a:solidFill>
-              <a:latin typeface="Calibri Light (Headings)"/>
-            </a:endParaRPr>
-          </a:p>
-          <a:p>
-            <a:pPr marL="457200" indent="-457200" algn="l">
-              <a:buFont typeface="Wingdings" pitchFamily="2" charset="2"/>
-              <a:buChar char="Ø"/>
-            </a:pPr>
-            <a:r>
-              <a:rPr lang="en-US" sz="2900" b="1" i="0" dirty="0">
-                <a:solidFill>
-                  <a:schemeClr val="tx1">
-                    <a:lumMod val="50000"/>
-                    <a:lumOff val="50000"/>
-                  </a:schemeClr>
-                </a:solidFill>
-                <a:effectLst/>
-                <a:latin typeface="Calibri Light (Headings)"/>
-              </a:rPr>
-              <a:t>E</a:t>
-            </a:r>
-          </a:p>
-          <a:p>
-            <a:pPr marL="457200" indent="-457200" algn="l">
-              <a:buFont typeface="Wingdings" pitchFamily="2" charset="2"/>
-              <a:buChar char="Ø"/>
-            </a:pPr>
-            <a:endParaRPr lang="en-US" sz="2900" b="1" i="0" dirty="0">
-              <a:solidFill>
-                <a:schemeClr val="tx1">
-                  <a:lumMod val="50000"/>
-                  <a:lumOff val="50000"/>
-                </a:schemeClr>
-              </a:solidFill>
-              <a:effectLst/>
-              <a:latin typeface="Calibri Light (Headings)"/>
-            </a:endParaRPr>
-          </a:p>
-          <a:p>
-            <a:pPr marL="457200" indent="-457200" algn="l">
-              <a:buFont typeface="Wingdings" pitchFamily="2" charset="2"/>
-              <a:buChar char="Ø"/>
-            </a:pPr>
-            <a:r>
-              <a:rPr lang="en-US" sz="2900" b="1" dirty="0">
-                <a:solidFill>
-                  <a:schemeClr val="tx1">
-                    <a:lumMod val="50000"/>
-                    <a:lumOff val="50000"/>
-                  </a:schemeClr>
-                </a:solidFill>
-                <a:latin typeface="Calibri Light (Headings)"/>
-              </a:rPr>
-              <a:t>F</a:t>
-            </a:r>
-          </a:p>
-          <a:p>
-            <a:pPr marL="457200" indent="-457200" algn="l">
-              <a:buFont typeface="Wingdings" pitchFamily="2" charset="2"/>
-              <a:buChar char="Ø"/>
-            </a:pPr>
-            <a:endParaRPr lang="en-US" sz="2900" b="1" dirty="0">
-              <a:solidFill>
-                <a:schemeClr val="tx1">
-                  <a:lumMod val="50000"/>
-                  <a:lumOff val="50000"/>
-                </a:schemeClr>
-              </a:solidFill>
-              <a:latin typeface="Calibri Light (Headings)"/>
-            </a:endParaRPr>
-          </a:p>
-          <a:p>
-            <a:pPr marL="457200" indent="-457200" algn="l">
-              <a:buFont typeface="Wingdings" pitchFamily="2" charset="2"/>
-              <a:buChar char="Ø"/>
-            </a:pPr>
-            <a:r>
-              <a:rPr lang="en-US" sz="2900" b="1" i="0" dirty="0">
-                <a:solidFill>
-                  <a:schemeClr val="tx1">
-                    <a:lumMod val="50000"/>
-                    <a:lumOff val="50000"/>
-                  </a:schemeClr>
-                </a:solidFill>
-                <a:effectLst/>
-                <a:latin typeface="Calibri Light (Headings)"/>
-              </a:rPr>
-              <a:t>G</a:t>
-            </a:r>
           </a:p>
           <a:p>
             <a:pPr algn="l"/>
@@ -10796,7 +11369,7 @@
         </p:nvSpPr>
         <p:spPr>
           <a:xfrm>
-            <a:off x="1524000" y="497150"/>
+            <a:off x="1524000" y="522550"/>
             <a:ext cx="9144000" cy="718459"/>
           </a:xfrm>
         </p:spPr>
@@ -10807,8 +11380,8 @@
           <a:lstStyle/>
           <a:p>
             <a:r>
-              <a:rPr lang="en-PH" sz="5500" b="1" dirty="0"/>
-              <a:t>Traditional Programming</a:t>
+              <a:rPr lang="en-PH" sz="5000" b="1" dirty="0"/>
+              <a:t>Traditional Programming Approach</a:t>
             </a:r>
           </a:p>
         </p:txBody>
@@ -11569,13 +12142,13 @@
         </p:spPr>
         <p:txBody>
           <a:bodyPr>
-            <a:normAutofit/>
+            <a:noAutofit/>
           </a:bodyPr>
           <a:lstStyle/>
           <a:p>
             <a:r>
-              <a:rPr lang="en-PH" sz="3900" b="1" dirty="0"/>
-              <a:t>Traditional Programming vs Machine Learning </a:t>
+              <a:rPr lang="en-PH" sz="5000" b="1" dirty="0"/>
+              <a:t>Machine Learning Approach </a:t>
             </a:r>
           </a:p>
         </p:txBody>
@@ -12394,7 +12967,7 @@
           <a:p>
             <a:r>
               <a:rPr lang="en-PH" sz="5500" b="1" dirty="0"/>
-              <a:t>Machine Learning </a:t>
+              <a:t>Machine Learning Approach </a:t>
             </a:r>
           </a:p>
         </p:txBody>
@@ -14584,14 +15157,15 @@
         </p:spPr>
         <p:txBody>
           <a:bodyPr>
-            <a:normAutofit/>
+            <a:normAutofit fontScale="90000"/>
           </a:bodyPr>
           <a:lstStyle/>
           <a:p>
             <a:r>
-              <a:rPr lang="en-PH" sz="3900" b="1" dirty="0"/>
-              <a:t>Traditional Programming vs Machine Learning </a:t>
-            </a:r>
+              <a:rPr lang="en-PH" sz="6000" b="1" dirty="0"/>
+              <a:t>Machine Learning Approach </a:t>
+            </a:r>
+            <a:endParaRPr lang="en-PH" b="1" dirty="0"/>
           </a:p>
         </p:txBody>
       </p:sp>
@@ -14655,8 +15229,8 @@
         </p:nvSpPr>
         <p:spPr>
           <a:xfrm>
-            <a:off x="3435262" y="1432214"/>
-            <a:ext cx="5321475" cy="3323987"/>
+            <a:off x="1524000" y="3954908"/>
+            <a:ext cx="9144000" cy="1938992"/>
           </a:xfrm>
           <a:prstGeom prst="rect">
             <a:avLst/>
@@ -14670,958 +15244,1562 @@
           <a:lstStyle/>
           <a:p>
             <a:r>
+              <a:rPr lang="en-US" sz="3000" dirty="0"/>
+              <a:t>A machine learning approach consists of using a </a:t>
+            </a:r>
+            <a:r>
+              <a:rPr lang="en-US" sz="3000" b="1" dirty="0"/>
+              <a:t>neural network</a:t>
+            </a:r>
+            <a:r>
+              <a:rPr lang="en-US" sz="3000" dirty="0"/>
+              <a:t> or a </a:t>
+            </a:r>
+            <a:r>
+              <a:rPr lang="en-US" sz="3000" b="1" dirty="0"/>
+              <a:t>machine learning algorithm</a:t>
+            </a:r>
+            <a:r>
+              <a:rPr lang="en-US" sz="3000" dirty="0"/>
+              <a:t> to learn the relations between the inputs and the outputs, thus learning the </a:t>
+            </a:r>
+            <a:r>
               <a:rPr lang="en-US" sz="3000" b="1" dirty="0">
                 <a:solidFill>
                   <a:srgbClr val="7030A0"/>
                 </a:solidFill>
-                <a:latin typeface="Consolas" panose="020B0609020204030204" pitchFamily="49" charset="0"/>
               </a:rPr>
-              <a:t>def</a:t>
+              <a:t>algorithm</a:t>
+            </a:r>
+            <a:endParaRPr lang="en-PH" sz="3000" b="1" dirty="0">
+              <a:solidFill>
+                <a:srgbClr val="7030A0"/>
+              </a:solidFill>
+            </a:endParaRPr>
+          </a:p>
+        </p:txBody>
+      </p:sp>
+      <p:grpSp>
+        <p:nvGrpSpPr>
+          <p:cNvPr id="5" name="Group 4">
+            <a:extLst>
+              <a:ext uri="{FF2B5EF4-FFF2-40B4-BE49-F238E27FC236}">
+                <a16:creationId xmlns:a16="http://schemas.microsoft.com/office/drawing/2014/main" id="{C79DAD4A-178F-93F6-3138-57D7871C206C}"/>
+              </a:ext>
+            </a:extLst>
+          </p:cNvPr>
+          <p:cNvGrpSpPr/>
+          <p:nvPr/>
+        </p:nvGrpSpPr>
+        <p:grpSpPr>
+          <a:xfrm>
+            <a:off x="6417269" y="1856629"/>
+            <a:ext cx="2621615" cy="1259202"/>
+            <a:chOff x="7888395" y="3253629"/>
+            <a:chExt cx="2621615" cy="1259202"/>
+          </a:xfrm>
+        </p:grpSpPr>
+        <p:sp>
+          <p:nvSpPr>
+            <p:cNvPr id="6" name="Rectangle: Rounded Corners 5">
+              <a:extLst>
+                <a:ext uri="{FF2B5EF4-FFF2-40B4-BE49-F238E27FC236}">
+                  <a16:creationId xmlns:a16="http://schemas.microsoft.com/office/drawing/2014/main" id="{F595B27B-95D6-4A54-AF01-1A3C22B459BC}"/>
+                </a:ext>
+              </a:extLst>
+            </p:cNvPr>
+            <p:cNvSpPr/>
+            <p:nvPr/>
+          </p:nvSpPr>
+          <p:spPr>
+            <a:xfrm>
+              <a:off x="7888395" y="3253629"/>
+              <a:ext cx="2621615" cy="1259202"/>
+            </a:xfrm>
+            <a:prstGeom prst="roundRect">
+              <a:avLst/>
+            </a:prstGeom>
+            <a:ln>
+              <a:solidFill>
+                <a:schemeClr val="accent5">
+                  <a:lumMod val="75000"/>
+                </a:schemeClr>
+              </a:solidFill>
+            </a:ln>
+            <a:effectLst>
+              <a:outerShdw blurRad="50800" dist="38100" dir="2700000" algn="tl" rotWithShape="0">
+                <a:prstClr val="black">
+                  <a:alpha val="40000"/>
+                </a:prstClr>
+              </a:outerShdw>
+            </a:effectLst>
+          </p:spPr>
+          <p:style>
+            <a:lnRef idx="2">
+              <a:schemeClr val="accent1">
+                <a:shade val="15000"/>
+              </a:schemeClr>
+            </a:lnRef>
+            <a:fillRef idx="1">
+              <a:schemeClr val="accent1"/>
+            </a:fillRef>
+            <a:effectRef idx="0">
+              <a:schemeClr val="accent1"/>
+            </a:effectRef>
+            <a:fontRef idx="minor">
+              <a:schemeClr val="lt1"/>
+            </a:fontRef>
+          </p:style>
+          <p:txBody>
+            <a:bodyPr rtlCol="0" anchor="ctr"/>
+            <a:lstStyle/>
+            <a:p>
+              <a:pPr algn="ctr"/>
+              <a:endParaRPr lang="en-US" sz="1500" b="1" dirty="0"/>
+            </a:p>
+            <a:p>
+              <a:pPr algn="ctr"/>
+              <a:endParaRPr lang="en-US" sz="1500" b="1" dirty="0"/>
+            </a:p>
+            <a:p>
+              <a:pPr algn="ctr"/>
+              <a:r>
+                <a:rPr lang="en-US" sz="1500" b="1" dirty="0"/>
+                <a:t>Machine Learning Algorithm</a:t>
+              </a:r>
+            </a:p>
+            <a:p>
+              <a:pPr algn="ctr"/>
+              <a:endParaRPr lang="en-US" sz="1500" b="1" dirty="0"/>
+            </a:p>
+            <a:p>
+              <a:pPr algn="ctr"/>
+              <a:endParaRPr lang="en-US" sz="1500" b="1" dirty="0"/>
+            </a:p>
+            <a:p>
+              <a:pPr algn="ctr"/>
+              <a:endParaRPr lang="en-US" sz="1500" b="1" dirty="0"/>
+            </a:p>
+            <a:p>
+              <a:pPr algn="ctr"/>
+              <a:endParaRPr lang="en-US" sz="1500" b="1" dirty="0"/>
+            </a:p>
+            <a:p>
+              <a:pPr algn="ctr"/>
+              <a:endParaRPr lang="en-PH" sz="1500" b="1" dirty="0"/>
+            </a:p>
+          </p:txBody>
+        </p:sp>
+        <p:pic>
+          <p:nvPicPr>
+            <p:cNvPr id="7" name="Picture 6" descr="Icon&#10;&#10;Description automatically generated">
+              <a:extLst>
+                <a:ext uri="{FF2B5EF4-FFF2-40B4-BE49-F238E27FC236}">
+                  <a16:creationId xmlns:a16="http://schemas.microsoft.com/office/drawing/2014/main" id="{70FA51C2-6079-99CA-A765-214CD5311CCD}"/>
+                </a:ext>
+              </a:extLst>
+            </p:cNvPr>
+            <p:cNvPicPr>
+              <a:picLocks noChangeAspect="1"/>
+            </p:cNvPicPr>
+            <p:nvPr/>
+          </p:nvPicPr>
+          <p:blipFill>
+            <a:blip r:embed="rId4">
+              <a:extLst>
+                <a:ext uri="{28A0092B-C50C-407E-A947-70E740481C1C}">
+                  <a14:useLocalDpi xmlns:a14="http://schemas.microsoft.com/office/drawing/2010/main" val="0"/>
+                </a:ext>
+              </a:extLst>
+            </a:blip>
+            <a:stretch>
+              <a:fillRect/>
+            </a:stretch>
+          </p:blipFill>
+          <p:spPr>
+            <a:xfrm>
+              <a:off x="8769753" y="3757582"/>
+              <a:ext cx="781026" cy="600293"/>
+            </a:xfrm>
+            <a:prstGeom prst="rect">
+              <a:avLst/>
+            </a:prstGeom>
+          </p:spPr>
+        </p:pic>
+      </p:grpSp>
+      <p:sp>
+        <p:nvSpPr>
+          <p:cNvPr id="8" name="TextBox 7">
+            <a:extLst>
+              <a:ext uri="{FF2B5EF4-FFF2-40B4-BE49-F238E27FC236}">
+                <a16:creationId xmlns:a16="http://schemas.microsoft.com/office/drawing/2014/main" id="{C319E0FD-5B5E-8908-A372-A490E5AE5398}"/>
+              </a:ext>
+            </a:extLst>
+          </p:cNvPr>
+          <p:cNvSpPr txBox="1"/>
+          <p:nvPr/>
+        </p:nvSpPr>
+        <p:spPr>
+          <a:xfrm>
+            <a:off x="5738821" y="2276763"/>
+            <a:ext cx="470000" cy="369332"/>
+          </a:xfrm>
+          <a:prstGeom prst="rect">
+            <a:avLst/>
+          </a:prstGeom>
+          <a:noFill/>
+        </p:spPr>
+        <p:txBody>
+          <a:bodyPr wrap="none" rtlCol="0">
+            <a:spAutoFit/>
+          </a:bodyPr>
+          <a:lstStyle/>
+          <a:p>
+            <a:r>
+              <a:rPr lang="en-US" b="1" dirty="0"/>
+              <a:t>OR</a:t>
+            </a:r>
+            <a:endParaRPr lang="en-PH" b="1" dirty="0"/>
+          </a:p>
+        </p:txBody>
+      </p:sp>
+      <p:pic>
+        <p:nvPicPr>
+          <p:cNvPr id="28" name="Picture 27" descr="A diagram of a network&#10;&#10;Description automatically generated">
+            <a:extLst>
+              <a:ext uri="{FF2B5EF4-FFF2-40B4-BE49-F238E27FC236}">
+                <a16:creationId xmlns:a16="http://schemas.microsoft.com/office/drawing/2014/main" id="{581B8259-7875-8C97-9F09-C88134445288}"/>
+              </a:ext>
+            </a:extLst>
+          </p:cNvPr>
+          <p:cNvPicPr>
+            <a:picLocks noChangeAspect="1"/>
+          </p:cNvPicPr>
+          <p:nvPr/>
+        </p:nvPicPr>
+        <p:blipFill>
+          <a:blip r:embed="rId5">
+            <a:extLst>
+              <a:ext uri="{28A0092B-C50C-407E-A947-70E740481C1C}">
+                <a14:useLocalDpi xmlns:a14="http://schemas.microsoft.com/office/drawing/2010/main" val="0"/>
+              </a:ext>
+            </a:extLst>
+          </a:blip>
+          <a:stretch>
+            <a:fillRect/>
+          </a:stretch>
+        </p:blipFill>
+        <p:spPr>
+          <a:xfrm>
+            <a:off x="2858155" y="1430658"/>
+            <a:ext cx="2834620" cy="2061542"/>
+          </a:xfrm>
+          <a:prstGeom prst="rect">
+            <a:avLst/>
+          </a:prstGeom>
+        </p:spPr>
+      </p:pic>
+    </p:spTree>
+    <p:extLst>
+      <p:ext uri="{BB962C8B-B14F-4D97-AF65-F5344CB8AC3E}">
+        <p14:creationId xmlns:p14="http://schemas.microsoft.com/office/powerpoint/2010/main" val="3906081867"/>
+      </p:ext>
+    </p:extLst>
+  </p:cSld>
+  <p:clrMapOvr>
+    <a:masterClrMapping/>
+  </p:clrMapOvr>
+  <p:timing>
+    <p:tnLst>
+      <p:par>
+        <p:cTn id="1" dur="indefinite" restart="never" nodeType="tmRoot">
+          <p:childTnLst>
+            <p:seq concurrent="1" nextAc="seek">
+              <p:cTn id="2" dur="indefinite" nodeType="mainSeq">
+                <p:childTnLst>
+                  <p:par>
+                    <p:cTn id="3" fill="hold">
+                      <p:stCondLst>
+                        <p:cond delay="indefinite"/>
+                      </p:stCondLst>
+                      <p:childTnLst>
+                        <p:par>
+                          <p:cTn id="4" fill="hold">
+                            <p:stCondLst>
+                              <p:cond delay="0"/>
+                            </p:stCondLst>
+                            <p:childTnLst>
+                              <p:par>
+                                <p:cTn id="5" presetID="14" presetClass="entr" presetSubtype="10" fill="hold" grpId="0" nodeType="clickEffect">
+                                  <p:stCondLst>
+                                    <p:cond delay="0"/>
+                                  </p:stCondLst>
+                                  <p:childTnLst>
+                                    <p:set>
+                                      <p:cBhvr>
+                                        <p:cTn id="6" dur="1" fill="hold">
+                                          <p:stCondLst>
+                                            <p:cond delay="0"/>
+                                          </p:stCondLst>
+                                        </p:cTn>
+                                        <p:tgtEl>
+                                          <p:spTgt spid="8"/>
+                                        </p:tgtEl>
+                                        <p:attrNameLst>
+                                          <p:attrName>style.visibility</p:attrName>
+                                        </p:attrNameLst>
+                                      </p:cBhvr>
+                                      <p:to>
+                                        <p:strVal val="visible"/>
+                                      </p:to>
+                                    </p:set>
+                                    <p:animEffect transition="in" filter="randombar(horizontal)">
+                                      <p:cBhvr>
+                                        <p:cTn id="7" dur="500"/>
+                                        <p:tgtEl>
+                                          <p:spTgt spid="8"/>
+                                        </p:tgtEl>
+                                      </p:cBhvr>
+                                    </p:animEffect>
+                                  </p:childTnLst>
+                                </p:cTn>
+                              </p:par>
+                            </p:childTnLst>
+                          </p:cTn>
+                        </p:par>
+                      </p:childTnLst>
+                    </p:cTn>
+                  </p:par>
+                  <p:par>
+                    <p:cTn id="8" fill="hold">
+                      <p:stCondLst>
+                        <p:cond delay="indefinite"/>
+                      </p:stCondLst>
+                      <p:childTnLst>
+                        <p:par>
+                          <p:cTn id="9" fill="hold">
+                            <p:stCondLst>
+                              <p:cond delay="0"/>
+                            </p:stCondLst>
+                            <p:childTnLst>
+                              <p:par>
+                                <p:cTn id="10" presetID="14" presetClass="entr" presetSubtype="10" fill="hold" nodeType="clickEffect">
+                                  <p:stCondLst>
+                                    <p:cond delay="0"/>
+                                  </p:stCondLst>
+                                  <p:childTnLst>
+                                    <p:set>
+                                      <p:cBhvr>
+                                        <p:cTn id="11" dur="1" fill="hold">
+                                          <p:stCondLst>
+                                            <p:cond delay="0"/>
+                                          </p:stCondLst>
+                                        </p:cTn>
+                                        <p:tgtEl>
+                                          <p:spTgt spid="5"/>
+                                        </p:tgtEl>
+                                        <p:attrNameLst>
+                                          <p:attrName>style.visibility</p:attrName>
+                                        </p:attrNameLst>
+                                      </p:cBhvr>
+                                      <p:to>
+                                        <p:strVal val="visible"/>
+                                      </p:to>
+                                    </p:set>
+                                    <p:animEffect transition="in" filter="randombar(horizontal)">
+                                      <p:cBhvr>
+                                        <p:cTn id="12" dur="500"/>
+                                        <p:tgtEl>
+                                          <p:spTgt spid="5"/>
+                                        </p:tgtEl>
+                                      </p:cBhvr>
+                                    </p:animEffect>
+                                  </p:childTnLst>
+                                </p:cTn>
+                              </p:par>
+                            </p:childTnLst>
+                          </p:cTn>
+                        </p:par>
+                      </p:childTnLst>
+                    </p:cTn>
+                  </p:par>
+                </p:childTnLst>
+              </p:cTn>
+              <p:prevCondLst>
+                <p:cond evt="onPrev" delay="0">
+                  <p:tgtEl>
+                    <p:sldTgt/>
+                  </p:tgtEl>
+                </p:cond>
+              </p:prevCondLst>
+              <p:nextCondLst>
+                <p:cond evt="onNext" delay="0">
+                  <p:tgtEl>
+                    <p:sldTgt/>
+                  </p:tgtEl>
+                </p:cond>
+              </p:nextCondLst>
+            </p:seq>
+          </p:childTnLst>
+        </p:cTn>
+      </p:par>
+    </p:tnLst>
+    <p:bldLst>
+      <p:bldP spid="8" grpId="0"/>
+    </p:bldLst>
+  </p:timing>
+</p:sld>
+</file>
+
+<file path=ppt/slides/slide2.xml><?xml version="1.0" encoding="utf-8"?>
+<p:sld xmlns:a="http://schemas.openxmlformats.org/drawingml/2006/main" xmlns:r="http://schemas.openxmlformats.org/officeDocument/2006/relationships" xmlns:p="http://schemas.openxmlformats.org/presentationml/2006/main">
+  <p:cSld>
+    <p:bg>
+      <p:bgPr>
+        <a:blipFill dpi="0" rotWithShape="1">
+          <a:blip r:embed="rId3">
+            <a:alphaModFix amt="99000"/>
+            <a:lum/>
+          </a:blip>
+          <a:srcRect/>
+          <a:stretch>
+            <a:fillRect t="89000" r="85000" b="-1000"/>
+          </a:stretch>
+        </a:blipFill>
+        <a:effectLst/>
+      </p:bgPr>
+    </p:bg>
+    <p:spTree>
+      <p:nvGrpSpPr>
+        <p:cNvPr id="1" name=""/>
+        <p:cNvGrpSpPr/>
+        <p:nvPr/>
+      </p:nvGrpSpPr>
+      <p:grpSpPr>
+        <a:xfrm>
+          <a:off x="0" y="0"/>
+          <a:ext cx="0" cy="0"/>
+          <a:chOff x="0" y="0"/>
+          <a:chExt cx="0" cy="0"/>
+        </a:xfrm>
+      </p:grpSpPr>
+      <p:sp>
+        <p:nvSpPr>
+          <p:cNvPr id="4" name="Footer Placeholder 3">
+            <a:extLst>
+              <a:ext uri="{FF2B5EF4-FFF2-40B4-BE49-F238E27FC236}">
+                <a16:creationId xmlns:a16="http://schemas.microsoft.com/office/drawing/2014/main" id="{638E7DE1-45EE-476A-A474-0F3C264AEDA3}"/>
+              </a:ext>
+            </a:extLst>
+          </p:cNvPr>
+          <p:cNvSpPr>
+            <a:spLocks noGrp="1"/>
+          </p:cNvSpPr>
+          <p:nvPr>
+            <p:ph type="ftr" sz="quarter" idx="11"/>
+          </p:nvPr>
+        </p:nvSpPr>
+        <p:spPr>
+          <a:xfrm>
+            <a:off x="0" y="6139541"/>
+            <a:ext cx="12192000" cy="718459"/>
+          </a:xfrm>
+          <a:ln w="28575">
+            <a:solidFill>
+              <a:schemeClr val="accent5">
+                <a:lumMod val="50000"/>
+              </a:schemeClr>
+            </a:solidFill>
+          </a:ln>
+        </p:spPr>
+        <p:txBody>
+          <a:bodyPr/>
+          <a:lstStyle/>
+          <a:p>
+            <a:pPr algn="r"/>
+            <a:r>
+              <a:rPr lang="en-US" b="1" dirty="0">
+                <a:solidFill>
+                  <a:schemeClr val="tx1"/>
+                </a:solidFill>
+              </a:rPr>
+              <a:t>CCINSYSL</a:t>
+            </a:r>
+            <a:endParaRPr lang="en-PH" dirty="0"/>
+          </a:p>
+        </p:txBody>
+      </p:sp>
+      <p:sp>
+        <p:nvSpPr>
+          <p:cNvPr id="5" name="Title 1">
+            <a:extLst>
+              <a:ext uri="{FF2B5EF4-FFF2-40B4-BE49-F238E27FC236}">
+                <a16:creationId xmlns:a16="http://schemas.microsoft.com/office/drawing/2014/main" id="{3444037F-B658-D82C-5DCA-53E8AA1493D7}"/>
+              </a:ext>
+            </a:extLst>
+          </p:cNvPr>
+          <p:cNvSpPr txBox="1">
+            <a:spLocks/>
+          </p:cNvSpPr>
+          <p:nvPr/>
+        </p:nvSpPr>
+        <p:spPr>
+          <a:xfrm>
+            <a:off x="613611" y="999091"/>
+            <a:ext cx="11273589" cy="4290585"/>
+          </a:xfrm>
+          <a:prstGeom prst="rect">
+            <a:avLst/>
+          </a:prstGeom>
+        </p:spPr>
+        <p:txBody>
+          <a:bodyPr vert="horz" lIns="91440" tIns="45720" rIns="91440" bIns="45720" rtlCol="0" anchor="b">
+            <a:normAutofit fontScale="97500"/>
+          </a:bodyPr>
+          <a:lstStyle>
+            <a:lvl1pPr algn="ctr" defTabSz="914400" rtl="0" eaLnBrk="1" latinLnBrk="0" hangingPunct="1">
+              <a:lnSpc>
+                <a:spcPct val="90000"/>
+              </a:lnSpc>
+              <a:spcBef>
+                <a:spcPct val="0"/>
+              </a:spcBef>
+              <a:buNone/>
+              <a:defRPr sz="6000" kern="1200">
+                <a:solidFill>
+                  <a:schemeClr val="tx1"/>
+                </a:solidFill>
+                <a:latin typeface="+mj-lt"/>
+                <a:ea typeface="+mj-ea"/>
+                <a:cs typeface="+mj-cs"/>
+              </a:defRPr>
+            </a:lvl1pPr>
+          </a:lstStyle>
+          <a:p>
+            <a:pPr algn="l"/>
+            <a:r>
+              <a:rPr lang="en-US" sz="4800" b="1" i="0" dirty="0">
+                <a:solidFill>
+                  <a:srgbClr val="252C33"/>
+                </a:solidFill>
+                <a:effectLst/>
+                <a:latin typeface="Calibri Light (Headings)"/>
+              </a:rPr>
+              <a:t>Outline</a:t>
+            </a:r>
+          </a:p>
+          <a:p>
+            <a:pPr algn="l"/>
+            <a:endParaRPr lang="en-US" sz="2900" dirty="0">
+              <a:solidFill>
+                <a:srgbClr val="252C33"/>
+              </a:solidFill>
+              <a:latin typeface="Calibri Light (Headings)"/>
+            </a:endParaRPr>
+          </a:p>
+          <a:p>
+            <a:pPr marL="457200" indent="-457200" algn="l">
+              <a:buFont typeface="Wingdings" pitchFamily="2" charset="2"/>
+              <a:buChar char="Ø"/>
+            </a:pPr>
+            <a:r>
+              <a:rPr lang="en-US" sz="2900" b="1" dirty="0">
+                <a:latin typeface="Calibri Light (Headings)"/>
+              </a:rPr>
+              <a:t>What is Machine Learning?</a:t>
+            </a:r>
+            <a:endParaRPr lang="en-US" sz="2900" b="1" i="0" dirty="0">
+              <a:effectLst/>
+              <a:latin typeface="Calibri Light (Headings)"/>
+            </a:endParaRPr>
+          </a:p>
+          <a:p>
+            <a:pPr marL="457200" indent="-457200" algn="l">
+              <a:buFont typeface="Wingdings" pitchFamily="2" charset="2"/>
+              <a:buChar char="Ø"/>
+            </a:pPr>
+            <a:endParaRPr lang="en-US" sz="2900" b="1" i="0" dirty="0">
+              <a:solidFill>
+                <a:srgbClr val="252C33"/>
+              </a:solidFill>
+              <a:effectLst/>
+              <a:latin typeface="Calibri Light (Headings)"/>
+            </a:endParaRPr>
+          </a:p>
+          <a:p>
+            <a:pPr marL="457200" indent="-457200" algn="l">
+              <a:buFont typeface="Wingdings" pitchFamily="2" charset="2"/>
+              <a:buChar char="Ø"/>
+            </a:pPr>
+            <a:r>
+              <a:rPr lang="en-US" sz="2900" b="1" dirty="0">
+                <a:solidFill>
+                  <a:schemeClr val="tx1">
+                    <a:lumMod val="50000"/>
+                    <a:lumOff val="50000"/>
+                  </a:schemeClr>
+                </a:solidFill>
+                <a:latin typeface="Calibri Light (Headings)"/>
+              </a:rPr>
+              <a:t>The Machine Learning Paradigm</a:t>
+            </a:r>
+          </a:p>
+          <a:p>
+            <a:pPr marL="457200" indent="-457200" algn="l">
+              <a:buFont typeface="Wingdings" pitchFamily="2" charset="2"/>
+              <a:buChar char="Ø"/>
+            </a:pPr>
+            <a:endParaRPr lang="en-US" sz="2900" b="1" dirty="0">
+              <a:solidFill>
+                <a:schemeClr val="tx1">
+                  <a:lumMod val="50000"/>
+                  <a:lumOff val="50000"/>
+                </a:schemeClr>
+              </a:solidFill>
+              <a:latin typeface="Calibri Light (Headings)"/>
+            </a:endParaRPr>
+          </a:p>
+          <a:p>
+            <a:pPr marL="457200" indent="-457200" algn="l">
+              <a:buFont typeface="Wingdings" pitchFamily="2" charset="2"/>
+              <a:buChar char="Ø"/>
+            </a:pPr>
+            <a:endParaRPr lang="en-US" sz="2900" b="1" dirty="0">
+              <a:solidFill>
+                <a:schemeClr val="tx1">
+                  <a:lumMod val="50000"/>
+                  <a:lumOff val="50000"/>
+                </a:schemeClr>
+              </a:solidFill>
+              <a:latin typeface="Calibri Light (Headings)"/>
+            </a:endParaRPr>
+          </a:p>
+          <a:p>
+            <a:pPr marL="457200" indent="-457200" algn="l">
+              <a:buFont typeface="Wingdings" pitchFamily="2" charset="2"/>
+              <a:buChar char="Ø"/>
+            </a:pPr>
+            <a:endParaRPr lang="en-US" sz="2900" b="1" dirty="0">
+              <a:solidFill>
+                <a:schemeClr val="tx1">
+                  <a:lumMod val="50000"/>
+                  <a:lumOff val="50000"/>
+                </a:schemeClr>
+              </a:solidFill>
+              <a:latin typeface="Calibri Light (Headings)"/>
+            </a:endParaRPr>
+          </a:p>
+          <a:p>
+            <a:pPr marL="457200" indent="-457200" algn="l">
+              <a:buFont typeface="Wingdings" pitchFamily="2" charset="2"/>
+              <a:buChar char="Ø"/>
+            </a:pPr>
+            <a:endParaRPr lang="en-US" sz="2900" b="1" dirty="0">
+              <a:solidFill>
+                <a:schemeClr val="tx1">
+                  <a:lumMod val="50000"/>
+                  <a:lumOff val="50000"/>
+                </a:schemeClr>
+              </a:solidFill>
+              <a:latin typeface="Calibri Light (Headings)"/>
+            </a:endParaRPr>
+          </a:p>
+          <a:p>
+            <a:pPr marL="457200" indent="-457200" algn="l">
+              <a:buFont typeface="Wingdings" pitchFamily="2" charset="2"/>
+              <a:buChar char="Ø"/>
+            </a:pPr>
+            <a:endParaRPr lang="en-US" sz="2900" b="1" dirty="0">
+              <a:solidFill>
+                <a:schemeClr val="tx1">
+                  <a:lumMod val="50000"/>
+                  <a:lumOff val="50000"/>
+                </a:schemeClr>
+              </a:solidFill>
+              <a:latin typeface="Calibri Light (Headings)"/>
+            </a:endParaRPr>
+          </a:p>
+          <a:p>
+            <a:pPr algn="l"/>
+            <a:endParaRPr lang="en-US" sz="2900" dirty="0">
+              <a:latin typeface="Calibri Light (Headings)"/>
+            </a:endParaRPr>
+          </a:p>
+          <a:p>
+            <a:pPr algn="l"/>
+            <a:endParaRPr lang="en-US" sz="2900" dirty="0">
+              <a:latin typeface="Calibri Light (Headings)"/>
+            </a:endParaRPr>
+          </a:p>
+        </p:txBody>
+      </p:sp>
+    </p:spTree>
+    <p:extLst>
+      <p:ext uri="{BB962C8B-B14F-4D97-AF65-F5344CB8AC3E}">
+        <p14:creationId xmlns:p14="http://schemas.microsoft.com/office/powerpoint/2010/main" val="2707103594"/>
+      </p:ext>
+    </p:extLst>
+  </p:cSld>
+  <p:clrMapOvr>
+    <a:masterClrMapping/>
+  </p:clrMapOvr>
+</p:sld>
+</file>
+
+<file path=ppt/slides/slide20.xml><?xml version="1.0" encoding="utf-8"?>
+<p:sld xmlns:a="http://schemas.openxmlformats.org/drawingml/2006/main" xmlns:r="http://schemas.openxmlformats.org/officeDocument/2006/relationships" xmlns:p="http://schemas.openxmlformats.org/presentationml/2006/main">
+  <p:cSld>
+    <p:bg>
+      <p:bgPr>
+        <a:blipFill dpi="0" rotWithShape="1">
+          <a:blip r:embed="rId3">
+            <a:alphaModFix amt="99000"/>
+            <a:lum/>
+          </a:blip>
+          <a:srcRect/>
+          <a:stretch>
+            <a:fillRect t="89000" r="85000" b="-1000"/>
+          </a:stretch>
+        </a:blipFill>
+        <a:effectLst/>
+      </p:bgPr>
+    </p:bg>
+    <p:spTree>
+      <p:nvGrpSpPr>
+        <p:cNvPr id="1" name=""/>
+        <p:cNvGrpSpPr/>
+        <p:nvPr/>
+      </p:nvGrpSpPr>
+      <p:grpSpPr>
+        <a:xfrm>
+          <a:off x="0" y="0"/>
+          <a:ext cx="0" cy="0"/>
+          <a:chOff x="0" y="0"/>
+          <a:chExt cx="0" cy="0"/>
+        </a:xfrm>
+      </p:grpSpPr>
+      <p:sp>
+        <p:nvSpPr>
+          <p:cNvPr id="2" name="Title 1">
+            <a:extLst>
+              <a:ext uri="{FF2B5EF4-FFF2-40B4-BE49-F238E27FC236}">
+                <a16:creationId xmlns:a16="http://schemas.microsoft.com/office/drawing/2014/main" id="{6A3DCE86-C2BA-4713-9E7A-73589E8D6CCF}"/>
+              </a:ext>
+            </a:extLst>
+          </p:cNvPr>
+          <p:cNvSpPr>
+            <a:spLocks noGrp="1"/>
+          </p:cNvSpPr>
+          <p:nvPr>
+            <p:ph type="ctrTitle"/>
+          </p:nvPr>
+        </p:nvSpPr>
+        <p:spPr>
+          <a:xfrm>
+            <a:off x="1524000" y="497150"/>
+            <a:ext cx="9144000" cy="718459"/>
+          </a:xfrm>
+        </p:spPr>
+        <p:txBody>
+          <a:bodyPr>
+            <a:normAutofit fontScale="90000"/>
+          </a:bodyPr>
+          <a:lstStyle/>
+          <a:p>
+            <a:r>
+              <a:rPr lang="en-PH" b="1" dirty="0"/>
+              <a:t>Machine Learning Approach </a:t>
+            </a:r>
+          </a:p>
+        </p:txBody>
+      </p:sp>
+      <p:sp>
+        <p:nvSpPr>
+          <p:cNvPr id="4" name="Footer Placeholder 3">
+            <a:extLst>
+              <a:ext uri="{FF2B5EF4-FFF2-40B4-BE49-F238E27FC236}">
+                <a16:creationId xmlns:a16="http://schemas.microsoft.com/office/drawing/2014/main" id="{638E7DE1-45EE-476A-A474-0F3C264AEDA3}"/>
+              </a:ext>
+            </a:extLst>
+          </p:cNvPr>
+          <p:cNvSpPr>
+            <a:spLocks noGrp="1"/>
+          </p:cNvSpPr>
+          <p:nvPr>
+            <p:ph type="ftr" sz="quarter" idx="11"/>
+          </p:nvPr>
+        </p:nvSpPr>
+        <p:spPr>
+          <a:xfrm>
+            <a:off x="0" y="6139541"/>
+            <a:ext cx="12192000" cy="718459"/>
+          </a:xfrm>
+          <a:ln w="28575">
+            <a:solidFill>
+              <a:schemeClr val="accent5">
+                <a:lumMod val="50000"/>
+              </a:schemeClr>
+            </a:solidFill>
+          </a:ln>
+        </p:spPr>
+        <p:txBody>
+          <a:bodyPr/>
+          <a:lstStyle/>
+          <a:p>
+            <a:pPr algn="r"/>
+            <a:r>
+              <a:rPr lang="en-US" b="1" dirty="0">
+                <a:solidFill>
+                  <a:schemeClr val="tx1"/>
+                </a:solidFill>
+              </a:rPr>
+              <a:t>CCINSYSL</a:t>
+            </a:r>
+            <a:endParaRPr lang="en-PH" dirty="0"/>
+          </a:p>
+        </p:txBody>
+      </p:sp>
+      <p:sp>
+        <p:nvSpPr>
+          <p:cNvPr id="3" name="TextBox 2">
+            <a:extLst>
+              <a:ext uri="{FF2B5EF4-FFF2-40B4-BE49-F238E27FC236}">
+                <a16:creationId xmlns:a16="http://schemas.microsoft.com/office/drawing/2014/main" id="{740DE635-4923-6FBA-8354-7899A2C66D72}"/>
+              </a:ext>
+            </a:extLst>
+          </p:cNvPr>
+          <p:cNvSpPr txBox="1"/>
+          <p:nvPr/>
+        </p:nvSpPr>
+        <p:spPr>
+          <a:xfrm>
+            <a:off x="1524000" y="1605408"/>
+            <a:ext cx="9144000" cy="1477328"/>
+          </a:xfrm>
+          <a:prstGeom prst="rect">
+            <a:avLst/>
+          </a:prstGeom>
+          <a:noFill/>
+        </p:spPr>
+        <p:txBody>
+          <a:bodyPr wrap="square" rtlCol="0">
+            <a:spAutoFit/>
+          </a:bodyPr>
+          <a:lstStyle/>
+          <a:p>
+            <a:r>
+              <a:rPr lang="en-US" sz="3000" dirty="0"/>
+              <a:t>In order for the neural network or machine learning algorithm to learn the correct relationship between the </a:t>
             </a:r>
             <a:r>
               <a:rPr lang="en-US" sz="3000" b="1" dirty="0">
-                <a:latin typeface="Consolas" panose="020B0609020204030204" pitchFamily="49" charset="0"/>
+                <a:solidFill>
+                  <a:srgbClr val="00B050"/>
+                </a:solidFill>
               </a:rPr>
-              <a:t> function (Celsius):</a:t>
-            </a:r>
-          </a:p>
-          <a:p>
+              <a:t>inputs</a:t>
+            </a:r>
+            <a:r>
+              <a:rPr lang="en-US" sz="3000" dirty="0"/>
+              <a:t> the and </a:t>
+            </a:r>
+            <a:r>
+              <a:rPr lang="en-US" sz="3000" b="1" dirty="0">
+                <a:solidFill>
+                  <a:srgbClr val="FF0000"/>
+                </a:solidFill>
+              </a:rPr>
+              <a:t>outputs</a:t>
+            </a:r>
+            <a:r>
+              <a:rPr lang="en-US" sz="3000" dirty="0"/>
+              <a:t>, we have to </a:t>
+            </a:r>
+            <a:r>
+              <a:rPr lang="en-US" sz="3000" b="1" dirty="0"/>
+              <a:t>train</a:t>
+            </a:r>
+            <a:r>
+              <a:rPr lang="en-US" sz="3000" dirty="0"/>
+              <a:t> it!</a:t>
+            </a:r>
             <a:endParaRPr lang="en-PH" sz="3000" b="1" dirty="0">
               <a:solidFill>
                 <a:srgbClr val="00B050"/>
               </a:solidFill>
-              <a:latin typeface="Consolas" panose="020B0609020204030204" pitchFamily="49" charset="0"/>
             </a:endParaRPr>
           </a:p>
-          <a:p>
-            <a:r>
-              <a:rPr lang="en-PH" sz="3000" b="1" dirty="0">
+        </p:txBody>
+      </p:sp>
+      <p:pic>
+        <p:nvPicPr>
+          <p:cNvPr id="6" name="Picture 5" descr="A screenshot of a video game&#10;&#10;Description automatically generated">
+            <a:extLst>
+              <a:ext uri="{FF2B5EF4-FFF2-40B4-BE49-F238E27FC236}">
+                <a16:creationId xmlns:a16="http://schemas.microsoft.com/office/drawing/2014/main" id="{A6F27453-5A2B-88DA-9714-FEC789FA8002}"/>
+              </a:ext>
+            </a:extLst>
+          </p:cNvPr>
+          <p:cNvPicPr>
+            <a:picLocks noChangeAspect="1"/>
+          </p:cNvPicPr>
+          <p:nvPr/>
+        </p:nvPicPr>
+        <p:blipFill>
+          <a:blip r:embed="rId4">
+            <a:extLst>
+              <a:ext uri="{28A0092B-C50C-407E-A947-70E740481C1C}">
+                <a14:useLocalDpi xmlns:a14="http://schemas.microsoft.com/office/drawing/2010/main" val="0"/>
+              </a:ext>
+            </a:extLst>
+          </a:blip>
+          <a:stretch>
+            <a:fillRect/>
+          </a:stretch>
+        </p:blipFill>
+        <p:spPr>
+          <a:xfrm>
+            <a:off x="3810000" y="3429000"/>
+            <a:ext cx="4572000" cy="2571750"/>
+          </a:xfrm>
+          <a:prstGeom prst="rect">
+            <a:avLst/>
+          </a:prstGeom>
+        </p:spPr>
+      </p:pic>
+    </p:spTree>
+    <p:extLst>
+      <p:ext uri="{BB962C8B-B14F-4D97-AF65-F5344CB8AC3E}">
+        <p14:creationId xmlns:p14="http://schemas.microsoft.com/office/powerpoint/2010/main" val="242540680"/>
+      </p:ext>
+    </p:extLst>
+  </p:cSld>
+  <p:clrMapOvr>
+    <a:masterClrMapping/>
+  </p:clrMapOvr>
+</p:sld>
+</file>
+
+<file path=ppt/slides/slide21.xml><?xml version="1.0" encoding="utf-8"?>
+<p:sld xmlns:a="http://schemas.openxmlformats.org/drawingml/2006/main" xmlns:r="http://schemas.openxmlformats.org/officeDocument/2006/relationships" xmlns:p="http://schemas.openxmlformats.org/presentationml/2006/main">
+  <p:cSld>
+    <p:bg>
+      <p:bgPr>
+        <a:blipFill dpi="0" rotWithShape="1">
+          <a:blip r:embed="rId3">
+            <a:alphaModFix amt="99000"/>
+            <a:lum/>
+          </a:blip>
+          <a:srcRect/>
+          <a:stretch>
+            <a:fillRect t="89000" r="85000" b="-1000"/>
+          </a:stretch>
+        </a:blipFill>
+        <a:effectLst/>
+      </p:bgPr>
+    </p:bg>
+    <p:spTree>
+      <p:nvGrpSpPr>
+        <p:cNvPr id="1" name=""/>
+        <p:cNvGrpSpPr/>
+        <p:nvPr/>
+      </p:nvGrpSpPr>
+      <p:grpSpPr>
+        <a:xfrm>
+          <a:off x="0" y="0"/>
+          <a:ext cx="0" cy="0"/>
+          <a:chOff x="0" y="0"/>
+          <a:chExt cx="0" cy="0"/>
+        </a:xfrm>
+      </p:grpSpPr>
+      <p:sp>
+        <p:nvSpPr>
+          <p:cNvPr id="2" name="Title 1">
+            <a:extLst>
+              <a:ext uri="{FF2B5EF4-FFF2-40B4-BE49-F238E27FC236}">
+                <a16:creationId xmlns:a16="http://schemas.microsoft.com/office/drawing/2014/main" id="{6A3DCE86-C2BA-4713-9E7A-73589E8D6CCF}"/>
+              </a:ext>
+            </a:extLst>
+          </p:cNvPr>
+          <p:cNvSpPr>
+            <a:spLocks noGrp="1"/>
+          </p:cNvSpPr>
+          <p:nvPr>
+            <p:ph type="ctrTitle"/>
+          </p:nvPr>
+        </p:nvSpPr>
+        <p:spPr>
+          <a:xfrm>
+            <a:off x="1524000" y="497150"/>
+            <a:ext cx="9144000" cy="718459"/>
+          </a:xfrm>
+        </p:spPr>
+        <p:txBody>
+          <a:bodyPr>
+            <a:normAutofit fontScale="90000"/>
+          </a:bodyPr>
+          <a:lstStyle/>
+          <a:p>
+            <a:r>
+              <a:rPr lang="en-PH" b="1" dirty="0"/>
+              <a:t>Machine Learning Approach </a:t>
+            </a:r>
+          </a:p>
+        </p:txBody>
+      </p:sp>
+      <p:sp>
+        <p:nvSpPr>
+          <p:cNvPr id="4" name="Footer Placeholder 3">
+            <a:extLst>
+              <a:ext uri="{FF2B5EF4-FFF2-40B4-BE49-F238E27FC236}">
+                <a16:creationId xmlns:a16="http://schemas.microsoft.com/office/drawing/2014/main" id="{638E7DE1-45EE-476A-A474-0F3C264AEDA3}"/>
+              </a:ext>
+            </a:extLst>
+          </p:cNvPr>
+          <p:cNvSpPr>
+            <a:spLocks noGrp="1"/>
+          </p:cNvSpPr>
+          <p:nvPr>
+            <p:ph type="ftr" sz="quarter" idx="11"/>
+          </p:nvPr>
+        </p:nvSpPr>
+        <p:spPr>
+          <a:xfrm>
+            <a:off x="0" y="6139541"/>
+            <a:ext cx="12192000" cy="718459"/>
+          </a:xfrm>
+          <a:ln w="28575">
+            <a:solidFill>
+              <a:schemeClr val="accent5">
+                <a:lumMod val="50000"/>
+              </a:schemeClr>
+            </a:solidFill>
+          </a:ln>
+        </p:spPr>
+        <p:txBody>
+          <a:bodyPr/>
+          <a:lstStyle/>
+          <a:p>
+            <a:pPr algn="r"/>
+            <a:r>
+              <a:rPr lang="en-US" b="1" dirty="0">
+                <a:solidFill>
+                  <a:schemeClr val="tx1"/>
+                </a:solidFill>
+              </a:rPr>
+              <a:t>CCINSYSL</a:t>
+            </a:r>
+            <a:endParaRPr lang="en-PH" dirty="0"/>
+          </a:p>
+        </p:txBody>
+      </p:sp>
+      <p:sp>
+        <p:nvSpPr>
+          <p:cNvPr id="3" name="TextBox 2">
+            <a:extLst>
+              <a:ext uri="{FF2B5EF4-FFF2-40B4-BE49-F238E27FC236}">
+                <a16:creationId xmlns:a16="http://schemas.microsoft.com/office/drawing/2014/main" id="{740DE635-4923-6FBA-8354-7899A2C66D72}"/>
+              </a:ext>
+            </a:extLst>
+          </p:cNvPr>
+          <p:cNvSpPr txBox="1"/>
+          <p:nvPr/>
+        </p:nvSpPr>
+        <p:spPr>
+          <a:xfrm>
+            <a:off x="1524000" y="1605408"/>
+            <a:ext cx="9144000" cy="1477328"/>
+          </a:xfrm>
+          <a:prstGeom prst="rect">
+            <a:avLst/>
+          </a:prstGeom>
+          <a:noFill/>
+        </p:spPr>
+        <p:txBody>
+          <a:bodyPr wrap="square" rtlCol="0">
+            <a:spAutoFit/>
+          </a:bodyPr>
+          <a:lstStyle/>
+          <a:p>
+            <a:r>
+              <a:rPr lang="en-US" sz="3000" dirty="0"/>
+              <a:t>We train our neural network or machine learning algorithm by letting it try to map the </a:t>
+            </a:r>
+            <a:r>
+              <a:rPr lang="en-US" sz="3000" b="1" dirty="0">
                 <a:solidFill>
                   <a:srgbClr val="00B050"/>
                 </a:solidFill>
-                <a:latin typeface="Consolas" panose="020B0609020204030204" pitchFamily="49" charset="0"/>
               </a:rPr>
-              <a:t>	</a:t>
+              <a:t>inputs</a:t>
+            </a:r>
+            <a:r>
+              <a:rPr lang="en-US" sz="3000" dirty="0"/>
+              <a:t> to the </a:t>
+            </a:r>
+            <a:r>
+              <a:rPr lang="en-US" sz="3000" b="1" dirty="0">
+                <a:solidFill>
+                  <a:srgbClr val="FF0000"/>
+                </a:solidFill>
+              </a:rPr>
+              <a:t>outputs. </a:t>
             </a:r>
             <a:endParaRPr lang="en-PH" sz="3000" b="1" dirty="0">
-              <a:latin typeface="Consolas" panose="020B0609020204030204" pitchFamily="49" charset="0"/>
+              <a:solidFill>
+                <a:srgbClr val="FF0000"/>
+              </a:solidFill>
             </a:endParaRPr>
           </a:p>
-          <a:p>
-            <a:r>
-              <a:rPr lang="en-PH" sz="3000" b="1" dirty="0">
-                <a:latin typeface="Consolas" panose="020B0609020204030204" pitchFamily="49" charset="0"/>
-              </a:rPr>
-              <a:t>	 </a:t>
-            </a:r>
-          </a:p>
-          <a:p>
-            <a:endParaRPr lang="en-PH" sz="3000" b="1" dirty="0">
-              <a:latin typeface="Consolas" panose="020B0609020204030204" pitchFamily="49" charset="0"/>
-            </a:endParaRPr>
-          </a:p>
-          <a:p>
-            <a:r>
-              <a:rPr lang="en-PH" sz="3000" b="1" dirty="0">
-                <a:latin typeface="Consolas" panose="020B0609020204030204" pitchFamily="49" charset="0"/>
-              </a:rPr>
-              <a:t>	</a:t>
-            </a:r>
-          </a:p>
-          <a:p>
-            <a:r>
-              <a:rPr lang="en-PH" sz="3000" b="1" dirty="0">
-                <a:latin typeface="Consolas" panose="020B0609020204030204" pitchFamily="49" charset="0"/>
-              </a:rPr>
-              <a:t>	return Fahrenheit</a:t>
-            </a:r>
-            <a:endParaRPr lang="en-US" sz="3000" b="1" dirty="0">
-              <a:latin typeface="Consolas" panose="020B0609020204030204" pitchFamily="49" charset="0"/>
-            </a:endParaRPr>
-          </a:p>
         </p:txBody>
       </p:sp>
-      <p:sp>
-        <p:nvSpPr>
-          <p:cNvPr id="6" name="Oval 5">
+      <p:graphicFrame>
+        <p:nvGraphicFramePr>
+          <p:cNvPr id="7" name="Table 6">
             <a:extLst>
               <a:ext uri="{FF2B5EF4-FFF2-40B4-BE49-F238E27FC236}">
-                <a16:creationId xmlns:a16="http://schemas.microsoft.com/office/drawing/2014/main" id="{4CBB6C77-DB7C-D209-D1B6-4FB333FEC829}"/>
+                <a16:creationId xmlns:a16="http://schemas.microsoft.com/office/drawing/2014/main" id="{24743142-5DE3-B3C3-6C43-4A7369D96EDD}"/>
               </a:ext>
             </a:extLst>
           </p:cNvPr>
-          <p:cNvSpPr/>
-          <p:nvPr/>
-        </p:nvSpPr>
-        <p:spPr>
-          <a:xfrm>
-            <a:off x="6401843" y="2502571"/>
-            <a:ext cx="344465" cy="319414"/>
-          </a:xfrm>
-          <a:prstGeom prst="ellipse">
-            <a:avLst/>
-          </a:prstGeom>
-        </p:spPr>
-        <p:style>
-          <a:lnRef idx="2">
-            <a:schemeClr val="accent1">
-              <a:shade val="15000"/>
-            </a:schemeClr>
-          </a:lnRef>
-          <a:fillRef idx="1">
-            <a:schemeClr val="accent1"/>
-          </a:fillRef>
-          <a:effectRef idx="0">
-            <a:schemeClr val="accent1"/>
-          </a:effectRef>
-          <a:fontRef idx="minor">
-            <a:schemeClr val="lt1"/>
-          </a:fontRef>
-        </p:style>
-        <p:txBody>
-          <a:bodyPr rtlCol="0" anchor="ctr"/>
-          <a:lstStyle/>
-          <a:p>
-            <a:pPr algn="ctr"/>
-            <a:endParaRPr lang="en-PH" dirty="0"/>
-          </a:p>
-        </p:txBody>
-      </p:sp>
-      <p:sp>
-        <p:nvSpPr>
-          <p:cNvPr id="13" name="Oval 12">
+          <p:cNvGraphicFramePr>
+            <a:graphicFrameLocks noGrp="1"/>
+          </p:cNvGraphicFramePr>
+          <p:nvPr>
+            <p:extLst>
+              <p:ext uri="{D42A27DB-BD31-4B8C-83A1-F6EECF244321}">
+                <p14:modId xmlns:p14="http://schemas.microsoft.com/office/powerpoint/2010/main" val="3560143946"/>
+              </p:ext>
+            </p:extLst>
+          </p:nvPr>
+        </p:nvGraphicFramePr>
+        <p:xfrm>
+          <a:off x="1605825" y="3647208"/>
+          <a:ext cx="8980350" cy="1521692"/>
+        </p:xfrm>
+        <a:graphic>
+          <a:graphicData uri="http://schemas.openxmlformats.org/drawingml/2006/table">
+            <a:tbl>
+              <a:tblPr firstRow="1" bandRow="1">
+                <a:tableStyleId>{D113A9D2-9D6B-4929-AA2D-F23B5EE8CBE7}</a:tableStyleId>
+              </a:tblPr>
+              <a:tblGrid>
+                <a:gridCol w="1496725">
+                  <a:extLst>
+                    <a:ext uri="{9D8B030D-6E8A-4147-A177-3AD203B41FA5}">
+                      <a16:colId xmlns:a16="http://schemas.microsoft.com/office/drawing/2014/main" val="1238134438"/>
+                    </a:ext>
+                  </a:extLst>
+                </a:gridCol>
+                <a:gridCol w="1496725">
+                  <a:extLst>
+                    <a:ext uri="{9D8B030D-6E8A-4147-A177-3AD203B41FA5}">
+                      <a16:colId xmlns:a16="http://schemas.microsoft.com/office/drawing/2014/main" val="294804074"/>
+                    </a:ext>
+                  </a:extLst>
+                </a:gridCol>
+                <a:gridCol w="1496725">
+                  <a:extLst>
+                    <a:ext uri="{9D8B030D-6E8A-4147-A177-3AD203B41FA5}">
+                      <a16:colId xmlns:a16="http://schemas.microsoft.com/office/drawing/2014/main" val="410306732"/>
+                    </a:ext>
+                  </a:extLst>
+                </a:gridCol>
+                <a:gridCol w="1496725">
+                  <a:extLst>
+                    <a:ext uri="{9D8B030D-6E8A-4147-A177-3AD203B41FA5}">
+                      <a16:colId xmlns:a16="http://schemas.microsoft.com/office/drawing/2014/main" val="3271794586"/>
+                    </a:ext>
+                  </a:extLst>
+                </a:gridCol>
+                <a:gridCol w="1496725">
+                  <a:extLst>
+                    <a:ext uri="{9D8B030D-6E8A-4147-A177-3AD203B41FA5}">
+                      <a16:colId xmlns:a16="http://schemas.microsoft.com/office/drawing/2014/main" val="3184768652"/>
+                    </a:ext>
+                  </a:extLst>
+                </a:gridCol>
+                <a:gridCol w="1496725">
+                  <a:extLst>
+                    <a:ext uri="{9D8B030D-6E8A-4147-A177-3AD203B41FA5}">
+                      <a16:colId xmlns:a16="http://schemas.microsoft.com/office/drawing/2014/main" val="78216962"/>
+                    </a:ext>
+                  </a:extLst>
+                </a:gridCol>
+              </a:tblGrid>
+              <a:tr h="760846">
+                <a:tc>
+                  <a:txBody>
+                    <a:bodyPr/>
+                    <a:lstStyle/>
+                    <a:p>
+                      <a:pPr algn="ctr">
+                        <a:lnSpc>
+                          <a:spcPct val="200000"/>
+                        </a:lnSpc>
+                      </a:pPr>
+                      <a:r>
+                        <a:rPr lang="en-US" b="1" dirty="0"/>
+                        <a:t>Input:</a:t>
+                      </a:r>
+                      <a:endParaRPr lang="en-PH" b="1" dirty="0"/>
+                    </a:p>
+                  </a:txBody>
+                  <a:tcPr/>
+                </a:tc>
+                <a:tc>
+                  <a:txBody>
+                    <a:bodyPr/>
+                    <a:lstStyle/>
+                    <a:p>
+                      <a:pPr algn="ctr">
+                        <a:lnSpc>
+                          <a:spcPct val="200000"/>
+                        </a:lnSpc>
+                      </a:pPr>
+                      <a:r>
+                        <a:rPr lang="en-US" dirty="0"/>
+                        <a:t>0</a:t>
+                      </a:r>
+                      <a:endParaRPr lang="en-PH" dirty="0"/>
+                    </a:p>
+                  </a:txBody>
+                  <a:tcPr/>
+                </a:tc>
+                <a:tc>
+                  <a:txBody>
+                    <a:bodyPr/>
+                    <a:lstStyle/>
+                    <a:p>
+                      <a:pPr algn="ctr">
+                        <a:lnSpc>
+                          <a:spcPct val="200000"/>
+                        </a:lnSpc>
+                      </a:pPr>
+                      <a:r>
+                        <a:rPr lang="en-US" dirty="0"/>
+                        <a:t>8</a:t>
+                      </a:r>
+                      <a:endParaRPr lang="en-PH" dirty="0"/>
+                    </a:p>
+                  </a:txBody>
+                  <a:tcPr/>
+                </a:tc>
+                <a:tc>
+                  <a:txBody>
+                    <a:bodyPr/>
+                    <a:lstStyle/>
+                    <a:p>
+                      <a:pPr algn="ctr">
+                        <a:lnSpc>
+                          <a:spcPct val="200000"/>
+                        </a:lnSpc>
+                      </a:pPr>
+                      <a:r>
+                        <a:rPr lang="en-US" dirty="0"/>
+                        <a:t>15</a:t>
+                      </a:r>
+                      <a:endParaRPr lang="en-PH" dirty="0"/>
+                    </a:p>
+                  </a:txBody>
+                  <a:tcPr/>
+                </a:tc>
+                <a:tc>
+                  <a:txBody>
+                    <a:bodyPr/>
+                    <a:lstStyle/>
+                    <a:p>
+                      <a:pPr algn="ctr">
+                        <a:lnSpc>
+                          <a:spcPct val="200000"/>
+                        </a:lnSpc>
+                      </a:pPr>
+                      <a:r>
+                        <a:rPr lang="en-US" dirty="0"/>
+                        <a:t>22</a:t>
+                      </a:r>
+                      <a:endParaRPr lang="en-PH" dirty="0"/>
+                    </a:p>
+                  </a:txBody>
+                  <a:tcPr/>
+                </a:tc>
+                <a:tc>
+                  <a:txBody>
+                    <a:bodyPr/>
+                    <a:lstStyle/>
+                    <a:p>
+                      <a:pPr algn="ctr">
+                        <a:lnSpc>
+                          <a:spcPct val="200000"/>
+                        </a:lnSpc>
+                      </a:pPr>
+                      <a:r>
+                        <a:rPr lang="en-US" dirty="0"/>
+                        <a:t>38</a:t>
+                      </a:r>
+                      <a:endParaRPr lang="en-PH" dirty="0"/>
+                    </a:p>
+                  </a:txBody>
+                  <a:tcPr/>
+                </a:tc>
+                <a:extLst>
+                  <a:ext uri="{0D108BD9-81ED-4DB2-BD59-A6C34878D82A}">
+                    <a16:rowId xmlns:a16="http://schemas.microsoft.com/office/drawing/2014/main" val="3903483360"/>
+                  </a:ext>
+                </a:extLst>
+              </a:tr>
+              <a:tr h="760846">
+                <a:tc>
+                  <a:txBody>
+                    <a:bodyPr/>
+                    <a:lstStyle/>
+                    <a:p>
+                      <a:pPr algn="ctr">
+                        <a:lnSpc>
+                          <a:spcPct val="200000"/>
+                        </a:lnSpc>
+                      </a:pPr>
+                      <a:r>
+                        <a:rPr lang="en-US" b="1" dirty="0"/>
+                        <a:t>Output:</a:t>
+                      </a:r>
+                      <a:endParaRPr lang="en-PH" b="1" dirty="0"/>
+                    </a:p>
+                  </a:txBody>
+                  <a:tcPr/>
+                </a:tc>
+                <a:tc>
+                  <a:txBody>
+                    <a:bodyPr/>
+                    <a:lstStyle/>
+                    <a:p>
+                      <a:pPr algn="ctr">
+                        <a:lnSpc>
+                          <a:spcPct val="200000"/>
+                        </a:lnSpc>
+                      </a:pPr>
+                      <a:r>
+                        <a:rPr lang="en-US" b="1" dirty="0"/>
+                        <a:t>32</a:t>
+                      </a:r>
+                      <a:endParaRPr lang="en-PH" b="1" dirty="0"/>
+                    </a:p>
+                  </a:txBody>
+                  <a:tcPr/>
+                </a:tc>
+                <a:tc>
+                  <a:txBody>
+                    <a:bodyPr/>
+                    <a:lstStyle/>
+                    <a:p>
+                      <a:pPr algn="ctr">
+                        <a:lnSpc>
+                          <a:spcPct val="200000"/>
+                        </a:lnSpc>
+                      </a:pPr>
+                      <a:r>
+                        <a:rPr lang="en-US" b="1" dirty="0"/>
+                        <a:t>46.4</a:t>
+                      </a:r>
+                      <a:endParaRPr lang="en-PH" b="1" dirty="0"/>
+                    </a:p>
+                  </a:txBody>
+                  <a:tcPr/>
+                </a:tc>
+                <a:tc>
+                  <a:txBody>
+                    <a:bodyPr/>
+                    <a:lstStyle/>
+                    <a:p>
+                      <a:pPr algn="ctr">
+                        <a:lnSpc>
+                          <a:spcPct val="200000"/>
+                        </a:lnSpc>
+                      </a:pPr>
+                      <a:r>
+                        <a:rPr lang="en-US" b="1" dirty="0"/>
+                        <a:t>59</a:t>
+                      </a:r>
+                      <a:endParaRPr lang="en-PH" b="1" dirty="0"/>
+                    </a:p>
+                  </a:txBody>
+                  <a:tcPr/>
+                </a:tc>
+                <a:tc>
+                  <a:txBody>
+                    <a:bodyPr/>
+                    <a:lstStyle/>
+                    <a:p>
+                      <a:pPr algn="ctr">
+                        <a:lnSpc>
+                          <a:spcPct val="200000"/>
+                        </a:lnSpc>
+                      </a:pPr>
+                      <a:r>
+                        <a:rPr lang="en-US" b="1" dirty="0"/>
+                        <a:t>71.6</a:t>
+                      </a:r>
+                      <a:endParaRPr lang="en-PH" b="1" dirty="0"/>
+                    </a:p>
+                  </a:txBody>
+                  <a:tcPr/>
+                </a:tc>
+                <a:tc>
+                  <a:txBody>
+                    <a:bodyPr/>
+                    <a:lstStyle/>
+                    <a:p>
+                      <a:pPr algn="ctr">
+                        <a:lnSpc>
+                          <a:spcPct val="200000"/>
+                        </a:lnSpc>
+                      </a:pPr>
+                      <a:r>
+                        <a:rPr lang="en-US" b="1" dirty="0"/>
+                        <a:t>100.4</a:t>
+                      </a:r>
+                      <a:endParaRPr lang="en-PH" b="1" dirty="0"/>
+                    </a:p>
+                  </a:txBody>
+                  <a:tcPr/>
+                </a:tc>
+                <a:extLst>
+                  <a:ext uri="{0D108BD9-81ED-4DB2-BD59-A6C34878D82A}">
+                    <a16:rowId xmlns:a16="http://schemas.microsoft.com/office/drawing/2014/main" val="89803210"/>
+                  </a:ext>
+                </a:extLst>
+              </a:tr>
+            </a:tbl>
+          </a:graphicData>
+        </a:graphic>
+      </p:graphicFrame>
+    </p:spTree>
+    <p:extLst>
+      <p:ext uri="{BB962C8B-B14F-4D97-AF65-F5344CB8AC3E}">
+        <p14:creationId xmlns:p14="http://schemas.microsoft.com/office/powerpoint/2010/main" val="3202714841"/>
+      </p:ext>
+    </p:extLst>
+  </p:cSld>
+  <p:clrMapOvr>
+    <a:masterClrMapping/>
+  </p:clrMapOvr>
+</p:sld>
+</file>
+
+<file path=ppt/slides/slide22.xml><?xml version="1.0" encoding="utf-8"?>
+<p:sld xmlns:a="http://schemas.openxmlformats.org/drawingml/2006/main" xmlns:r="http://schemas.openxmlformats.org/officeDocument/2006/relationships" xmlns:p="http://schemas.openxmlformats.org/presentationml/2006/main">
+  <p:cSld>
+    <p:bg>
+      <p:bgPr>
+        <a:blipFill dpi="0" rotWithShape="1">
+          <a:blip r:embed="rId3">
+            <a:alphaModFix amt="99000"/>
+            <a:lum/>
+          </a:blip>
+          <a:srcRect/>
+          <a:stretch>
+            <a:fillRect t="89000" r="85000" b="-1000"/>
+          </a:stretch>
+        </a:blipFill>
+        <a:effectLst/>
+      </p:bgPr>
+    </p:bg>
+    <p:spTree>
+      <p:nvGrpSpPr>
+        <p:cNvPr id="1" name=""/>
+        <p:cNvGrpSpPr/>
+        <p:nvPr/>
+      </p:nvGrpSpPr>
+      <p:grpSpPr>
+        <a:xfrm>
+          <a:off x="0" y="0"/>
+          <a:ext cx="0" cy="0"/>
+          <a:chOff x="0" y="0"/>
+          <a:chExt cx="0" cy="0"/>
+        </a:xfrm>
+      </p:grpSpPr>
+      <p:sp>
+        <p:nvSpPr>
+          <p:cNvPr id="2" name="Title 1">
             <a:extLst>
               <a:ext uri="{FF2B5EF4-FFF2-40B4-BE49-F238E27FC236}">
-                <a16:creationId xmlns:a16="http://schemas.microsoft.com/office/drawing/2014/main" id="{1B985790-F255-5D1D-94A1-742CE046E473}"/>
+                <a16:creationId xmlns:a16="http://schemas.microsoft.com/office/drawing/2014/main" id="{6A3DCE86-C2BA-4713-9E7A-73589E8D6CCF}"/>
               </a:ext>
             </a:extLst>
           </p:cNvPr>
-          <p:cNvSpPr/>
-          <p:nvPr/>
+          <p:cNvSpPr>
+            <a:spLocks noGrp="1"/>
+          </p:cNvSpPr>
+          <p:nvPr>
+            <p:ph type="ctrTitle"/>
+          </p:nvPr>
         </p:nvSpPr>
         <p:spPr>
           <a:xfrm>
-            <a:off x="6892446" y="2501811"/>
-            <a:ext cx="344465" cy="319414"/>
+            <a:off x="1524000" y="497150"/>
+            <a:ext cx="9144000" cy="718459"/>
           </a:xfrm>
-          <a:prstGeom prst="ellipse">
-            <a:avLst/>
-          </a:prstGeom>
         </p:spPr>
-        <p:style>
-          <a:lnRef idx="2">
-            <a:schemeClr val="accent1">
-              <a:shade val="15000"/>
-            </a:schemeClr>
-          </a:lnRef>
-          <a:fillRef idx="1">
-            <a:schemeClr val="accent1"/>
-          </a:fillRef>
-          <a:effectRef idx="0">
-            <a:schemeClr val="accent1"/>
-          </a:effectRef>
-          <a:fontRef idx="minor">
-            <a:schemeClr val="lt1"/>
-          </a:fontRef>
-        </p:style>
         <p:txBody>
-          <a:bodyPr rtlCol="0" anchor="ctr"/>
+          <a:bodyPr>
+            <a:noAutofit/>
+          </a:bodyPr>
           <a:lstStyle/>
           <a:p>
-            <a:pPr algn="ctr"/>
-            <a:endParaRPr lang="en-PH" dirty="0"/>
+            <a:r>
+              <a:rPr lang="en-PH" b="1" dirty="0"/>
+              <a:t>Machine Learning Approach </a:t>
+            </a:r>
+            <a:endParaRPr lang="en-PH" sz="5500" b="1" dirty="0"/>
           </a:p>
         </p:txBody>
       </p:sp>
       <p:sp>
         <p:nvSpPr>
-          <p:cNvPr id="14" name="Oval 13">
+          <p:cNvPr id="4" name="Footer Placeholder 3">
             <a:extLst>
               <a:ext uri="{FF2B5EF4-FFF2-40B4-BE49-F238E27FC236}">
-                <a16:creationId xmlns:a16="http://schemas.microsoft.com/office/drawing/2014/main" id="{DC68A7A3-EDD8-BEA8-7B90-C49BE61159C2}"/>
+                <a16:creationId xmlns:a16="http://schemas.microsoft.com/office/drawing/2014/main" id="{638E7DE1-45EE-476A-A474-0F3C264AEDA3}"/>
               </a:ext>
             </a:extLst>
           </p:cNvPr>
-          <p:cNvSpPr/>
-          <p:nvPr/>
+          <p:cNvSpPr>
+            <a:spLocks noGrp="1"/>
+          </p:cNvSpPr>
+          <p:nvPr>
+            <p:ph type="ftr" sz="quarter" idx="11"/>
+          </p:nvPr>
         </p:nvSpPr>
         <p:spPr>
           <a:xfrm>
-            <a:off x="7383049" y="2501811"/>
-            <a:ext cx="344465" cy="319414"/>
+            <a:off x="0" y="6139541"/>
+            <a:ext cx="12192000" cy="718459"/>
           </a:xfrm>
-          <a:prstGeom prst="ellipse">
-            <a:avLst/>
-          </a:prstGeom>
-        </p:spPr>
-        <p:style>
-          <a:lnRef idx="2">
-            <a:schemeClr val="accent1">
-              <a:shade val="15000"/>
-            </a:schemeClr>
-          </a:lnRef>
-          <a:fillRef idx="1">
-            <a:schemeClr val="accent1"/>
-          </a:fillRef>
-          <a:effectRef idx="0">
-            <a:schemeClr val="accent1"/>
-          </a:effectRef>
-          <a:fontRef idx="minor">
-            <a:schemeClr val="lt1"/>
-          </a:fontRef>
-        </p:style>
-        <p:txBody>
-          <a:bodyPr rtlCol="0" anchor="ctr"/>
-          <a:lstStyle/>
-          <a:p>
-            <a:pPr algn="ctr"/>
-            <a:endParaRPr lang="en-PH" dirty="0"/>
-          </a:p>
-        </p:txBody>
-      </p:sp>
-      <p:sp>
-        <p:nvSpPr>
-          <p:cNvPr id="15" name="Oval 14">
-            <a:extLst>
-              <a:ext uri="{FF2B5EF4-FFF2-40B4-BE49-F238E27FC236}">
-                <a16:creationId xmlns:a16="http://schemas.microsoft.com/office/drawing/2014/main" id="{A6608031-E781-66D8-7603-8BE0FAD4A21D}"/>
-              </a:ext>
-            </a:extLst>
-          </p:cNvPr>
-          <p:cNvSpPr/>
-          <p:nvPr/>
-        </p:nvSpPr>
-        <p:spPr>
-          <a:xfrm>
-            <a:off x="6401842" y="3312055"/>
-            <a:ext cx="344465" cy="319414"/>
-          </a:xfrm>
-          <a:prstGeom prst="ellipse">
-            <a:avLst/>
-          </a:prstGeom>
-        </p:spPr>
-        <p:style>
-          <a:lnRef idx="2">
-            <a:schemeClr val="accent1">
-              <a:shade val="15000"/>
-            </a:schemeClr>
-          </a:lnRef>
-          <a:fillRef idx="1">
-            <a:schemeClr val="accent1"/>
-          </a:fillRef>
-          <a:effectRef idx="0">
-            <a:schemeClr val="accent1"/>
-          </a:effectRef>
-          <a:fontRef idx="minor">
-            <a:schemeClr val="lt1"/>
-          </a:fontRef>
-        </p:style>
-        <p:txBody>
-          <a:bodyPr rtlCol="0" anchor="ctr"/>
-          <a:lstStyle/>
-          <a:p>
-            <a:pPr algn="ctr"/>
-            <a:endParaRPr lang="en-PH" dirty="0"/>
-          </a:p>
-        </p:txBody>
-      </p:sp>
-      <p:sp>
-        <p:nvSpPr>
-          <p:cNvPr id="16" name="Oval 15">
-            <a:extLst>
-              <a:ext uri="{FF2B5EF4-FFF2-40B4-BE49-F238E27FC236}">
-                <a16:creationId xmlns:a16="http://schemas.microsoft.com/office/drawing/2014/main" id="{7864E9CC-8351-22C9-6763-1F5A381515A3}"/>
-              </a:ext>
-            </a:extLst>
-          </p:cNvPr>
-          <p:cNvSpPr/>
-          <p:nvPr/>
-        </p:nvSpPr>
-        <p:spPr>
-          <a:xfrm>
-            <a:off x="6892446" y="3312055"/>
-            <a:ext cx="344465" cy="319414"/>
-          </a:xfrm>
-          <a:prstGeom prst="ellipse">
-            <a:avLst/>
-          </a:prstGeom>
-        </p:spPr>
-        <p:style>
-          <a:lnRef idx="2">
-            <a:schemeClr val="accent1">
-              <a:shade val="15000"/>
-            </a:schemeClr>
-          </a:lnRef>
-          <a:fillRef idx="1">
-            <a:schemeClr val="accent1"/>
-          </a:fillRef>
-          <a:effectRef idx="0">
-            <a:schemeClr val="accent1"/>
-          </a:effectRef>
-          <a:fontRef idx="minor">
-            <a:schemeClr val="lt1"/>
-          </a:fontRef>
-        </p:style>
-        <p:txBody>
-          <a:bodyPr rtlCol="0" anchor="ctr"/>
-          <a:lstStyle/>
-          <a:p>
-            <a:pPr algn="ctr"/>
-            <a:endParaRPr lang="en-PH" dirty="0"/>
-          </a:p>
-        </p:txBody>
-      </p:sp>
-      <p:sp>
-        <p:nvSpPr>
-          <p:cNvPr id="17" name="Oval 16">
-            <a:extLst>
-              <a:ext uri="{FF2B5EF4-FFF2-40B4-BE49-F238E27FC236}">
-                <a16:creationId xmlns:a16="http://schemas.microsoft.com/office/drawing/2014/main" id="{7347B3AF-4C38-FCED-2110-C83F78DB9DD9}"/>
-              </a:ext>
-            </a:extLst>
-          </p:cNvPr>
-          <p:cNvSpPr/>
-          <p:nvPr/>
-        </p:nvSpPr>
-        <p:spPr>
-          <a:xfrm>
-            <a:off x="7383049" y="3329261"/>
-            <a:ext cx="344465" cy="319414"/>
-          </a:xfrm>
-          <a:prstGeom prst="ellipse">
-            <a:avLst/>
-          </a:prstGeom>
-        </p:spPr>
-        <p:style>
-          <a:lnRef idx="2">
-            <a:schemeClr val="accent1">
-              <a:shade val="15000"/>
-            </a:schemeClr>
-          </a:lnRef>
-          <a:fillRef idx="1">
-            <a:schemeClr val="accent1"/>
-          </a:fillRef>
-          <a:effectRef idx="0">
-            <a:schemeClr val="accent1"/>
-          </a:effectRef>
-          <a:fontRef idx="minor">
-            <a:schemeClr val="lt1"/>
-          </a:fontRef>
-        </p:style>
-        <p:txBody>
-          <a:bodyPr rtlCol="0" anchor="ctr"/>
-          <a:lstStyle/>
-          <a:p>
-            <a:pPr algn="ctr"/>
-            <a:endParaRPr lang="en-PH" dirty="0"/>
-          </a:p>
-        </p:txBody>
-      </p:sp>
-      <p:cxnSp>
-        <p:nvCxnSpPr>
-          <p:cNvPr id="19" name="Straight Connector 18">
-            <a:extLst>
-              <a:ext uri="{FF2B5EF4-FFF2-40B4-BE49-F238E27FC236}">
-                <a16:creationId xmlns:a16="http://schemas.microsoft.com/office/drawing/2014/main" id="{876A55DF-7F56-3A56-80CC-0743169C4B30}"/>
-              </a:ext>
-            </a:extLst>
-          </p:cNvPr>
-          <p:cNvCxnSpPr>
-            <a:stCxn id="6" idx="4"/>
-            <a:endCxn id="15" idx="0"/>
-          </p:cNvCxnSpPr>
-          <p:nvPr/>
-        </p:nvCxnSpPr>
-        <p:spPr>
-          <a:xfrm flipH="1">
-            <a:off x="6574075" y="2821985"/>
-            <a:ext cx="1" cy="490070"/>
-          </a:xfrm>
-          <a:prstGeom prst="line">
-            <a:avLst/>
-          </a:prstGeom>
-        </p:spPr>
-        <p:style>
-          <a:lnRef idx="3">
-            <a:schemeClr val="dk1"/>
-          </a:lnRef>
-          <a:fillRef idx="0">
-            <a:schemeClr val="dk1"/>
-          </a:fillRef>
-          <a:effectRef idx="2">
-            <a:schemeClr val="dk1"/>
-          </a:effectRef>
-          <a:fontRef idx="minor">
-            <a:schemeClr val="tx1"/>
-          </a:fontRef>
-        </p:style>
-      </p:cxnSp>
-      <p:cxnSp>
-        <p:nvCxnSpPr>
-          <p:cNvPr id="20" name="Straight Connector 19">
-            <a:extLst>
-              <a:ext uri="{FF2B5EF4-FFF2-40B4-BE49-F238E27FC236}">
-                <a16:creationId xmlns:a16="http://schemas.microsoft.com/office/drawing/2014/main" id="{3AA0B560-1539-8C7A-CE4B-7A3F2CD9B584}"/>
-              </a:ext>
-            </a:extLst>
-          </p:cNvPr>
-          <p:cNvCxnSpPr>
-            <a:cxnSpLocks/>
-            <a:stCxn id="6" idx="5"/>
-            <a:endCxn id="16" idx="0"/>
-          </p:cNvCxnSpPr>
-          <p:nvPr/>
-        </p:nvCxnSpPr>
-        <p:spPr>
-          <a:xfrm>
-            <a:off x="6695862" y="2775208"/>
-            <a:ext cx="368817" cy="536847"/>
-          </a:xfrm>
-          <a:prstGeom prst="line">
-            <a:avLst/>
-          </a:prstGeom>
-        </p:spPr>
-        <p:style>
-          <a:lnRef idx="3">
-            <a:schemeClr val="dk1"/>
-          </a:lnRef>
-          <a:fillRef idx="0">
-            <a:schemeClr val="dk1"/>
-          </a:fillRef>
-          <a:effectRef idx="2">
-            <a:schemeClr val="dk1"/>
-          </a:effectRef>
-          <a:fontRef idx="minor">
-            <a:schemeClr val="tx1"/>
-          </a:fontRef>
-        </p:style>
-      </p:cxnSp>
-      <p:cxnSp>
-        <p:nvCxnSpPr>
-          <p:cNvPr id="23" name="Straight Connector 22">
-            <a:extLst>
-              <a:ext uri="{FF2B5EF4-FFF2-40B4-BE49-F238E27FC236}">
-                <a16:creationId xmlns:a16="http://schemas.microsoft.com/office/drawing/2014/main" id="{9A2B8033-E4D3-BD5F-100F-D1C480622E30}"/>
-              </a:ext>
-            </a:extLst>
-          </p:cNvPr>
-          <p:cNvCxnSpPr>
-            <a:cxnSpLocks/>
-            <a:stCxn id="6" idx="6"/>
-            <a:endCxn id="17" idx="2"/>
-          </p:cNvCxnSpPr>
-          <p:nvPr/>
-        </p:nvCxnSpPr>
-        <p:spPr>
-          <a:xfrm>
-            <a:off x="6746308" y="2662278"/>
-            <a:ext cx="636741" cy="826690"/>
-          </a:xfrm>
-          <a:prstGeom prst="line">
-            <a:avLst/>
-          </a:prstGeom>
-        </p:spPr>
-        <p:style>
-          <a:lnRef idx="3">
-            <a:schemeClr val="dk1"/>
-          </a:lnRef>
-          <a:fillRef idx="0">
-            <a:schemeClr val="dk1"/>
-          </a:fillRef>
-          <a:effectRef idx="2">
-            <a:schemeClr val="dk1"/>
-          </a:effectRef>
-          <a:fontRef idx="minor">
-            <a:schemeClr val="tx1"/>
-          </a:fontRef>
-        </p:style>
-      </p:cxnSp>
-      <p:cxnSp>
-        <p:nvCxnSpPr>
-          <p:cNvPr id="26" name="Straight Connector 25">
-            <a:extLst>
-              <a:ext uri="{FF2B5EF4-FFF2-40B4-BE49-F238E27FC236}">
-                <a16:creationId xmlns:a16="http://schemas.microsoft.com/office/drawing/2014/main" id="{C76596D3-8F13-EF2E-08DB-58639DF3DA11}"/>
-              </a:ext>
-            </a:extLst>
-          </p:cNvPr>
-          <p:cNvCxnSpPr>
-            <a:cxnSpLocks/>
-            <a:stCxn id="13" idx="3"/>
-            <a:endCxn id="15" idx="0"/>
-          </p:cNvCxnSpPr>
-          <p:nvPr/>
-        </p:nvCxnSpPr>
-        <p:spPr>
-          <a:xfrm flipH="1">
-            <a:off x="6574075" y="2774448"/>
-            <a:ext cx="368817" cy="537607"/>
-          </a:xfrm>
-          <a:prstGeom prst="line">
-            <a:avLst/>
-          </a:prstGeom>
-        </p:spPr>
-        <p:style>
-          <a:lnRef idx="3">
-            <a:schemeClr val="dk1"/>
-          </a:lnRef>
-          <a:fillRef idx="0">
-            <a:schemeClr val="dk1"/>
-          </a:fillRef>
-          <a:effectRef idx="2">
-            <a:schemeClr val="dk1"/>
-          </a:effectRef>
-          <a:fontRef idx="minor">
-            <a:schemeClr val="tx1"/>
-          </a:fontRef>
-        </p:style>
-      </p:cxnSp>
-      <p:cxnSp>
-        <p:nvCxnSpPr>
-          <p:cNvPr id="29" name="Straight Connector 28">
-            <a:extLst>
-              <a:ext uri="{FF2B5EF4-FFF2-40B4-BE49-F238E27FC236}">
-                <a16:creationId xmlns:a16="http://schemas.microsoft.com/office/drawing/2014/main" id="{E5CEF878-7957-6281-6B62-A8C7F9CC3124}"/>
-              </a:ext>
-            </a:extLst>
-          </p:cNvPr>
-          <p:cNvCxnSpPr>
-            <a:cxnSpLocks/>
-            <a:stCxn id="13" idx="4"/>
-            <a:endCxn id="16" idx="0"/>
-          </p:cNvCxnSpPr>
-          <p:nvPr/>
-        </p:nvCxnSpPr>
-        <p:spPr>
-          <a:xfrm>
-            <a:off x="7064679" y="2821225"/>
-            <a:ext cx="0" cy="490830"/>
-          </a:xfrm>
-          <a:prstGeom prst="line">
-            <a:avLst/>
-          </a:prstGeom>
-        </p:spPr>
-        <p:style>
-          <a:lnRef idx="3">
-            <a:schemeClr val="dk1"/>
-          </a:lnRef>
-          <a:fillRef idx="0">
-            <a:schemeClr val="dk1"/>
-          </a:fillRef>
-          <a:effectRef idx="2">
-            <a:schemeClr val="dk1"/>
-          </a:effectRef>
-          <a:fontRef idx="minor">
-            <a:schemeClr val="tx1"/>
-          </a:fontRef>
-        </p:style>
-      </p:cxnSp>
-      <p:cxnSp>
-        <p:nvCxnSpPr>
-          <p:cNvPr id="33" name="Straight Connector 32">
-            <a:extLst>
-              <a:ext uri="{FF2B5EF4-FFF2-40B4-BE49-F238E27FC236}">
-                <a16:creationId xmlns:a16="http://schemas.microsoft.com/office/drawing/2014/main" id="{554ED7C9-D8DC-C50C-D0CC-42E5396B7A11}"/>
-              </a:ext>
-            </a:extLst>
-          </p:cNvPr>
-          <p:cNvCxnSpPr>
-            <a:cxnSpLocks/>
-            <a:stCxn id="13" idx="5"/>
-            <a:endCxn id="17" idx="1"/>
-          </p:cNvCxnSpPr>
-          <p:nvPr/>
-        </p:nvCxnSpPr>
-        <p:spPr>
-          <a:xfrm>
-            <a:off x="7186465" y="2774448"/>
-            <a:ext cx="247030" cy="601590"/>
-          </a:xfrm>
-          <a:prstGeom prst="line">
-            <a:avLst/>
-          </a:prstGeom>
-        </p:spPr>
-        <p:style>
-          <a:lnRef idx="3">
-            <a:schemeClr val="dk1"/>
-          </a:lnRef>
-          <a:fillRef idx="0">
-            <a:schemeClr val="dk1"/>
-          </a:fillRef>
-          <a:effectRef idx="2">
-            <a:schemeClr val="dk1"/>
-          </a:effectRef>
-          <a:fontRef idx="minor">
-            <a:schemeClr val="tx1"/>
-          </a:fontRef>
-        </p:style>
-      </p:cxnSp>
-      <p:cxnSp>
-        <p:nvCxnSpPr>
-          <p:cNvPr id="36" name="Straight Connector 35">
-            <a:extLst>
-              <a:ext uri="{FF2B5EF4-FFF2-40B4-BE49-F238E27FC236}">
-                <a16:creationId xmlns:a16="http://schemas.microsoft.com/office/drawing/2014/main" id="{EF892372-F579-E9E8-6143-8D0AF574CCB0}"/>
-              </a:ext>
-            </a:extLst>
-          </p:cNvPr>
-          <p:cNvCxnSpPr>
-            <a:cxnSpLocks/>
-            <a:stCxn id="14" idx="4"/>
-            <a:endCxn id="17" idx="0"/>
-          </p:cNvCxnSpPr>
-          <p:nvPr/>
-        </p:nvCxnSpPr>
-        <p:spPr>
-          <a:xfrm>
-            <a:off x="7555282" y="2821225"/>
-            <a:ext cx="0" cy="508036"/>
-          </a:xfrm>
-          <a:prstGeom prst="line">
-            <a:avLst/>
-          </a:prstGeom>
-        </p:spPr>
-        <p:style>
-          <a:lnRef idx="3">
-            <a:schemeClr val="dk1"/>
-          </a:lnRef>
-          <a:fillRef idx="0">
-            <a:schemeClr val="dk1"/>
-          </a:fillRef>
-          <a:effectRef idx="2">
-            <a:schemeClr val="dk1"/>
-          </a:effectRef>
-          <a:fontRef idx="minor">
-            <a:schemeClr val="tx1"/>
-          </a:fontRef>
-        </p:style>
-      </p:cxnSp>
-      <p:cxnSp>
-        <p:nvCxnSpPr>
-          <p:cNvPr id="39" name="Straight Connector 38">
-            <a:extLst>
-              <a:ext uri="{FF2B5EF4-FFF2-40B4-BE49-F238E27FC236}">
-                <a16:creationId xmlns:a16="http://schemas.microsoft.com/office/drawing/2014/main" id="{A02FE382-3673-42DB-912F-1817D3236A27}"/>
-              </a:ext>
-            </a:extLst>
-          </p:cNvPr>
-          <p:cNvCxnSpPr>
-            <a:cxnSpLocks/>
-            <a:stCxn id="14" idx="3"/>
-            <a:endCxn id="16" idx="7"/>
-          </p:cNvCxnSpPr>
-          <p:nvPr/>
-        </p:nvCxnSpPr>
-        <p:spPr>
-          <a:xfrm flipH="1">
-            <a:off x="7186465" y="2774448"/>
-            <a:ext cx="247030" cy="584384"/>
-          </a:xfrm>
-          <a:prstGeom prst="line">
-            <a:avLst/>
-          </a:prstGeom>
-        </p:spPr>
-        <p:style>
-          <a:lnRef idx="3">
-            <a:schemeClr val="dk1"/>
-          </a:lnRef>
-          <a:fillRef idx="0">
-            <a:schemeClr val="dk1"/>
-          </a:fillRef>
-          <a:effectRef idx="2">
-            <a:schemeClr val="dk1"/>
-          </a:effectRef>
-          <a:fontRef idx="minor">
-            <a:schemeClr val="tx1"/>
-          </a:fontRef>
-        </p:style>
-      </p:cxnSp>
-      <p:cxnSp>
-        <p:nvCxnSpPr>
-          <p:cNvPr id="42" name="Straight Connector 41">
-            <a:extLst>
-              <a:ext uri="{FF2B5EF4-FFF2-40B4-BE49-F238E27FC236}">
-                <a16:creationId xmlns:a16="http://schemas.microsoft.com/office/drawing/2014/main" id="{07EADEEA-CA46-3222-AEBB-4DC2036F7CC4}"/>
-              </a:ext>
-            </a:extLst>
-          </p:cNvPr>
-          <p:cNvCxnSpPr>
-            <a:cxnSpLocks/>
-            <a:stCxn id="14" idx="2"/>
-            <a:endCxn id="15" idx="7"/>
-          </p:cNvCxnSpPr>
-          <p:nvPr/>
-        </p:nvCxnSpPr>
-        <p:spPr>
-          <a:xfrm flipH="1">
-            <a:off x="6695861" y="2661518"/>
-            <a:ext cx="687188" cy="697314"/>
-          </a:xfrm>
-          <a:prstGeom prst="line">
-            <a:avLst/>
-          </a:prstGeom>
-        </p:spPr>
-        <p:style>
-          <a:lnRef idx="3">
-            <a:schemeClr val="dk1"/>
-          </a:lnRef>
-          <a:fillRef idx="0">
-            <a:schemeClr val="dk1"/>
-          </a:fillRef>
-          <a:effectRef idx="2">
-            <a:schemeClr val="dk1"/>
-          </a:effectRef>
-          <a:fontRef idx="minor">
-            <a:schemeClr val="tx1"/>
-          </a:fontRef>
-        </p:style>
-      </p:cxnSp>
-      <p:cxnSp>
-        <p:nvCxnSpPr>
-          <p:cNvPr id="46" name="Straight Arrow Connector 45">
-            <a:extLst>
-              <a:ext uri="{FF2B5EF4-FFF2-40B4-BE49-F238E27FC236}">
-                <a16:creationId xmlns:a16="http://schemas.microsoft.com/office/drawing/2014/main" id="{4D48EC50-ACFF-93FF-535E-548B227BB6D6}"/>
-              </a:ext>
-            </a:extLst>
-          </p:cNvPr>
-          <p:cNvCxnSpPr>
-            <a:cxnSpLocks/>
-          </p:cNvCxnSpPr>
-          <p:nvPr/>
-        </p:nvCxnSpPr>
-        <p:spPr>
-          <a:xfrm>
-            <a:off x="6574074" y="1903956"/>
-            <a:ext cx="0" cy="547769"/>
-          </a:xfrm>
-          <a:prstGeom prst="straightConnector1">
-            <a:avLst/>
-          </a:prstGeom>
-          <a:ln>
-            <a:tailEnd type="triangle"/>
+          <a:ln w="28575">
+            <a:solidFill>
+              <a:schemeClr val="accent5">
+                <a:lumMod val="50000"/>
+              </a:schemeClr>
+            </a:solidFill>
           </a:ln>
         </p:spPr>
-        <p:style>
-          <a:lnRef idx="3">
-            <a:schemeClr val="dk1"/>
-          </a:lnRef>
-          <a:fillRef idx="0">
-            <a:schemeClr val="dk1"/>
-          </a:fillRef>
-          <a:effectRef idx="2">
-            <a:schemeClr val="dk1"/>
-          </a:effectRef>
-          <a:fontRef idx="minor">
-            <a:schemeClr val="tx1"/>
-          </a:fontRef>
-        </p:style>
-      </p:cxnSp>
-      <p:cxnSp>
-        <p:nvCxnSpPr>
-          <p:cNvPr id="47" name="Straight Arrow Connector 46">
-            <a:extLst>
-              <a:ext uri="{FF2B5EF4-FFF2-40B4-BE49-F238E27FC236}">
-                <a16:creationId xmlns:a16="http://schemas.microsoft.com/office/drawing/2014/main" id="{10D42978-93DA-F33C-0D87-8F3E4FC5FA3E}"/>
-              </a:ext>
-            </a:extLst>
-          </p:cNvPr>
-          <p:cNvCxnSpPr>
-            <a:cxnSpLocks/>
-          </p:cNvCxnSpPr>
-          <p:nvPr/>
-        </p:nvCxnSpPr>
-        <p:spPr>
-          <a:xfrm>
-            <a:off x="7064678" y="1952291"/>
-            <a:ext cx="0" cy="499434"/>
-          </a:xfrm>
-          <a:prstGeom prst="straightConnector1">
-            <a:avLst/>
-          </a:prstGeom>
-          <a:ln>
-            <a:tailEnd type="triangle"/>
-          </a:ln>
-        </p:spPr>
-        <p:style>
-          <a:lnRef idx="3">
-            <a:schemeClr val="dk1"/>
-          </a:lnRef>
-          <a:fillRef idx="0">
-            <a:schemeClr val="dk1"/>
-          </a:fillRef>
-          <a:effectRef idx="2">
-            <a:schemeClr val="dk1"/>
-          </a:effectRef>
-          <a:fontRef idx="minor">
-            <a:schemeClr val="tx1"/>
-          </a:fontRef>
-        </p:style>
-      </p:cxnSp>
-      <p:cxnSp>
-        <p:nvCxnSpPr>
-          <p:cNvPr id="50" name="Straight Arrow Connector 49">
-            <a:extLst>
-              <a:ext uri="{FF2B5EF4-FFF2-40B4-BE49-F238E27FC236}">
-                <a16:creationId xmlns:a16="http://schemas.microsoft.com/office/drawing/2014/main" id="{C1AD943B-F2BC-CA54-FCD0-C1FB28E3B3EA}"/>
-              </a:ext>
-            </a:extLst>
-          </p:cNvPr>
-          <p:cNvCxnSpPr>
-            <a:cxnSpLocks/>
-          </p:cNvCxnSpPr>
-          <p:nvPr/>
-        </p:nvCxnSpPr>
-        <p:spPr>
-          <a:xfrm>
-            <a:off x="7551362" y="1903956"/>
-            <a:ext cx="0" cy="512392"/>
-          </a:xfrm>
-          <a:prstGeom prst="straightConnector1">
-            <a:avLst/>
-          </a:prstGeom>
-          <a:ln>
-            <a:tailEnd type="triangle"/>
-          </a:ln>
-        </p:spPr>
-        <p:style>
-          <a:lnRef idx="3">
-            <a:schemeClr val="dk1"/>
-          </a:lnRef>
-          <a:fillRef idx="0">
-            <a:schemeClr val="dk1"/>
-          </a:fillRef>
-          <a:effectRef idx="2">
-            <a:schemeClr val="dk1"/>
-          </a:effectRef>
-          <a:fontRef idx="minor">
-            <a:schemeClr val="tx1"/>
-          </a:fontRef>
-        </p:style>
-      </p:cxnSp>
-      <p:cxnSp>
-        <p:nvCxnSpPr>
-          <p:cNvPr id="56" name="Straight Arrow Connector 55">
-            <a:extLst>
-              <a:ext uri="{FF2B5EF4-FFF2-40B4-BE49-F238E27FC236}">
-                <a16:creationId xmlns:a16="http://schemas.microsoft.com/office/drawing/2014/main" id="{4C032712-4EFC-D816-D35A-5EEEA3A5FE7D}"/>
-              </a:ext>
-            </a:extLst>
-          </p:cNvPr>
-          <p:cNvCxnSpPr>
-            <a:cxnSpLocks/>
-          </p:cNvCxnSpPr>
-          <p:nvPr/>
-        </p:nvCxnSpPr>
-        <p:spPr>
-          <a:xfrm flipH="1">
-            <a:off x="6576292" y="3761237"/>
-            <a:ext cx="5578" cy="505519"/>
-          </a:xfrm>
-          <a:prstGeom prst="straightConnector1">
-            <a:avLst/>
-          </a:prstGeom>
-          <a:ln>
-            <a:tailEnd type="triangle"/>
-          </a:ln>
-        </p:spPr>
-        <p:style>
-          <a:lnRef idx="3">
-            <a:schemeClr val="dk1"/>
-          </a:lnRef>
-          <a:fillRef idx="0">
-            <a:schemeClr val="dk1"/>
-          </a:fillRef>
-          <a:effectRef idx="2">
-            <a:schemeClr val="dk1"/>
-          </a:effectRef>
-          <a:fontRef idx="minor">
-            <a:schemeClr val="tx1"/>
-          </a:fontRef>
-        </p:style>
-      </p:cxnSp>
-      <p:cxnSp>
-        <p:nvCxnSpPr>
-          <p:cNvPr id="57" name="Straight Arrow Connector 56">
-            <a:extLst>
-              <a:ext uri="{FF2B5EF4-FFF2-40B4-BE49-F238E27FC236}">
-                <a16:creationId xmlns:a16="http://schemas.microsoft.com/office/drawing/2014/main" id="{B369AA1B-527D-516C-E57C-0D0CF13B231B}"/>
-              </a:ext>
-            </a:extLst>
-          </p:cNvPr>
-          <p:cNvCxnSpPr>
-            <a:cxnSpLocks/>
-          </p:cNvCxnSpPr>
-          <p:nvPr/>
-        </p:nvCxnSpPr>
-        <p:spPr>
-          <a:xfrm>
-            <a:off x="7066896" y="3772544"/>
-            <a:ext cx="0" cy="506312"/>
-          </a:xfrm>
-          <a:prstGeom prst="straightConnector1">
-            <a:avLst/>
-          </a:prstGeom>
-          <a:ln>
-            <a:tailEnd type="triangle"/>
-          </a:ln>
-        </p:spPr>
-        <p:style>
-          <a:lnRef idx="3">
-            <a:schemeClr val="dk1"/>
-          </a:lnRef>
-          <a:fillRef idx="0">
-            <a:schemeClr val="dk1"/>
-          </a:fillRef>
-          <a:effectRef idx="2">
-            <a:schemeClr val="dk1"/>
-          </a:effectRef>
-          <a:fontRef idx="minor">
-            <a:schemeClr val="tx1"/>
-          </a:fontRef>
-        </p:style>
-      </p:cxnSp>
-      <p:cxnSp>
-        <p:nvCxnSpPr>
-          <p:cNvPr id="58" name="Straight Arrow Connector 57">
-            <a:extLst>
-              <a:ext uri="{FF2B5EF4-FFF2-40B4-BE49-F238E27FC236}">
-                <a16:creationId xmlns:a16="http://schemas.microsoft.com/office/drawing/2014/main" id="{044E2144-E0FD-D8EB-E348-125609B07F3C}"/>
-              </a:ext>
-            </a:extLst>
-          </p:cNvPr>
-          <p:cNvCxnSpPr>
-            <a:cxnSpLocks/>
-          </p:cNvCxnSpPr>
-          <p:nvPr/>
-        </p:nvCxnSpPr>
-        <p:spPr>
-          <a:xfrm>
-            <a:off x="7551362" y="3792989"/>
-            <a:ext cx="6137" cy="490973"/>
-          </a:xfrm>
-          <a:prstGeom prst="straightConnector1">
-            <a:avLst/>
-          </a:prstGeom>
-          <a:ln>
-            <a:tailEnd type="triangle"/>
-          </a:ln>
-        </p:spPr>
-        <p:style>
-          <a:lnRef idx="3">
-            <a:schemeClr val="dk1"/>
-          </a:lnRef>
-          <a:fillRef idx="0">
-            <a:schemeClr val="dk1"/>
-          </a:fillRef>
-          <a:effectRef idx="2">
-            <a:schemeClr val="dk1"/>
-          </a:effectRef>
-          <a:fontRef idx="minor">
-            <a:schemeClr val="tx1"/>
-          </a:fontRef>
-        </p:style>
-      </p:cxnSp>
+        <p:txBody>
+          <a:bodyPr/>
+          <a:lstStyle/>
+          <a:p>
+            <a:pPr algn="r"/>
+            <a:r>
+              <a:rPr lang="en-US" b="1" dirty="0">
+                <a:solidFill>
+                  <a:schemeClr val="tx1"/>
+                </a:solidFill>
+              </a:rPr>
+              <a:t>CCINSYSL</a:t>
+            </a:r>
+            <a:endParaRPr lang="en-PH" dirty="0"/>
+          </a:p>
+        </p:txBody>
+      </p:sp>
       <p:graphicFrame>
         <p:nvGraphicFramePr>
           <p:cNvPr id="21" name="Table 6">
@@ -15637,13 +16815,13 @@
           <p:nvPr>
             <p:extLst>
               <p:ext uri="{D42A27DB-BD31-4B8C-83A1-F6EECF244321}">
-                <p14:modId xmlns:p14="http://schemas.microsoft.com/office/powerpoint/2010/main" val="3504207941"/>
+                <p14:modId xmlns:p14="http://schemas.microsoft.com/office/powerpoint/2010/main" val="3755131191"/>
               </p:ext>
             </p:extLst>
           </p:nvPr>
         </p:nvGraphicFramePr>
         <p:xfrm>
-          <a:off x="3353343" y="5172133"/>
+          <a:off x="2737378" y="5351146"/>
           <a:ext cx="6305766" cy="653523"/>
         </p:xfrm>
         <a:graphic>
@@ -15944,10 +17122,1063 @@
       </p:graphicFrame>
       <p:sp>
         <p:nvSpPr>
-          <p:cNvPr id="22" name="Rectangle: Rounded Corners 21">
+          <p:cNvPr id="27" name="TextBox 26">
             <a:extLst>
               <a:ext uri="{FF2B5EF4-FFF2-40B4-BE49-F238E27FC236}">
-                <a16:creationId xmlns:a16="http://schemas.microsoft.com/office/drawing/2014/main" id="{09E681F5-F52C-5A8B-D12F-B86152FD592A}"/>
+                <a16:creationId xmlns:a16="http://schemas.microsoft.com/office/drawing/2014/main" id="{6A580F32-761B-4750-1CF6-3364F1C52248}"/>
+              </a:ext>
+            </a:extLst>
+          </p:cNvPr>
+          <p:cNvSpPr txBox="1"/>
+          <p:nvPr/>
+        </p:nvSpPr>
+        <p:spPr>
+          <a:xfrm>
+            <a:off x="2170134" y="1439100"/>
+            <a:ext cx="7851732" cy="3785652"/>
+          </a:xfrm>
+          <a:prstGeom prst="rect">
+            <a:avLst/>
+          </a:prstGeom>
+          <a:noFill/>
+        </p:spPr>
+        <p:txBody>
+          <a:bodyPr wrap="square" rtlCol="0">
+            <a:spAutoFit/>
+          </a:bodyPr>
+          <a:lstStyle/>
+          <a:p>
+            <a:r>
+              <a:rPr lang="en-US" sz="3000" b="1" dirty="0">
+                <a:solidFill>
+                  <a:srgbClr val="7030A0"/>
+                </a:solidFill>
+                <a:latin typeface="Consolas" panose="020B0609020204030204" pitchFamily="49" charset="0"/>
+              </a:rPr>
+              <a:t>def</a:t>
+            </a:r>
+            <a:r>
+              <a:rPr lang="en-US" sz="3000" b="1" dirty="0">
+                <a:latin typeface="Consolas" panose="020B0609020204030204" pitchFamily="49" charset="0"/>
+              </a:rPr>
+              <a:t> function (Celsius):</a:t>
+            </a:r>
+          </a:p>
+          <a:p>
+            <a:endParaRPr lang="en-PH" sz="3000" b="1" dirty="0">
+              <a:solidFill>
+                <a:srgbClr val="00B050"/>
+              </a:solidFill>
+              <a:latin typeface="Consolas" panose="020B0609020204030204" pitchFamily="49" charset="0"/>
+            </a:endParaRPr>
+          </a:p>
+          <a:p>
+            <a:r>
+              <a:rPr lang="en-PH" sz="3000" b="1" dirty="0">
+                <a:solidFill>
+                  <a:srgbClr val="00B050"/>
+                </a:solidFill>
+                <a:latin typeface="Consolas" panose="020B0609020204030204" pitchFamily="49" charset="0"/>
+              </a:rPr>
+              <a:t>	</a:t>
+            </a:r>
+            <a:endParaRPr lang="en-PH" sz="3000" b="1" dirty="0">
+              <a:latin typeface="Consolas" panose="020B0609020204030204" pitchFamily="49" charset="0"/>
+            </a:endParaRPr>
+          </a:p>
+          <a:p>
+            <a:r>
+              <a:rPr lang="en-PH" sz="3000" b="1" dirty="0">
+                <a:latin typeface="Consolas" panose="020B0609020204030204" pitchFamily="49" charset="0"/>
+              </a:rPr>
+              <a:t>	 </a:t>
+            </a:r>
+          </a:p>
+          <a:p>
+            <a:r>
+              <a:rPr lang="en-PH" sz="3000" b="1" dirty="0">
+                <a:latin typeface="Consolas" panose="020B0609020204030204" pitchFamily="49" charset="0"/>
+              </a:rPr>
+              <a:t>	</a:t>
+            </a:r>
+          </a:p>
+          <a:p>
+            <a:r>
+              <a:rPr lang="en-PH" sz="3000" b="1" dirty="0">
+                <a:latin typeface="Consolas" panose="020B0609020204030204" pitchFamily="49" charset="0"/>
+              </a:rPr>
+              <a:t>	</a:t>
+            </a:r>
+          </a:p>
+          <a:p>
+            <a:endParaRPr lang="en-PH" sz="3000" b="1" dirty="0">
+              <a:latin typeface="Consolas" panose="020B0609020204030204" pitchFamily="49" charset="0"/>
+            </a:endParaRPr>
+          </a:p>
+          <a:p>
+            <a:r>
+              <a:rPr lang="en-PH" sz="3000" b="1" dirty="0">
+                <a:latin typeface="Consolas" panose="020B0609020204030204" pitchFamily="49" charset="0"/>
+              </a:rPr>
+              <a:t>		return Fahrenheit</a:t>
+            </a:r>
+            <a:endParaRPr lang="en-US" sz="3000" b="1" dirty="0">
+              <a:latin typeface="Consolas" panose="020B0609020204030204" pitchFamily="49" charset="0"/>
+            </a:endParaRPr>
+          </a:p>
+        </p:txBody>
+      </p:sp>
+      <p:grpSp>
+        <p:nvGrpSpPr>
+          <p:cNvPr id="51" name="Group 50">
+            <a:extLst>
+              <a:ext uri="{FF2B5EF4-FFF2-40B4-BE49-F238E27FC236}">
+                <a16:creationId xmlns:a16="http://schemas.microsoft.com/office/drawing/2014/main" id="{D7B92777-9BBB-D255-67C0-6E9BE38605A3}"/>
+              </a:ext>
+            </a:extLst>
+          </p:cNvPr>
+          <p:cNvGrpSpPr/>
+          <p:nvPr/>
+        </p:nvGrpSpPr>
+        <p:grpSpPr>
+          <a:xfrm>
+            <a:off x="7271980" y="2715647"/>
+            <a:ext cx="2621615" cy="1259202"/>
+            <a:chOff x="7888395" y="3253629"/>
+            <a:chExt cx="2621615" cy="1259202"/>
+          </a:xfrm>
+        </p:grpSpPr>
+        <p:sp>
+          <p:nvSpPr>
+            <p:cNvPr id="52" name="Rectangle: Rounded Corners 51">
+              <a:extLst>
+                <a:ext uri="{FF2B5EF4-FFF2-40B4-BE49-F238E27FC236}">
+                  <a16:creationId xmlns:a16="http://schemas.microsoft.com/office/drawing/2014/main" id="{AA75BC09-F534-7EFD-127C-6BA23808C74B}"/>
+                </a:ext>
+              </a:extLst>
+            </p:cNvPr>
+            <p:cNvSpPr/>
+            <p:nvPr/>
+          </p:nvSpPr>
+          <p:spPr>
+            <a:xfrm>
+              <a:off x="7888395" y="3253629"/>
+              <a:ext cx="2621615" cy="1259202"/>
+            </a:xfrm>
+            <a:prstGeom prst="roundRect">
+              <a:avLst/>
+            </a:prstGeom>
+            <a:ln>
+              <a:solidFill>
+                <a:schemeClr val="accent5">
+                  <a:lumMod val="75000"/>
+                </a:schemeClr>
+              </a:solidFill>
+            </a:ln>
+            <a:effectLst>
+              <a:outerShdw blurRad="50800" dist="38100" dir="2700000" algn="tl" rotWithShape="0">
+                <a:prstClr val="black">
+                  <a:alpha val="40000"/>
+                </a:prstClr>
+              </a:outerShdw>
+            </a:effectLst>
+          </p:spPr>
+          <p:style>
+            <a:lnRef idx="2">
+              <a:schemeClr val="accent1">
+                <a:shade val="15000"/>
+              </a:schemeClr>
+            </a:lnRef>
+            <a:fillRef idx="1">
+              <a:schemeClr val="accent1"/>
+            </a:fillRef>
+            <a:effectRef idx="0">
+              <a:schemeClr val="accent1"/>
+            </a:effectRef>
+            <a:fontRef idx="minor">
+              <a:schemeClr val="lt1"/>
+            </a:fontRef>
+          </p:style>
+          <p:txBody>
+            <a:bodyPr rtlCol="0" anchor="ctr"/>
+            <a:lstStyle/>
+            <a:p>
+              <a:pPr algn="ctr"/>
+              <a:endParaRPr lang="en-US" sz="1500" b="1" dirty="0"/>
+            </a:p>
+            <a:p>
+              <a:pPr algn="ctr"/>
+              <a:endParaRPr lang="en-US" sz="1500" b="1" dirty="0"/>
+            </a:p>
+            <a:p>
+              <a:pPr algn="ctr"/>
+              <a:r>
+                <a:rPr lang="en-US" sz="1500" b="1" dirty="0"/>
+                <a:t>Machine Learning Algorithm</a:t>
+              </a:r>
+            </a:p>
+            <a:p>
+              <a:pPr algn="ctr"/>
+              <a:endParaRPr lang="en-US" sz="1500" b="1" dirty="0"/>
+            </a:p>
+            <a:p>
+              <a:pPr algn="ctr"/>
+              <a:endParaRPr lang="en-US" sz="1500" b="1" dirty="0"/>
+            </a:p>
+            <a:p>
+              <a:pPr algn="ctr"/>
+              <a:endParaRPr lang="en-US" sz="1500" b="1" dirty="0"/>
+            </a:p>
+            <a:p>
+              <a:pPr algn="ctr"/>
+              <a:endParaRPr lang="en-PH" sz="1500" b="1" dirty="0"/>
+            </a:p>
+          </p:txBody>
+        </p:sp>
+        <p:pic>
+          <p:nvPicPr>
+            <p:cNvPr id="53" name="Picture 52" descr="Icon&#10;&#10;Description automatically generated">
+              <a:extLst>
+                <a:ext uri="{FF2B5EF4-FFF2-40B4-BE49-F238E27FC236}">
+                  <a16:creationId xmlns:a16="http://schemas.microsoft.com/office/drawing/2014/main" id="{FAE4E3D7-5593-090D-85D2-81FC84CA4910}"/>
+                </a:ext>
+              </a:extLst>
+            </p:cNvPr>
+            <p:cNvPicPr>
+              <a:picLocks noChangeAspect="1"/>
+            </p:cNvPicPr>
+            <p:nvPr/>
+          </p:nvPicPr>
+          <p:blipFill>
+            <a:blip r:embed="rId4">
+              <a:extLst>
+                <a:ext uri="{28A0092B-C50C-407E-A947-70E740481C1C}">
+                  <a14:useLocalDpi xmlns:a14="http://schemas.microsoft.com/office/drawing/2010/main" val="0"/>
+                </a:ext>
+              </a:extLst>
+            </a:blip>
+            <a:stretch>
+              <a:fillRect/>
+            </a:stretch>
+          </p:blipFill>
+          <p:spPr>
+            <a:xfrm>
+              <a:off x="8769753" y="3757582"/>
+              <a:ext cx="781026" cy="600293"/>
+            </a:xfrm>
+            <a:prstGeom prst="rect">
+              <a:avLst/>
+            </a:prstGeom>
+          </p:spPr>
+        </p:pic>
+      </p:grpSp>
+      <p:sp>
+        <p:nvSpPr>
+          <p:cNvPr id="54" name="TextBox 53">
+            <a:extLst>
+              <a:ext uri="{FF2B5EF4-FFF2-40B4-BE49-F238E27FC236}">
+                <a16:creationId xmlns:a16="http://schemas.microsoft.com/office/drawing/2014/main" id="{58948B3A-E0C0-2183-E733-D91F4F31FB9D}"/>
+              </a:ext>
+            </a:extLst>
+          </p:cNvPr>
+          <p:cNvSpPr txBox="1"/>
+          <p:nvPr/>
+        </p:nvSpPr>
+        <p:spPr>
+          <a:xfrm>
+            <a:off x="5543346" y="3123577"/>
+            <a:ext cx="470000" cy="369332"/>
+          </a:xfrm>
+          <a:prstGeom prst="rect">
+            <a:avLst/>
+          </a:prstGeom>
+          <a:noFill/>
+        </p:spPr>
+        <p:txBody>
+          <a:bodyPr wrap="none" rtlCol="0">
+            <a:spAutoFit/>
+          </a:bodyPr>
+          <a:lstStyle/>
+          <a:p>
+            <a:r>
+              <a:rPr lang="en-US" b="1" dirty="0"/>
+              <a:t>OR</a:t>
+            </a:r>
+            <a:endParaRPr lang="en-PH" b="1" dirty="0"/>
+          </a:p>
+        </p:txBody>
+      </p:sp>
+      <p:grpSp>
+        <p:nvGrpSpPr>
+          <p:cNvPr id="55" name="Group 54">
+            <a:extLst>
+              <a:ext uri="{FF2B5EF4-FFF2-40B4-BE49-F238E27FC236}">
+                <a16:creationId xmlns:a16="http://schemas.microsoft.com/office/drawing/2014/main" id="{BD650997-FC5A-2CDF-2704-B2B872BCE12B}"/>
+              </a:ext>
+            </a:extLst>
+          </p:cNvPr>
+          <p:cNvGrpSpPr/>
+          <p:nvPr/>
+        </p:nvGrpSpPr>
+        <p:grpSpPr>
+          <a:xfrm>
+            <a:off x="2654490" y="2504773"/>
+            <a:ext cx="1607442" cy="1597157"/>
+            <a:chOff x="293893" y="4102100"/>
+            <a:chExt cx="1607442" cy="1770972"/>
+          </a:xfrm>
+        </p:grpSpPr>
+        <p:cxnSp>
+          <p:nvCxnSpPr>
+            <p:cNvPr id="59" name="Straight Connector 58">
+              <a:extLst>
+                <a:ext uri="{FF2B5EF4-FFF2-40B4-BE49-F238E27FC236}">
+                  <a16:creationId xmlns:a16="http://schemas.microsoft.com/office/drawing/2014/main" id="{27969DB9-3730-F5CC-2C34-F7FC8E951AB1}"/>
+                </a:ext>
+              </a:extLst>
+            </p:cNvPr>
+            <p:cNvCxnSpPr>
+              <a:cxnSpLocks/>
+              <a:stCxn id="62" idx="4"/>
+              <a:endCxn id="65" idx="0"/>
+            </p:cNvCxnSpPr>
+            <p:nvPr/>
+          </p:nvCxnSpPr>
+          <p:spPr>
+            <a:xfrm>
+              <a:off x="1053102" y="4828073"/>
+              <a:ext cx="0" cy="432788"/>
+            </a:xfrm>
+            <a:prstGeom prst="line">
+              <a:avLst/>
+            </a:prstGeom>
+          </p:spPr>
+          <p:style>
+            <a:lnRef idx="3">
+              <a:schemeClr val="dk1"/>
+            </a:lnRef>
+            <a:fillRef idx="0">
+              <a:schemeClr val="dk1"/>
+            </a:fillRef>
+            <a:effectRef idx="2">
+              <a:schemeClr val="dk1"/>
+            </a:effectRef>
+            <a:fontRef idx="minor">
+              <a:schemeClr val="tx1"/>
+            </a:fontRef>
+          </p:style>
+        </p:cxnSp>
+        <p:sp>
+          <p:nvSpPr>
+            <p:cNvPr id="60" name="Rectangle: Rounded Corners 59">
+              <a:extLst>
+                <a:ext uri="{FF2B5EF4-FFF2-40B4-BE49-F238E27FC236}">
+                  <a16:creationId xmlns:a16="http://schemas.microsoft.com/office/drawing/2014/main" id="{36294B0A-CA24-F7A1-E666-03CCD8AB25DE}"/>
+                </a:ext>
+              </a:extLst>
+            </p:cNvPr>
+            <p:cNvSpPr/>
+            <p:nvPr/>
+          </p:nvSpPr>
+          <p:spPr>
+            <a:xfrm>
+              <a:off x="293893" y="4102100"/>
+              <a:ext cx="1607442" cy="1770972"/>
+            </a:xfrm>
+            <a:prstGeom prst="roundRect">
+              <a:avLst/>
+            </a:prstGeom>
+            <a:ln/>
+          </p:spPr>
+          <p:style>
+            <a:lnRef idx="2">
+              <a:schemeClr val="dk1"/>
+            </a:lnRef>
+            <a:fillRef idx="1">
+              <a:schemeClr val="lt1"/>
+            </a:fillRef>
+            <a:effectRef idx="0">
+              <a:schemeClr val="dk1"/>
+            </a:effectRef>
+            <a:fontRef idx="minor">
+              <a:schemeClr val="dk1"/>
+            </a:fontRef>
+          </p:style>
+          <p:txBody>
+            <a:bodyPr rtlCol="0" anchor="ctr"/>
+            <a:lstStyle/>
+            <a:p>
+              <a:pPr algn="ctr"/>
+              <a:r>
+                <a:rPr lang="en-US" sz="1500" b="1" dirty="0"/>
+                <a:t>Neural Network</a:t>
+              </a:r>
+            </a:p>
+            <a:p>
+              <a:pPr algn="ctr"/>
+              <a:endParaRPr lang="en-US" sz="1500" b="1" dirty="0"/>
+            </a:p>
+            <a:p>
+              <a:pPr algn="ctr"/>
+              <a:endParaRPr lang="en-US" sz="1500" b="1" dirty="0"/>
+            </a:p>
+            <a:p>
+              <a:pPr algn="ctr"/>
+              <a:endParaRPr lang="en-US" sz="1500" b="1" dirty="0"/>
+            </a:p>
+            <a:p>
+              <a:pPr algn="ctr"/>
+              <a:endParaRPr lang="en-US" sz="1500" b="1" dirty="0"/>
+            </a:p>
+            <a:p>
+              <a:pPr algn="ctr"/>
+              <a:endParaRPr lang="en-US" sz="1500" b="1" dirty="0"/>
+            </a:p>
+          </p:txBody>
+        </p:sp>
+        <p:sp>
+          <p:nvSpPr>
+            <p:cNvPr id="61" name="Oval 60">
+              <a:extLst>
+                <a:ext uri="{FF2B5EF4-FFF2-40B4-BE49-F238E27FC236}">
+                  <a16:creationId xmlns:a16="http://schemas.microsoft.com/office/drawing/2014/main" id="{520D0806-9265-E97B-DACD-79CB85A78B00}"/>
+                </a:ext>
+              </a:extLst>
+            </p:cNvPr>
+            <p:cNvSpPr/>
+            <p:nvPr/>
+          </p:nvSpPr>
+          <p:spPr>
+            <a:xfrm>
+              <a:off x="553576" y="4547102"/>
+              <a:ext cx="259595" cy="281642"/>
+            </a:xfrm>
+            <a:prstGeom prst="ellipse">
+              <a:avLst/>
+            </a:prstGeom>
+          </p:spPr>
+          <p:style>
+            <a:lnRef idx="2">
+              <a:schemeClr val="accent1">
+                <a:shade val="15000"/>
+              </a:schemeClr>
+            </a:lnRef>
+            <a:fillRef idx="1">
+              <a:schemeClr val="accent1"/>
+            </a:fillRef>
+            <a:effectRef idx="0">
+              <a:schemeClr val="accent1"/>
+            </a:effectRef>
+            <a:fontRef idx="minor">
+              <a:schemeClr val="lt1"/>
+            </a:fontRef>
+          </p:style>
+          <p:txBody>
+            <a:bodyPr rtlCol="0" anchor="ctr"/>
+            <a:lstStyle/>
+            <a:p>
+              <a:pPr algn="ctr"/>
+              <a:endParaRPr lang="en-PH" dirty="0"/>
+            </a:p>
+          </p:txBody>
+        </p:sp>
+        <p:sp>
+          <p:nvSpPr>
+            <p:cNvPr id="62" name="Oval 61">
+              <a:extLst>
+                <a:ext uri="{FF2B5EF4-FFF2-40B4-BE49-F238E27FC236}">
+                  <a16:creationId xmlns:a16="http://schemas.microsoft.com/office/drawing/2014/main" id="{E274F4E2-6CD6-1A52-CFDE-3C64D442FD30}"/>
+                </a:ext>
+              </a:extLst>
+            </p:cNvPr>
+            <p:cNvSpPr/>
+            <p:nvPr/>
+          </p:nvSpPr>
+          <p:spPr>
+            <a:xfrm>
+              <a:off x="923304" y="4546431"/>
+              <a:ext cx="259595" cy="281642"/>
+            </a:xfrm>
+            <a:prstGeom prst="ellipse">
+              <a:avLst/>
+            </a:prstGeom>
+          </p:spPr>
+          <p:style>
+            <a:lnRef idx="2">
+              <a:schemeClr val="accent1">
+                <a:shade val="15000"/>
+              </a:schemeClr>
+            </a:lnRef>
+            <a:fillRef idx="1">
+              <a:schemeClr val="accent1"/>
+            </a:fillRef>
+            <a:effectRef idx="0">
+              <a:schemeClr val="accent1"/>
+            </a:effectRef>
+            <a:fontRef idx="minor">
+              <a:schemeClr val="lt1"/>
+            </a:fontRef>
+          </p:style>
+          <p:txBody>
+            <a:bodyPr rtlCol="0" anchor="ctr"/>
+            <a:lstStyle/>
+            <a:p>
+              <a:pPr algn="ctr"/>
+              <a:endParaRPr lang="en-PH" dirty="0"/>
+            </a:p>
+          </p:txBody>
+        </p:sp>
+        <p:sp>
+          <p:nvSpPr>
+            <p:cNvPr id="63" name="Oval 62">
+              <a:extLst>
+                <a:ext uri="{FF2B5EF4-FFF2-40B4-BE49-F238E27FC236}">
+                  <a16:creationId xmlns:a16="http://schemas.microsoft.com/office/drawing/2014/main" id="{B005724A-4BD0-7C36-2614-1194A741B1B8}"/>
+                </a:ext>
+              </a:extLst>
+            </p:cNvPr>
+            <p:cNvSpPr/>
+            <p:nvPr/>
+          </p:nvSpPr>
+          <p:spPr>
+            <a:xfrm>
+              <a:off x="1293032" y="4546431"/>
+              <a:ext cx="259595" cy="281642"/>
+            </a:xfrm>
+            <a:prstGeom prst="ellipse">
+              <a:avLst/>
+            </a:prstGeom>
+          </p:spPr>
+          <p:style>
+            <a:lnRef idx="2">
+              <a:schemeClr val="accent1">
+                <a:shade val="15000"/>
+              </a:schemeClr>
+            </a:lnRef>
+            <a:fillRef idx="1">
+              <a:schemeClr val="accent1"/>
+            </a:fillRef>
+            <a:effectRef idx="0">
+              <a:schemeClr val="accent1"/>
+            </a:effectRef>
+            <a:fontRef idx="minor">
+              <a:schemeClr val="lt1"/>
+            </a:fontRef>
+          </p:style>
+          <p:txBody>
+            <a:bodyPr rtlCol="0" anchor="ctr"/>
+            <a:lstStyle/>
+            <a:p>
+              <a:pPr algn="ctr"/>
+              <a:endParaRPr lang="en-PH" dirty="0"/>
+            </a:p>
+          </p:txBody>
+        </p:sp>
+        <p:sp>
+          <p:nvSpPr>
+            <p:cNvPr id="64" name="Oval 63">
+              <a:extLst>
+                <a:ext uri="{FF2B5EF4-FFF2-40B4-BE49-F238E27FC236}">
+                  <a16:creationId xmlns:a16="http://schemas.microsoft.com/office/drawing/2014/main" id="{DB075541-9D1C-65BE-1711-74DB2AB1C783}"/>
+                </a:ext>
+              </a:extLst>
+            </p:cNvPr>
+            <p:cNvSpPr/>
+            <p:nvPr/>
+          </p:nvSpPr>
+          <p:spPr>
+            <a:xfrm>
+              <a:off x="553576" y="5260861"/>
+              <a:ext cx="259595" cy="281642"/>
+            </a:xfrm>
+            <a:prstGeom prst="ellipse">
+              <a:avLst/>
+            </a:prstGeom>
+          </p:spPr>
+          <p:style>
+            <a:lnRef idx="2">
+              <a:schemeClr val="accent1">
+                <a:shade val="15000"/>
+              </a:schemeClr>
+            </a:lnRef>
+            <a:fillRef idx="1">
+              <a:schemeClr val="accent1"/>
+            </a:fillRef>
+            <a:effectRef idx="0">
+              <a:schemeClr val="accent1"/>
+            </a:effectRef>
+            <a:fontRef idx="minor">
+              <a:schemeClr val="lt1"/>
+            </a:fontRef>
+          </p:style>
+          <p:txBody>
+            <a:bodyPr rtlCol="0" anchor="ctr"/>
+            <a:lstStyle/>
+            <a:p>
+              <a:pPr algn="ctr"/>
+              <a:endParaRPr lang="en-PH" dirty="0"/>
+            </a:p>
+          </p:txBody>
+        </p:sp>
+        <p:sp>
+          <p:nvSpPr>
+            <p:cNvPr id="65" name="Oval 64">
+              <a:extLst>
+                <a:ext uri="{FF2B5EF4-FFF2-40B4-BE49-F238E27FC236}">
+                  <a16:creationId xmlns:a16="http://schemas.microsoft.com/office/drawing/2014/main" id="{EB97FEC6-FCE6-9000-5010-430F2FBA54F1}"/>
+                </a:ext>
+              </a:extLst>
+            </p:cNvPr>
+            <p:cNvSpPr/>
+            <p:nvPr/>
+          </p:nvSpPr>
+          <p:spPr>
+            <a:xfrm>
+              <a:off x="923304" y="5260861"/>
+              <a:ext cx="259595" cy="281642"/>
+            </a:xfrm>
+            <a:prstGeom prst="ellipse">
+              <a:avLst/>
+            </a:prstGeom>
+          </p:spPr>
+          <p:style>
+            <a:lnRef idx="2">
+              <a:schemeClr val="accent1">
+                <a:shade val="15000"/>
+              </a:schemeClr>
+            </a:lnRef>
+            <a:fillRef idx="1">
+              <a:schemeClr val="accent1"/>
+            </a:fillRef>
+            <a:effectRef idx="0">
+              <a:schemeClr val="accent1"/>
+            </a:effectRef>
+            <a:fontRef idx="minor">
+              <a:schemeClr val="lt1"/>
+            </a:fontRef>
+          </p:style>
+          <p:txBody>
+            <a:bodyPr rtlCol="0" anchor="ctr"/>
+            <a:lstStyle/>
+            <a:p>
+              <a:pPr algn="ctr"/>
+              <a:endParaRPr lang="en-PH" dirty="0"/>
+            </a:p>
+          </p:txBody>
+        </p:sp>
+        <p:sp>
+          <p:nvSpPr>
+            <p:cNvPr id="66" name="Oval 65">
+              <a:extLst>
+                <a:ext uri="{FF2B5EF4-FFF2-40B4-BE49-F238E27FC236}">
+                  <a16:creationId xmlns:a16="http://schemas.microsoft.com/office/drawing/2014/main" id="{85F83BD7-8442-F85E-2520-9F709D43CB82}"/>
+                </a:ext>
+              </a:extLst>
+            </p:cNvPr>
+            <p:cNvSpPr/>
+            <p:nvPr/>
+          </p:nvSpPr>
+          <p:spPr>
+            <a:xfrm>
+              <a:off x="1293032" y="5276033"/>
+              <a:ext cx="259595" cy="281642"/>
+            </a:xfrm>
+            <a:prstGeom prst="ellipse">
+              <a:avLst/>
+            </a:prstGeom>
+          </p:spPr>
+          <p:style>
+            <a:lnRef idx="2">
+              <a:schemeClr val="accent1">
+                <a:shade val="15000"/>
+              </a:schemeClr>
+            </a:lnRef>
+            <a:fillRef idx="1">
+              <a:schemeClr val="accent1"/>
+            </a:fillRef>
+            <a:effectRef idx="0">
+              <a:schemeClr val="accent1"/>
+            </a:effectRef>
+            <a:fontRef idx="minor">
+              <a:schemeClr val="lt1"/>
+            </a:fontRef>
+          </p:style>
+          <p:txBody>
+            <a:bodyPr rtlCol="0" anchor="ctr"/>
+            <a:lstStyle/>
+            <a:p>
+              <a:pPr algn="ctr"/>
+              <a:endParaRPr lang="en-PH" dirty="0"/>
+            </a:p>
+          </p:txBody>
+        </p:sp>
+        <p:cxnSp>
+          <p:nvCxnSpPr>
+            <p:cNvPr id="67" name="Straight Connector 66">
+              <a:extLst>
+                <a:ext uri="{FF2B5EF4-FFF2-40B4-BE49-F238E27FC236}">
+                  <a16:creationId xmlns:a16="http://schemas.microsoft.com/office/drawing/2014/main" id="{32D4CA84-4588-9890-563A-2400A70B3693}"/>
+                </a:ext>
+              </a:extLst>
+            </p:cNvPr>
+            <p:cNvCxnSpPr>
+              <a:cxnSpLocks/>
+              <a:stCxn id="61" idx="4"/>
+              <a:endCxn id="64" idx="0"/>
+            </p:cNvCxnSpPr>
+            <p:nvPr/>
+          </p:nvCxnSpPr>
+          <p:spPr>
+            <a:xfrm>
+              <a:off x="683374" y="4828744"/>
+              <a:ext cx="0" cy="432117"/>
+            </a:xfrm>
+            <a:prstGeom prst="line">
+              <a:avLst/>
+            </a:prstGeom>
+          </p:spPr>
+          <p:style>
+            <a:lnRef idx="3">
+              <a:schemeClr val="dk1"/>
+            </a:lnRef>
+            <a:fillRef idx="0">
+              <a:schemeClr val="dk1"/>
+            </a:fillRef>
+            <a:effectRef idx="2">
+              <a:schemeClr val="dk1"/>
+            </a:effectRef>
+            <a:fontRef idx="minor">
+              <a:schemeClr val="tx1"/>
+            </a:fontRef>
+          </p:style>
+        </p:cxnSp>
+        <p:cxnSp>
+          <p:nvCxnSpPr>
+            <p:cNvPr id="68" name="Straight Connector 67">
+              <a:extLst>
+                <a:ext uri="{FF2B5EF4-FFF2-40B4-BE49-F238E27FC236}">
+                  <a16:creationId xmlns:a16="http://schemas.microsoft.com/office/drawing/2014/main" id="{7F603396-1813-7091-800A-EFB0DB0AE4DB}"/>
+                </a:ext>
+              </a:extLst>
+            </p:cNvPr>
+            <p:cNvCxnSpPr>
+              <a:cxnSpLocks/>
+              <a:stCxn id="61" idx="5"/>
+              <a:endCxn id="65" idx="0"/>
+            </p:cNvCxnSpPr>
+            <p:nvPr/>
+          </p:nvCxnSpPr>
+          <p:spPr>
+            <a:xfrm>
+              <a:off x="775154" y="4787498"/>
+              <a:ext cx="277948" cy="473363"/>
+            </a:xfrm>
+            <a:prstGeom prst="line">
+              <a:avLst/>
+            </a:prstGeom>
+          </p:spPr>
+          <p:style>
+            <a:lnRef idx="3">
+              <a:schemeClr val="dk1"/>
+            </a:lnRef>
+            <a:fillRef idx="0">
+              <a:schemeClr val="dk1"/>
+            </a:fillRef>
+            <a:effectRef idx="2">
+              <a:schemeClr val="dk1"/>
+            </a:effectRef>
+            <a:fontRef idx="minor">
+              <a:schemeClr val="tx1"/>
+            </a:fontRef>
+          </p:style>
+        </p:cxnSp>
+        <p:cxnSp>
+          <p:nvCxnSpPr>
+            <p:cNvPr id="69" name="Straight Connector 68">
+              <a:extLst>
+                <a:ext uri="{FF2B5EF4-FFF2-40B4-BE49-F238E27FC236}">
+                  <a16:creationId xmlns:a16="http://schemas.microsoft.com/office/drawing/2014/main" id="{116AB270-0D6B-6E2C-EEE7-2F910A49E182}"/>
+                </a:ext>
+              </a:extLst>
+            </p:cNvPr>
+            <p:cNvCxnSpPr>
+              <a:cxnSpLocks/>
+              <a:stCxn id="61" idx="6"/>
+              <a:endCxn id="66" idx="2"/>
+            </p:cNvCxnSpPr>
+            <p:nvPr/>
+          </p:nvCxnSpPr>
+          <p:spPr>
+            <a:xfrm>
+              <a:off x="813171" y="4687923"/>
+              <a:ext cx="479861" cy="728931"/>
+            </a:xfrm>
+            <a:prstGeom prst="line">
+              <a:avLst/>
+            </a:prstGeom>
+          </p:spPr>
+          <p:style>
+            <a:lnRef idx="3">
+              <a:schemeClr val="dk1"/>
+            </a:lnRef>
+            <a:fillRef idx="0">
+              <a:schemeClr val="dk1"/>
+            </a:fillRef>
+            <a:effectRef idx="2">
+              <a:schemeClr val="dk1"/>
+            </a:effectRef>
+            <a:fontRef idx="minor">
+              <a:schemeClr val="tx1"/>
+            </a:fontRef>
+          </p:style>
+        </p:cxnSp>
+        <p:cxnSp>
+          <p:nvCxnSpPr>
+            <p:cNvPr id="70" name="Straight Connector 69">
+              <a:extLst>
+                <a:ext uri="{FF2B5EF4-FFF2-40B4-BE49-F238E27FC236}">
+                  <a16:creationId xmlns:a16="http://schemas.microsoft.com/office/drawing/2014/main" id="{297FF5AA-F510-5129-AADD-693CB154062B}"/>
+                </a:ext>
+              </a:extLst>
+            </p:cNvPr>
+            <p:cNvCxnSpPr>
+              <a:cxnSpLocks/>
+              <a:stCxn id="62" idx="5"/>
+              <a:endCxn id="66" idx="1"/>
+            </p:cNvCxnSpPr>
+            <p:nvPr/>
+          </p:nvCxnSpPr>
+          <p:spPr>
+            <a:xfrm>
+              <a:off x="1144882" y="4786827"/>
+              <a:ext cx="186167" cy="530452"/>
+            </a:xfrm>
+            <a:prstGeom prst="line">
+              <a:avLst/>
+            </a:prstGeom>
+          </p:spPr>
+          <p:style>
+            <a:lnRef idx="3">
+              <a:schemeClr val="dk1"/>
+            </a:lnRef>
+            <a:fillRef idx="0">
+              <a:schemeClr val="dk1"/>
+            </a:fillRef>
+            <a:effectRef idx="2">
+              <a:schemeClr val="dk1"/>
+            </a:effectRef>
+            <a:fontRef idx="minor">
+              <a:schemeClr val="tx1"/>
+            </a:fontRef>
+          </p:style>
+        </p:cxnSp>
+        <p:cxnSp>
+          <p:nvCxnSpPr>
+            <p:cNvPr id="71" name="Straight Connector 70">
+              <a:extLst>
+                <a:ext uri="{FF2B5EF4-FFF2-40B4-BE49-F238E27FC236}">
+                  <a16:creationId xmlns:a16="http://schemas.microsoft.com/office/drawing/2014/main" id="{E5B93952-F618-85B3-8E6C-6B9EA64ECB44}"/>
+                </a:ext>
+              </a:extLst>
+            </p:cNvPr>
+            <p:cNvCxnSpPr>
+              <a:cxnSpLocks/>
+              <a:stCxn id="63" idx="4"/>
+              <a:endCxn id="66" idx="0"/>
+            </p:cNvCxnSpPr>
+            <p:nvPr/>
+          </p:nvCxnSpPr>
+          <p:spPr>
+            <a:xfrm>
+              <a:off x="1422830" y="4828073"/>
+              <a:ext cx="0" cy="447960"/>
+            </a:xfrm>
+            <a:prstGeom prst="line">
+              <a:avLst/>
+            </a:prstGeom>
+          </p:spPr>
+          <p:style>
+            <a:lnRef idx="3">
+              <a:schemeClr val="dk1"/>
+            </a:lnRef>
+            <a:fillRef idx="0">
+              <a:schemeClr val="dk1"/>
+            </a:fillRef>
+            <a:effectRef idx="2">
+              <a:schemeClr val="dk1"/>
+            </a:effectRef>
+            <a:fontRef idx="minor">
+              <a:schemeClr val="tx1"/>
+            </a:fontRef>
+          </p:style>
+        </p:cxnSp>
+        <p:cxnSp>
+          <p:nvCxnSpPr>
+            <p:cNvPr id="72" name="Straight Connector 71">
+              <a:extLst>
+                <a:ext uri="{FF2B5EF4-FFF2-40B4-BE49-F238E27FC236}">
+                  <a16:creationId xmlns:a16="http://schemas.microsoft.com/office/drawing/2014/main" id="{637E2D4D-7FB2-79EB-6892-2F69DDB152EB}"/>
+                </a:ext>
+              </a:extLst>
+            </p:cNvPr>
+            <p:cNvCxnSpPr>
+              <a:cxnSpLocks/>
+              <a:stCxn id="63" idx="3"/>
+              <a:endCxn id="65" idx="7"/>
+            </p:cNvCxnSpPr>
+            <p:nvPr/>
+          </p:nvCxnSpPr>
+          <p:spPr>
+            <a:xfrm flipH="1">
+              <a:off x="1144882" y="4786827"/>
+              <a:ext cx="186167" cy="515280"/>
+            </a:xfrm>
+            <a:prstGeom prst="line">
+              <a:avLst/>
+            </a:prstGeom>
+          </p:spPr>
+          <p:style>
+            <a:lnRef idx="3">
+              <a:schemeClr val="dk1"/>
+            </a:lnRef>
+            <a:fillRef idx="0">
+              <a:schemeClr val="dk1"/>
+            </a:fillRef>
+            <a:effectRef idx="2">
+              <a:schemeClr val="dk1"/>
+            </a:effectRef>
+            <a:fontRef idx="minor">
+              <a:schemeClr val="tx1"/>
+            </a:fontRef>
+          </p:style>
+        </p:cxnSp>
+        <p:cxnSp>
+          <p:nvCxnSpPr>
+            <p:cNvPr id="73" name="Straight Connector 72">
+              <a:extLst>
+                <a:ext uri="{FF2B5EF4-FFF2-40B4-BE49-F238E27FC236}">
+                  <a16:creationId xmlns:a16="http://schemas.microsoft.com/office/drawing/2014/main" id="{6EA6DD85-2C91-619C-A6F2-D260A4C6A336}"/>
+                </a:ext>
+              </a:extLst>
+            </p:cNvPr>
+            <p:cNvCxnSpPr>
+              <a:cxnSpLocks/>
+              <a:stCxn id="62" idx="3"/>
+              <a:endCxn id="64" idx="7"/>
+            </p:cNvCxnSpPr>
+            <p:nvPr/>
+          </p:nvCxnSpPr>
+          <p:spPr>
+            <a:xfrm flipH="1">
+              <a:off x="775154" y="4786827"/>
+              <a:ext cx="186167" cy="515280"/>
+            </a:xfrm>
+            <a:prstGeom prst="line">
+              <a:avLst/>
+            </a:prstGeom>
+          </p:spPr>
+          <p:style>
+            <a:lnRef idx="3">
+              <a:schemeClr val="dk1"/>
+            </a:lnRef>
+            <a:fillRef idx="0">
+              <a:schemeClr val="dk1"/>
+            </a:fillRef>
+            <a:effectRef idx="2">
+              <a:schemeClr val="dk1"/>
+            </a:effectRef>
+            <a:fontRef idx="minor">
+              <a:schemeClr val="tx1"/>
+            </a:fontRef>
+          </p:style>
+        </p:cxnSp>
+        <p:cxnSp>
+          <p:nvCxnSpPr>
+            <p:cNvPr id="74" name="Straight Connector 73">
+              <a:extLst>
+                <a:ext uri="{FF2B5EF4-FFF2-40B4-BE49-F238E27FC236}">
+                  <a16:creationId xmlns:a16="http://schemas.microsoft.com/office/drawing/2014/main" id="{72D4EBEF-6919-5FDF-7FEF-A0A37A5AC7B9}"/>
+                </a:ext>
+              </a:extLst>
+            </p:cNvPr>
+            <p:cNvCxnSpPr>
+              <a:cxnSpLocks/>
+              <a:stCxn id="63" idx="2"/>
+              <a:endCxn id="64" idx="6"/>
+            </p:cNvCxnSpPr>
+            <p:nvPr/>
+          </p:nvCxnSpPr>
+          <p:spPr>
+            <a:xfrm flipH="1">
+              <a:off x="813171" y="4687252"/>
+              <a:ext cx="479861" cy="714430"/>
+            </a:xfrm>
+            <a:prstGeom prst="line">
+              <a:avLst/>
+            </a:prstGeom>
+          </p:spPr>
+          <p:style>
+            <a:lnRef idx="3">
+              <a:schemeClr val="dk1"/>
+            </a:lnRef>
+            <a:fillRef idx="0">
+              <a:schemeClr val="dk1"/>
+            </a:fillRef>
+            <a:effectRef idx="2">
+              <a:schemeClr val="dk1"/>
+            </a:effectRef>
+            <a:fontRef idx="minor">
+              <a:schemeClr val="tx1"/>
+            </a:fontRef>
+          </p:style>
+        </p:cxnSp>
+        <p:cxnSp>
+          <p:nvCxnSpPr>
+            <p:cNvPr id="75" name="Straight Connector 74">
+              <a:extLst>
+                <a:ext uri="{FF2B5EF4-FFF2-40B4-BE49-F238E27FC236}">
+                  <a16:creationId xmlns:a16="http://schemas.microsoft.com/office/drawing/2014/main" id="{E30B6324-DAFD-BD8D-3515-F0E6B09B3999}"/>
+                </a:ext>
+              </a:extLst>
+            </p:cNvPr>
+            <p:cNvCxnSpPr>
+              <a:cxnSpLocks/>
+              <a:stCxn id="62" idx="4"/>
+              <a:endCxn id="65" idx="0"/>
+            </p:cNvCxnSpPr>
+            <p:nvPr/>
+          </p:nvCxnSpPr>
+          <p:spPr>
+            <a:xfrm>
+              <a:off x="1053102" y="4828073"/>
+              <a:ext cx="0" cy="432788"/>
+            </a:xfrm>
+            <a:prstGeom prst="line">
+              <a:avLst/>
+            </a:prstGeom>
+          </p:spPr>
+          <p:style>
+            <a:lnRef idx="3">
+              <a:schemeClr val="dk1"/>
+            </a:lnRef>
+            <a:fillRef idx="0">
+              <a:schemeClr val="dk1"/>
+            </a:fillRef>
+            <a:effectRef idx="2">
+              <a:schemeClr val="dk1"/>
+            </a:effectRef>
+            <a:fontRef idx="minor">
+              <a:schemeClr val="tx1"/>
+            </a:fontRef>
+          </p:style>
+        </p:cxnSp>
+      </p:grpSp>
+      <p:sp>
+        <p:nvSpPr>
+          <p:cNvPr id="76" name="Arrow: Curved Right 75">
+            <a:extLst>
+              <a:ext uri="{FF2B5EF4-FFF2-40B4-BE49-F238E27FC236}">
+                <a16:creationId xmlns:a16="http://schemas.microsoft.com/office/drawing/2014/main" id="{CF77C245-FCA6-834E-F203-F05738FF63E1}"/>
               </a:ext>
             </a:extLst>
           </p:cNvPr>
@@ -15956,26 +18187,12 @@
         </p:nvSpPr>
         <p:spPr>
           <a:xfrm>
-            <a:off x="8489337" y="2564270"/>
-            <a:ext cx="2621615" cy="1259202"/>
+            <a:off x="1673898" y="2793750"/>
+            <a:ext cx="731520" cy="1216152"/>
           </a:xfrm>
-          <a:prstGeom prst="roundRect">
+          <a:prstGeom prst="curvedRightArrow">
             <a:avLst/>
           </a:prstGeom>
-          <a:ln>
-            <a:solidFill>
-              <a:schemeClr val="accent5">
-                <a:lumMod val="75000"/>
-              </a:schemeClr>
-            </a:solidFill>
-          </a:ln>
-          <a:effectLst>
-            <a:outerShdw blurRad="50800" dist="38100" dir="2700000" algn="tl" rotWithShape="0">
-              <a:prstClr val="black">
-                <a:alpha val="40000"/>
-              </a:prstClr>
-            </a:outerShdw>
-          </a:effectLst>
         </p:spPr>
         <p:style>
           <a:lnRef idx="2">
@@ -15998,79 +18215,170 @@
           <a:lstStyle/>
           <a:p>
             <a:pPr algn="ctr"/>
-            <a:endParaRPr lang="en-US" sz="1500" b="1" dirty="0"/>
-          </a:p>
-          <a:p>
-            <a:pPr algn="ctr"/>
-            <a:endParaRPr lang="en-US" sz="1500" b="1" dirty="0"/>
-          </a:p>
-          <a:p>
-            <a:pPr algn="ctr"/>
-            <a:r>
-              <a:rPr lang="en-US" sz="1500" b="1" dirty="0"/>
-              <a:t>Machine Learning Algorithm</a:t>
-            </a:r>
-          </a:p>
-          <a:p>
-            <a:pPr algn="ctr"/>
-            <a:endParaRPr lang="en-US" sz="1500" b="1" dirty="0"/>
-          </a:p>
-          <a:p>
-            <a:pPr algn="ctr"/>
-            <a:endParaRPr lang="en-US" sz="1500" b="1" dirty="0"/>
-          </a:p>
-          <a:p>
-            <a:pPr algn="ctr"/>
-            <a:endParaRPr lang="en-US" sz="1500" b="1" dirty="0"/>
-          </a:p>
-          <a:p>
-            <a:pPr algn="ctr"/>
-            <a:endParaRPr lang="en-PH" sz="1500" b="1" dirty="0"/>
+            <a:endParaRPr lang="en-PH">
+              <a:solidFill>
+                <a:schemeClr val="tx1"/>
+              </a:solidFill>
+            </a:endParaRPr>
           </a:p>
         </p:txBody>
       </p:sp>
       <p:sp>
         <p:nvSpPr>
-          <p:cNvPr id="24" name="TextBox 23">
+          <p:cNvPr id="77" name="Arrow: Curved Right 76">
             <a:extLst>
               <a:ext uri="{FF2B5EF4-FFF2-40B4-BE49-F238E27FC236}">
-                <a16:creationId xmlns:a16="http://schemas.microsoft.com/office/drawing/2014/main" id="{8ED59DF5-FE8C-EE50-087E-D3E97CD3E96A}"/>
+                <a16:creationId xmlns:a16="http://schemas.microsoft.com/office/drawing/2014/main" id="{17E565C4-3C93-9019-D26F-49F56CD30EBF}"/>
               </a:ext>
             </a:extLst>
           </p:cNvPr>
-          <p:cNvSpPr txBox="1"/>
+          <p:cNvSpPr/>
+          <p:nvPr/>
+        </p:nvSpPr>
+        <p:spPr>
+          <a:xfrm rot="10800000">
+            <a:off x="4377489" y="2695275"/>
+            <a:ext cx="731520" cy="1216152"/>
+          </a:xfrm>
+          <a:prstGeom prst="curvedRightArrow">
+            <a:avLst/>
+          </a:prstGeom>
+        </p:spPr>
+        <p:style>
+          <a:lnRef idx="2">
+            <a:schemeClr val="accent1">
+              <a:shade val="15000"/>
+            </a:schemeClr>
+          </a:lnRef>
+          <a:fillRef idx="1">
+            <a:schemeClr val="accent1"/>
+          </a:fillRef>
+          <a:effectRef idx="0">
+            <a:schemeClr val="accent1"/>
+          </a:effectRef>
+          <a:fontRef idx="minor">
+            <a:schemeClr val="lt1"/>
+          </a:fontRef>
+        </p:style>
+        <p:txBody>
+          <a:bodyPr rtlCol="0" anchor="ctr"/>
+          <a:lstStyle/>
+          <a:p>
+            <a:pPr algn="ctr"/>
+            <a:endParaRPr lang="en-PH">
+              <a:solidFill>
+                <a:schemeClr val="tx1"/>
+              </a:solidFill>
+            </a:endParaRPr>
+          </a:p>
+        </p:txBody>
+      </p:sp>
+      <p:sp>
+        <p:nvSpPr>
+          <p:cNvPr id="78" name="Arrow: Curved Right 77">
+            <a:extLst>
+              <a:ext uri="{FF2B5EF4-FFF2-40B4-BE49-F238E27FC236}">
+                <a16:creationId xmlns:a16="http://schemas.microsoft.com/office/drawing/2014/main" id="{048156AA-1DF1-5679-5239-429AAE71BF86}"/>
+              </a:ext>
+            </a:extLst>
+          </p:cNvPr>
+          <p:cNvSpPr/>
           <p:nvPr/>
         </p:nvSpPr>
         <p:spPr>
           <a:xfrm>
-            <a:off x="7849301" y="2942428"/>
-            <a:ext cx="470000" cy="369332"/>
+            <a:off x="6423747" y="2820924"/>
+            <a:ext cx="731520" cy="1216152"/>
           </a:xfrm>
-          <a:prstGeom prst="rect">
+          <a:prstGeom prst="curvedRightArrow">
             <a:avLst/>
           </a:prstGeom>
-          <a:noFill/>
         </p:spPr>
+        <p:style>
+          <a:lnRef idx="2">
+            <a:schemeClr val="accent1">
+              <a:shade val="15000"/>
+            </a:schemeClr>
+          </a:lnRef>
+          <a:fillRef idx="1">
+            <a:schemeClr val="accent1"/>
+          </a:fillRef>
+          <a:effectRef idx="0">
+            <a:schemeClr val="accent1"/>
+          </a:effectRef>
+          <a:fontRef idx="minor">
+            <a:schemeClr val="lt1"/>
+          </a:fontRef>
+        </p:style>
         <p:txBody>
-          <a:bodyPr wrap="none" rtlCol="0">
-            <a:spAutoFit/>
-          </a:bodyPr>
+          <a:bodyPr rtlCol="0" anchor="ctr"/>
           <a:lstStyle/>
           <a:p>
-            <a:r>
-              <a:rPr lang="en-US" b="1" dirty="0"/>
-              <a:t>OR</a:t>
-            </a:r>
-            <a:endParaRPr lang="en-PH" b="1" dirty="0"/>
+            <a:pPr algn="ctr"/>
+            <a:endParaRPr lang="en-PH">
+              <a:solidFill>
+                <a:schemeClr val="tx1"/>
+              </a:solidFill>
+            </a:endParaRPr>
+          </a:p>
+        </p:txBody>
+      </p:sp>
+      <p:sp>
+        <p:nvSpPr>
+          <p:cNvPr id="79" name="Arrow: Curved Right 78">
+            <a:extLst>
+              <a:ext uri="{FF2B5EF4-FFF2-40B4-BE49-F238E27FC236}">
+                <a16:creationId xmlns:a16="http://schemas.microsoft.com/office/drawing/2014/main" id="{41D2D9D9-E46F-8959-C782-D5E60E01A1A2}"/>
+              </a:ext>
+            </a:extLst>
+          </p:cNvPr>
+          <p:cNvSpPr/>
+          <p:nvPr/>
+        </p:nvSpPr>
+        <p:spPr>
+          <a:xfrm rot="10800000">
+            <a:off x="10068900" y="2793750"/>
+            <a:ext cx="731520" cy="1216152"/>
+          </a:xfrm>
+          <a:prstGeom prst="curvedRightArrow">
+            <a:avLst/>
+          </a:prstGeom>
+        </p:spPr>
+        <p:style>
+          <a:lnRef idx="2">
+            <a:schemeClr val="accent1">
+              <a:shade val="15000"/>
+            </a:schemeClr>
+          </a:lnRef>
+          <a:fillRef idx="1">
+            <a:schemeClr val="accent1"/>
+          </a:fillRef>
+          <a:effectRef idx="0">
+            <a:schemeClr val="accent1"/>
+          </a:effectRef>
+          <a:fontRef idx="minor">
+            <a:schemeClr val="lt1"/>
+          </a:fontRef>
+        </p:style>
+        <p:txBody>
+          <a:bodyPr rtlCol="0" anchor="ctr"/>
+          <a:lstStyle/>
+          <a:p>
+            <a:pPr algn="ctr"/>
+            <a:endParaRPr lang="en-PH">
+              <a:solidFill>
+                <a:schemeClr val="tx1"/>
+              </a:solidFill>
+            </a:endParaRPr>
           </a:p>
         </p:txBody>
       </p:sp>
       <p:pic>
         <p:nvPicPr>
-          <p:cNvPr id="25" name="Picture 24" descr="Icon&#10;&#10;Description automatically generated">
+          <p:cNvPr id="85" name="Picture 84">
             <a:extLst>
               <a:ext uri="{FF2B5EF4-FFF2-40B4-BE49-F238E27FC236}">
-                <a16:creationId xmlns:a16="http://schemas.microsoft.com/office/drawing/2014/main" id="{733B335A-1BA0-ABA3-75E3-000786F286E5}"/>
+                <a16:creationId xmlns:a16="http://schemas.microsoft.com/office/drawing/2014/main" id="{33810B68-66CE-62C0-04D1-60AB66BE848D}"/>
               </a:ext>
             </a:extLst>
           </p:cNvPr>
@@ -16080,7 +18388,7 @@
           <p:nvPr/>
         </p:nvPicPr>
         <p:blipFill>
-          <a:blip r:embed="rId4">
+          <a:blip r:embed="rId5">
             <a:extLst>
               <a:ext uri="{28A0092B-C50C-407E-A947-70E740481C1C}">
                 <a14:useLocalDpi xmlns:a14="http://schemas.microsoft.com/office/drawing/2010/main" val="0"/>
@@ -16093,8 +18401,44 @@
         </p:blipFill>
         <p:spPr>
           <a:xfrm>
-            <a:off x="9409631" y="3158282"/>
-            <a:ext cx="781026" cy="600293"/>
+            <a:off x="3206210" y="4182033"/>
+            <a:ext cx="1055722" cy="492523"/>
+          </a:xfrm>
+          <a:prstGeom prst="rect">
+            <a:avLst/>
+          </a:prstGeom>
+        </p:spPr>
+      </p:pic>
+      <p:pic>
+        <p:nvPicPr>
+          <p:cNvPr id="86" name="Picture 85">
+            <a:extLst>
+              <a:ext uri="{FF2B5EF4-FFF2-40B4-BE49-F238E27FC236}">
+                <a16:creationId xmlns:a16="http://schemas.microsoft.com/office/drawing/2014/main" id="{BEA43955-6DD5-1E63-DDD6-FE073A1F0139}"/>
+              </a:ext>
+            </a:extLst>
+          </p:cNvPr>
+          <p:cNvPicPr>
+            <a:picLocks noChangeAspect="1"/>
+          </p:cNvPicPr>
+          <p:nvPr/>
+        </p:nvPicPr>
+        <p:blipFill>
+          <a:blip r:embed="rId5">
+            <a:extLst>
+              <a:ext uri="{28A0092B-C50C-407E-A947-70E740481C1C}">
+                <a14:useLocalDpi xmlns:a14="http://schemas.microsoft.com/office/drawing/2010/main" val="0"/>
+              </a:ext>
+            </a:extLst>
+          </a:blip>
+          <a:stretch>
+            <a:fillRect/>
+          </a:stretch>
+        </p:blipFill>
+        <p:spPr>
+          <a:xfrm>
+            <a:off x="8406503" y="4151080"/>
+            <a:ext cx="1055722" cy="492523"/>
           </a:xfrm>
           <a:prstGeom prst="rect">
             <a:avLst/>
@@ -16114,7 +18458,7 @@
 </p:sld>
 </file>
 
-<file path=ppt/slides/slide2.xml><?xml version="1.0" encoding="utf-8"?>
+<file path=ppt/slides/slide23.xml><?xml version="1.0" encoding="utf-8"?>
 <p:sld xmlns:a="http://schemas.openxmlformats.org/drawingml/2006/main" xmlns:r="http://schemas.openxmlformats.org/officeDocument/2006/relationships" xmlns:p="http://schemas.openxmlformats.org/presentationml/2006/main">
   <p:cSld>
     <p:bg>
@@ -16148,6 +18492,41 @@
       </p:grpSpPr>
       <p:sp>
         <p:nvSpPr>
+          <p:cNvPr id="2" name="Title 1">
+            <a:extLst>
+              <a:ext uri="{FF2B5EF4-FFF2-40B4-BE49-F238E27FC236}">
+                <a16:creationId xmlns:a16="http://schemas.microsoft.com/office/drawing/2014/main" id="{6A3DCE86-C2BA-4713-9E7A-73589E8D6CCF}"/>
+              </a:ext>
+            </a:extLst>
+          </p:cNvPr>
+          <p:cNvSpPr>
+            <a:spLocks noGrp="1"/>
+          </p:cNvSpPr>
+          <p:nvPr>
+            <p:ph type="ctrTitle"/>
+          </p:nvPr>
+        </p:nvSpPr>
+        <p:spPr>
+          <a:xfrm>
+            <a:off x="1524000" y="497150"/>
+            <a:ext cx="9144000" cy="718459"/>
+          </a:xfrm>
+        </p:spPr>
+        <p:txBody>
+          <a:bodyPr>
+            <a:normAutofit fontScale="90000"/>
+          </a:bodyPr>
+          <a:lstStyle/>
+          <a:p>
+            <a:r>
+              <a:rPr lang="en-PH" b="1" dirty="0"/>
+              <a:t>Machine Learning Approach </a:t>
+            </a:r>
+          </a:p>
+        </p:txBody>
+      </p:sp>
+      <p:sp>
+        <p:nvSpPr>
           <p:cNvPr id="4" name="Footer Placeholder 3">
             <a:extLst>
               <a:ext uri="{FF2B5EF4-FFF2-40B4-BE49-F238E27FC236}">
@@ -16194,307 +18573,2348 @@
       </p:sp>
       <p:sp>
         <p:nvSpPr>
-          <p:cNvPr id="5" name="Title 1">
+          <p:cNvPr id="3" name="TextBox 2">
             <a:extLst>
               <a:ext uri="{FF2B5EF4-FFF2-40B4-BE49-F238E27FC236}">
-                <a16:creationId xmlns:a16="http://schemas.microsoft.com/office/drawing/2014/main" id="{3444037F-B658-D82C-5DCA-53E8AA1493D7}"/>
+                <a16:creationId xmlns:a16="http://schemas.microsoft.com/office/drawing/2014/main" id="{740DE635-4923-6FBA-8354-7899A2C66D72}"/>
               </a:ext>
             </a:extLst>
           </p:cNvPr>
-          <p:cNvSpPr txBox="1">
-            <a:spLocks/>
-          </p:cNvSpPr>
+          <p:cNvSpPr txBox="1"/>
           <p:nvPr/>
         </p:nvSpPr>
         <p:spPr>
           <a:xfrm>
-            <a:off x="613611" y="999091"/>
-            <a:ext cx="11273589" cy="4290585"/>
+            <a:off x="1524000" y="3851922"/>
+            <a:ext cx="9144000" cy="1938992"/>
+          </a:xfrm>
+          <a:prstGeom prst="rect">
+            <a:avLst/>
+          </a:prstGeom>
+          <a:noFill/>
+        </p:spPr>
+        <p:txBody>
+          <a:bodyPr wrap="square" rtlCol="0">
+            <a:spAutoFit/>
+          </a:bodyPr>
+          <a:lstStyle/>
+          <a:p>
+            <a:r>
+              <a:rPr lang="en-US" sz="3000" dirty="0"/>
+              <a:t>In very simple terms, you can think of a neural network or a machine learning algorithm </a:t>
+            </a:r>
+            <a:r>
+              <a:rPr lang="en-US" sz="3000" b="1" dirty="0">
+                <a:solidFill>
+                  <a:srgbClr val="00B050"/>
+                </a:solidFill>
+              </a:rPr>
+              <a:t>as a function that can tune its variables in order to correctly map its inputs to some outputs</a:t>
+            </a:r>
+            <a:r>
+              <a:rPr lang="en-US" sz="3000" dirty="0"/>
+              <a:t>.</a:t>
+            </a:r>
+            <a:endParaRPr lang="en-PH" sz="3000" b="1" dirty="0">
+              <a:solidFill>
+                <a:srgbClr val="FF0000"/>
+              </a:solidFill>
+            </a:endParaRPr>
+          </a:p>
+        </p:txBody>
+      </p:sp>
+      <p:grpSp>
+        <p:nvGrpSpPr>
+          <p:cNvPr id="5" name="Group 4">
+            <a:extLst>
+              <a:ext uri="{FF2B5EF4-FFF2-40B4-BE49-F238E27FC236}">
+                <a16:creationId xmlns:a16="http://schemas.microsoft.com/office/drawing/2014/main" id="{3013E91D-EF9B-1ED9-CD5C-8C6590BA0E22}"/>
+              </a:ext>
+            </a:extLst>
+          </p:cNvPr>
+          <p:cNvGrpSpPr/>
+          <p:nvPr/>
+        </p:nvGrpSpPr>
+        <p:grpSpPr>
+          <a:xfrm>
+            <a:off x="7494230" y="1840662"/>
+            <a:ext cx="2621615" cy="1259202"/>
+            <a:chOff x="7888395" y="3253629"/>
+            <a:chExt cx="2621615" cy="1259202"/>
+          </a:xfrm>
+        </p:grpSpPr>
+        <p:sp>
+          <p:nvSpPr>
+            <p:cNvPr id="6" name="Rectangle: Rounded Corners 5">
+              <a:extLst>
+                <a:ext uri="{FF2B5EF4-FFF2-40B4-BE49-F238E27FC236}">
+                  <a16:creationId xmlns:a16="http://schemas.microsoft.com/office/drawing/2014/main" id="{E1C02C48-A08C-F587-6457-2FB1F86B1B0E}"/>
+                </a:ext>
+              </a:extLst>
+            </p:cNvPr>
+            <p:cNvSpPr/>
+            <p:nvPr/>
+          </p:nvSpPr>
+          <p:spPr>
+            <a:xfrm>
+              <a:off x="7888395" y="3253629"/>
+              <a:ext cx="2621615" cy="1259202"/>
+            </a:xfrm>
+            <a:prstGeom prst="roundRect">
+              <a:avLst/>
+            </a:prstGeom>
+            <a:ln>
+              <a:solidFill>
+                <a:schemeClr val="accent5">
+                  <a:lumMod val="75000"/>
+                </a:schemeClr>
+              </a:solidFill>
+            </a:ln>
+            <a:effectLst>
+              <a:outerShdw blurRad="50800" dist="38100" dir="2700000" algn="tl" rotWithShape="0">
+                <a:prstClr val="black">
+                  <a:alpha val="40000"/>
+                </a:prstClr>
+              </a:outerShdw>
+            </a:effectLst>
+          </p:spPr>
+          <p:style>
+            <a:lnRef idx="2">
+              <a:schemeClr val="accent1">
+                <a:shade val="15000"/>
+              </a:schemeClr>
+            </a:lnRef>
+            <a:fillRef idx="1">
+              <a:schemeClr val="accent1"/>
+            </a:fillRef>
+            <a:effectRef idx="0">
+              <a:schemeClr val="accent1"/>
+            </a:effectRef>
+            <a:fontRef idx="minor">
+              <a:schemeClr val="lt1"/>
+            </a:fontRef>
+          </p:style>
+          <p:txBody>
+            <a:bodyPr rtlCol="0" anchor="ctr"/>
+            <a:lstStyle/>
+            <a:p>
+              <a:pPr algn="ctr"/>
+              <a:endParaRPr lang="en-US" sz="1500" b="1" dirty="0"/>
+            </a:p>
+            <a:p>
+              <a:pPr algn="ctr"/>
+              <a:endParaRPr lang="en-US" sz="1500" b="1" dirty="0"/>
+            </a:p>
+            <a:p>
+              <a:pPr algn="ctr"/>
+              <a:r>
+                <a:rPr lang="en-US" sz="1500" b="1" dirty="0"/>
+                <a:t>Machine Learning Algorithm</a:t>
+              </a:r>
+            </a:p>
+            <a:p>
+              <a:pPr algn="ctr"/>
+              <a:endParaRPr lang="en-US" sz="1500" b="1" dirty="0"/>
+            </a:p>
+            <a:p>
+              <a:pPr algn="ctr"/>
+              <a:endParaRPr lang="en-US" sz="1500" b="1" dirty="0"/>
+            </a:p>
+            <a:p>
+              <a:pPr algn="ctr"/>
+              <a:endParaRPr lang="en-US" sz="1500" b="1" dirty="0"/>
+            </a:p>
+            <a:p>
+              <a:pPr algn="ctr"/>
+              <a:endParaRPr lang="en-PH" sz="1500" b="1" dirty="0"/>
+            </a:p>
+          </p:txBody>
+        </p:sp>
+        <p:pic>
+          <p:nvPicPr>
+            <p:cNvPr id="8" name="Picture 7" descr="Icon&#10;&#10;Description automatically generated">
+              <a:extLst>
+                <a:ext uri="{FF2B5EF4-FFF2-40B4-BE49-F238E27FC236}">
+                  <a16:creationId xmlns:a16="http://schemas.microsoft.com/office/drawing/2014/main" id="{1F7495BE-3FD3-9172-F938-97701CD1936A}"/>
+                </a:ext>
+              </a:extLst>
+            </p:cNvPr>
+            <p:cNvPicPr>
+              <a:picLocks noChangeAspect="1"/>
+            </p:cNvPicPr>
+            <p:nvPr/>
+          </p:nvPicPr>
+          <p:blipFill>
+            <a:blip r:embed="rId4">
+              <a:extLst>
+                <a:ext uri="{28A0092B-C50C-407E-A947-70E740481C1C}">
+                  <a14:useLocalDpi xmlns:a14="http://schemas.microsoft.com/office/drawing/2010/main" val="0"/>
+                </a:ext>
+              </a:extLst>
+            </a:blip>
+            <a:stretch>
+              <a:fillRect/>
+            </a:stretch>
+          </p:blipFill>
+          <p:spPr>
+            <a:xfrm>
+              <a:off x="8769753" y="3757582"/>
+              <a:ext cx="781026" cy="600293"/>
+            </a:xfrm>
+            <a:prstGeom prst="rect">
+              <a:avLst/>
+            </a:prstGeom>
+          </p:spPr>
+        </p:pic>
+      </p:grpSp>
+      <p:grpSp>
+        <p:nvGrpSpPr>
+          <p:cNvPr id="9" name="Group 8">
+            <a:extLst>
+              <a:ext uri="{FF2B5EF4-FFF2-40B4-BE49-F238E27FC236}">
+                <a16:creationId xmlns:a16="http://schemas.microsoft.com/office/drawing/2014/main" id="{5EDB6343-8CA2-DC16-EA49-9B3CF2F6FB26}"/>
+              </a:ext>
+            </a:extLst>
+          </p:cNvPr>
+          <p:cNvGrpSpPr/>
+          <p:nvPr/>
+        </p:nvGrpSpPr>
+        <p:grpSpPr>
+          <a:xfrm>
+            <a:off x="2876740" y="1629788"/>
+            <a:ext cx="1607442" cy="1597157"/>
+            <a:chOff x="293893" y="4102100"/>
+            <a:chExt cx="1607442" cy="1770972"/>
+          </a:xfrm>
+        </p:grpSpPr>
+        <p:cxnSp>
+          <p:nvCxnSpPr>
+            <p:cNvPr id="10" name="Straight Connector 9">
+              <a:extLst>
+                <a:ext uri="{FF2B5EF4-FFF2-40B4-BE49-F238E27FC236}">
+                  <a16:creationId xmlns:a16="http://schemas.microsoft.com/office/drawing/2014/main" id="{633721BA-73E7-CF93-ACCE-C4BF0967A709}"/>
+                </a:ext>
+              </a:extLst>
+            </p:cNvPr>
+            <p:cNvCxnSpPr>
+              <a:cxnSpLocks/>
+              <a:stCxn id="13" idx="4"/>
+              <a:endCxn id="16" idx="0"/>
+            </p:cNvCxnSpPr>
+            <p:nvPr/>
+          </p:nvCxnSpPr>
+          <p:spPr>
+            <a:xfrm>
+              <a:off x="1053102" y="4828073"/>
+              <a:ext cx="0" cy="432788"/>
+            </a:xfrm>
+            <a:prstGeom prst="line">
+              <a:avLst/>
+            </a:prstGeom>
+          </p:spPr>
+          <p:style>
+            <a:lnRef idx="3">
+              <a:schemeClr val="dk1"/>
+            </a:lnRef>
+            <a:fillRef idx="0">
+              <a:schemeClr val="dk1"/>
+            </a:fillRef>
+            <a:effectRef idx="2">
+              <a:schemeClr val="dk1"/>
+            </a:effectRef>
+            <a:fontRef idx="minor">
+              <a:schemeClr val="tx1"/>
+            </a:fontRef>
+          </p:style>
+        </p:cxnSp>
+        <p:sp>
+          <p:nvSpPr>
+            <p:cNvPr id="11" name="Rectangle: Rounded Corners 10">
+              <a:extLst>
+                <a:ext uri="{FF2B5EF4-FFF2-40B4-BE49-F238E27FC236}">
+                  <a16:creationId xmlns:a16="http://schemas.microsoft.com/office/drawing/2014/main" id="{DC7D8828-129C-73D7-2EF1-F5DC31A9F986}"/>
+                </a:ext>
+              </a:extLst>
+            </p:cNvPr>
+            <p:cNvSpPr/>
+            <p:nvPr/>
+          </p:nvSpPr>
+          <p:spPr>
+            <a:xfrm>
+              <a:off x="293893" y="4102100"/>
+              <a:ext cx="1607442" cy="1770972"/>
+            </a:xfrm>
+            <a:prstGeom prst="roundRect">
+              <a:avLst/>
+            </a:prstGeom>
+            <a:ln/>
+          </p:spPr>
+          <p:style>
+            <a:lnRef idx="2">
+              <a:schemeClr val="dk1"/>
+            </a:lnRef>
+            <a:fillRef idx="1">
+              <a:schemeClr val="lt1"/>
+            </a:fillRef>
+            <a:effectRef idx="0">
+              <a:schemeClr val="dk1"/>
+            </a:effectRef>
+            <a:fontRef idx="minor">
+              <a:schemeClr val="dk1"/>
+            </a:fontRef>
+          </p:style>
+          <p:txBody>
+            <a:bodyPr rtlCol="0" anchor="ctr"/>
+            <a:lstStyle/>
+            <a:p>
+              <a:pPr algn="ctr"/>
+              <a:r>
+                <a:rPr lang="en-US" sz="1500" b="1" dirty="0"/>
+                <a:t>Neural Network</a:t>
+              </a:r>
+            </a:p>
+            <a:p>
+              <a:pPr algn="ctr"/>
+              <a:endParaRPr lang="en-US" sz="1500" b="1" dirty="0"/>
+            </a:p>
+            <a:p>
+              <a:pPr algn="ctr"/>
+              <a:endParaRPr lang="en-US" sz="1500" b="1" dirty="0"/>
+            </a:p>
+            <a:p>
+              <a:pPr algn="ctr"/>
+              <a:endParaRPr lang="en-US" sz="1500" b="1" dirty="0"/>
+            </a:p>
+            <a:p>
+              <a:pPr algn="ctr"/>
+              <a:endParaRPr lang="en-US" sz="1500" b="1" dirty="0"/>
+            </a:p>
+            <a:p>
+              <a:pPr algn="ctr"/>
+              <a:endParaRPr lang="en-US" sz="1500" b="1" dirty="0"/>
+            </a:p>
+          </p:txBody>
+        </p:sp>
+        <p:sp>
+          <p:nvSpPr>
+            <p:cNvPr id="12" name="Oval 11">
+              <a:extLst>
+                <a:ext uri="{FF2B5EF4-FFF2-40B4-BE49-F238E27FC236}">
+                  <a16:creationId xmlns:a16="http://schemas.microsoft.com/office/drawing/2014/main" id="{AF8E079E-857F-2421-777E-4154AD5BC770}"/>
+                </a:ext>
+              </a:extLst>
+            </p:cNvPr>
+            <p:cNvSpPr/>
+            <p:nvPr/>
+          </p:nvSpPr>
+          <p:spPr>
+            <a:xfrm>
+              <a:off x="553576" y="4547102"/>
+              <a:ext cx="259595" cy="281642"/>
+            </a:xfrm>
+            <a:prstGeom prst="ellipse">
+              <a:avLst/>
+            </a:prstGeom>
+          </p:spPr>
+          <p:style>
+            <a:lnRef idx="2">
+              <a:schemeClr val="accent1">
+                <a:shade val="15000"/>
+              </a:schemeClr>
+            </a:lnRef>
+            <a:fillRef idx="1">
+              <a:schemeClr val="accent1"/>
+            </a:fillRef>
+            <a:effectRef idx="0">
+              <a:schemeClr val="accent1"/>
+            </a:effectRef>
+            <a:fontRef idx="minor">
+              <a:schemeClr val="lt1"/>
+            </a:fontRef>
+          </p:style>
+          <p:txBody>
+            <a:bodyPr rtlCol="0" anchor="ctr"/>
+            <a:lstStyle/>
+            <a:p>
+              <a:pPr algn="ctr"/>
+              <a:endParaRPr lang="en-PH" dirty="0"/>
+            </a:p>
+          </p:txBody>
+        </p:sp>
+        <p:sp>
+          <p:nvSpPr>
+            <p:cNvPr id="13" name="Oval 12">
+              <a:extLst>
+                <a:ext uri="{FF2B5EF4-FFF2-40B4-BE49-F238E27FC236}">
+                  <a16:creationId xmlns:a16="http://schemas.microsoft.com/office/drawing/2014/main" id="{B1602098-2C51-B2EA-A655-C5B216D9C9E5}"/>
+                </a:ext>
+              </a:extLst>
+            </p:cNvPr>
+            <p:cNvSpPr/>
+            <p:nvPr/>
+          </p:nvSpPr>
+          <p:spPr>
+            <a:xfrm>
+              <a:off x="923304" y="4546431"/>
+              <a:ext cx="259595" cy="281642"/>
+            </a:xfrm>
+            <a:prstGeom prst="ellipse">
+              <a:avLst/>
+            </a:prstGeom>
+          </p:spPr>
+          <p:style>
+            <a:lnRef idx="2">
+              <a:schemeClr val="accent1">
+                <a:shade val="15000"/>
+              </a:schemeClr>
+            </a:lnRef>
+            <a:fillRef idx="1">
+              <a:schemeClr val="accent1"/>
+            </a:fillRef>
+            <a:effectRef idx="0">
+              <a:schemeClr val="accent1"/>
+            </a:effectRef>
+            <a:fontRef idx="minor">
+              <a:schemeClr val="lt1"/>
+            </a:fontRef>
+          </p:style>
+          <p:txBody>
+            <a:bodyPr rtlCol="0" anchor="ctr"/>
+            <a:lstStyle/>
+            <a:p>
+              <a:pPr algn="ctr"/>
+              <a:endParaRPr lang="en-PH" dirty="0"/>
+            </a:p>
+          </p:txBody>
+        </p:sp>
+        <p:sp>
+          <p:nvSpPr>
+            <p:cNvPr id="14" name="Oval 13">
+              <a:extLst>
+                <a:ext uri="{FF2B5EF4-FFF2-40B4-BE49-F238E27FC236}">
+                  <a16:creationId xmlns:a16="http://schemas.microsoft.com/office/drawing/2014/main" id="{ED0BC5C5-71C0-464F-B95E-C9BD501E2147}"/>
+                </a:ext>
+              </a:extLst>
+            </p:cNvPr>
+            <p:cNvSpPr/>
+            <p:nvPr/>
+          </p:nvSpPr>
+          <p:spPr>
+            <a:xfrm>
+              <a:off x="1293032" y="4546431"/>
+              <a:ext cx="259595" cy="281642"/>
+            </a:xfrm>
+            <a:prstGeom prst="ellipse">
+              <a:avLst/>
+            </a:prstGeom>
+          </p:spPr>
+          <p:style>
+            <a:lnRef idx="2">
+              <a:schemeClr val="accent1">
+                <a:shade val="15000"/>
+              </a:schemeClr>
+            </a:lnRef>
+            <a:fillRef idx="1">
+              <a:schemeClr val="accent1"/>
+            </a:fillRef>
+            <a:effectRef idx="0">
+              <a:schemeClr val="accent1"/>
+            </a:effectRef>
+            <a:fontRef idx="minor">
+              <a:schemeClr val="lt1"/>
+            </a:fontRef>
+          </p:style>
+          <p:txBody>
+            <a:bodyPr rtlCol="0" anchor="ctr"/>
+            <a:lstStyle/>
+            <a:p>
+              <a:pPr algn="ctr"/>
+              <a:endParaRPr lang="en-PH" dirty="0"/>
+            </a:p>
+          </p:txBody>
+        </p:sp>
+        <p:sp>
+          <p:nvSpPr>
+            <p:cNvPr id="15" name="Oval 14">
+              <a:extLst>
+                <a:ext uri="{FF2B5EF4-FFF2-40B4-BE49-F238E27FC236}">
+                  <a16:creationId xmlns:a16="http://schemas.microsoft.com/office/drawing/2014/main" id="{9CD85E42-16AF-7559-8E30-CDFEE5628C5B}"/>
+                </a:ext>
+              </a:extLst>
+            </p:cNvPr>
+            <p:cNvSpPr/>
+            <p:nvPr/>
+          </p:nvSpPr>
+          <p:spPr>
+            <a:xfrm>
+              <a:off x="553576" y="5260861"/>
+              <a:ext cx="259595" cy="281642"/>
+            </a:xfrm>
+            <a:prstGeom prst="ellipse">
+              <a:avLst/>
+            </a:prstGeom>
+          </p:spPr>
+          <p:style>
+            <a:lnRef idx="2">
+              <a:schemeClr val="accent1">
+                <a:shade val="15000"/>
+              </a:schemeClr>
+            </a:lnRef>
+            <a:fillRef idx="1">
+              <a:schemeClr val="accent1"/>
+            </a:fillRef>
+            <a:effectRef idx="0">
+              <a:schemeClr val="accent1"/>
+            </a:effectRef>
+            <a:fontRef idx="minor">
+              <a:schemeClr val="lt1"/>
+            </a:fontRef>
+          </p:style>
+          <p:txBody>
+            <a:bodyPr rtlCol="0" anchor="ctr"/>
+            <a:lstStyle/>
+            <a:p>
+              <a:pPr algn="ctr"/>
+              <a:endParaRPr lang="en-PH" dirty="0"/>
+            </a:p>
+          </p:txBody>
+        </p:sp>
+        <p:sp>
+          <p:nvSpPr>
+            <p:cNvPr id="16" name="Oval 15">
+              <a:extLst>
+                <a:ext uri="{FF2B5EF4-FFF2-40B4-BE49-F238E27FC236}">
+                  <a16:creationId xmlns:a16="http://schemas.microsoft.com/office/drawing/2014/main" id="{29B843AF-209A-F62A-E263-68636C53381D}"/>
+                </a:ext>
+              </a:extLst>
+            </p:cNvPr>
+            <p:cNvSpPr/>
+            <p:nvPr/>
+          </p:nvSpPr>
+          <p:spPr>
+            <a:xfrm>
+              <a:off x="923304" y="5260861"/>
+              <a:ext cx="259595" cy="281642"/>
+            </a:xfrm>
+            <a:prstGeom prst="ellipse">
+              <a:avLst/>
+            </a:prstGeom>
+          </p:spPr>
+          <p:style>
+            <a:lnRef idx="2">
+              <a:schemeClr val="accent1">
+                <a:shade val="15000"/>
+              </a:schemeClr>
+            </a:lnRef>
+            <a:fillRef idx="1">
+              <a:schemeClr val="accent1"/>
+            </a:fillRef>
+            <a:effectRef idx="0">
+              <a:schemeClr val="accent1"/>
+            </a:effectRef>
+            <a:fontRef idx="minor">
+              <a:schemeClr val="lt1"/>
+            </a:fontRef>
+          </p:style>
+          <p:txBody>
+            <a:bodyPr rtlCol="0" anchor="ctr"/>
+            <a:lstStyle/>
+            <a:p>
+              <a:pPr algn="ctr"/>
+              <a:endParaRPr lang="en-PH" dirty="0"/>
+            </a:p>
+          </p:txBody>
+        </p:sp>
+        <p:sp>
+          <p:nvSpPr>
+            <p:cNvPr id="17" name="Oval 16">
+              <a:extLst>
+                <a:ext uri="{FF2B5EF4-FFF2-40B4-BE49-F238E27FC236}">
+                  <a16:creationId xmlns:a16="http://schemas.microsoft.com/office/drawing/2014/main" id="{4F547FBF-A41F-8C70-F0EB-4E9E072038F0}"/>
+                </a:ext>
+              </a:extLst>
+            </p:cNvPr>
+            <p:cNvSpPr/>
+            <p:nvPr/>
+          </p:nvSpPr>
+          <p:spPr>
+            <a:xfrm>
+              <a:off x="1293032" y="5276033"/>
+              <a:ext cx="259595" cy="281642"/>
+            </a:xfrm>
+            <a:prstGeom prst="ellipse">
+              <a:avLst/>
+            </a:prstGeom>
+          </p:spPr>
+          <p:style>
+            <a:lnRef idx="2">
+              <a:schemeClr val="accent1">
+                <a:shade val="15000"/>
+              </a:schemeClr>
+            </a:lnRef>
+            <a:fillRef idx="1">
+              <a:schemeClr val="accent1"/>
+            </a:fillRef>
+            <a:effectRef idx="0">
+              <a:schemeClr val="accent1"/>
+            </a:effectRef>
+            <a:fontRef idx="minor">
+              <a:schemeClr val="lt1"/>
+            </a:fontRef>
+          </p:style>
+          <p:txBody>
+            <a:bodyPr rtlCol="0" anchor="ctr"/>
+            <a:lstStyle/>
+            <a:p>
+              <a:pPr algn="ctr"/>
+              <a:endParaRPr lang="en-PH" dirty="0"/>
+            </a:p>
+          </p:txBody>
+        </p:sp>
+        <p:cxnSp>
+          <p:nvCxnSpPr>
+            <p:cNvPr id="18" name="Straight Connector 17">
+              <a:extLst>
+                <a:ext uri="{FF2B5EF4-FFF2-40B4-BE49-F238E27FC236}">
+                  <a16:creationId xmlns:a16="http://schemas.microsoft.com/office/drawing/2014/main" id="{D6CDD7F1-80E2-DC19-CD4F-45551A9907BD}"/>
+                </a:ext>
+              </a:extLst>
+            </p:cNvPr>
+            <p:cNvCxnSpPr>
+              <a:cxnSpLocks/>
+              <a:stCxn id="12" idx="4"/>
+              <a:endCxn id="15" idx="0"/>
+            </p:cNvCxnSpPr>
+            <p:nvPr/>
+          </p:nvCxnSpPr>
+          <p:spPr>
+            <a:xfrm>
+              <a:off x="683374" y="4828744"/>
+              <a:ext cx="0" cy="432117"/>
+            </a:xfrm>
+            <a:prstGeom prst="line">
+              <a:avLst/>
+            </a:prstGeom>
+          </p:spPr>
+          <p:style>
+            <a:lnRef idx="3">
+              <a:schemeClr val="dk1"/>
+            </a:lnRef>
+            <a:fillRef idx="0">
+              <a:schemeClr val="dk1"/>
+            </a:fillRef>
+            <a:effectRef idx="2">
+              <a:schemeClr val="dk1"/>
+            </a:effectRef>
+            <a:fontRef idx="minor">
+              <a:schemeClr val="tx1"/>
+            </a:fontRef>
+          </p:style>
+        </p:cxnSp>
+        <p:cxnSp>
+          <p:nvCxnSpPr>
+            <p:cNvPr id="19" name="Straight Connector 18">
+              <a:extLst>
+                <a:ext uri="{FF2B5EF4-FFF2-40B4-BE49-F238E27FC236}">
+                  <a16:creationId xmlns:a16="http://schemas.microsoft.com/office/drawing/2014/main" id="{730D085A-B69E-CE4E-19BB-BB5EFB20FA83}"/>
+                </a:ext>
+              </a:extLst>
+            </p:cNvPr>
+            <p:cNvCxnSpPr>
+              <a:cxnSpLocks/>
+              <a:stCxn id="12" idx="5"/>
+              <a:endCxn id="16" idx="0"/>
+            </p:cNvCxnSpPr>
+            <p:nvPr/>
+          </p:nvCxnSpPr>
+          <p:spPr>
+            <a:xfrm>
+              <a:off x="775154" y="4787498"/>
+              <a:ext cx="277948" cy="473363"/>
+            </a:xfrm>
+            <a:prstGeom prst="line">
+              <a:avLst/>
+            </a:prstGeom>
+          </p:spPr>
+          <p:style>
+            <a:lnRef idx="3">
+              <a:schemeClr val="dk1"/>
+            </a:lnRef>
+            <a:fillRef idx="0">
+              <a:schemeClr val="dk1"/>
+            </a:fillRef>
+            <a:effectRef idx="2">
+              <a:schemeClr val="dk1"/>
+            </a:effectRef>
+            <a:fontRef idx="minor">
+              <a:schemeClr val="tx1"/>
+            </a:fontRef>
+          </p:style>
+        </p:cxnSp>
+        <p:cxnSp>
+          <p:nvCxnSpPr>
+            <p:cNvPr id="20" name="Straight Connector 19">
+              <a:extLst>
+                <a:ext uri="{FF2B5EF4-FFF2-40B4-BE49-F238E27FC236}">
+                  <a16:creationId xmlns:a16="http://schemas.microsoft.com/office/drawing/2014/main" id="{3E35C0BF-9161-3FDE-6EAC-EC88E5236031}"/>
+                </a:ext>
+              </a:extLst>
+            </p:cNvPr>
+            <p:cNvCxnSpPr>
+              <a:cxnSpLocks/>
+              <a:stCxn id="12" idx="6"/>
+              <a:endCxn id="17" idx="2"/>
+            </p:cNvCxnSpPr>
+            <p:nvPr/>
+          </p:nvCxnSpPr>
+          <p:spPr>
+            <a:xfrm>
+              <a:off x="813171" y="4687923"/>
+              <a:ext cx="479861" cy="728931"/>
+            </a:xfrm>
+            <a:prstGeom prst="line">
+              <a:avLst/>
+            </a:prstGeom>
+          </p:spPr>
+          <p:style>
+            <a:lnRef idx="3">
+              <a:schemeClr val="dk1"/>
+            </a:lnRef>
+            <a:fillRef idx="0">
+              <a:schemeClr val="dk1"/>
+            </a:fillRef>
+            <a:effectRef idx="2">
+              <a:schemeClr val="dk1"/>
+            </a:effectRef>
+            <a:fontRef idx="minor">
+              <a:schemeClr val="tx1"/>
+            </a:fontRef>
+          </p:style>
+        </p:cxnSp>
+        <p:cxnSp>
+          <p:nvCxnSpPr>
+            <p:cNvPr id="21" name="Straight Connector 20">
+              <a:extLst>
+                <a:ext uri="{FF2B5EF4-FFF2-40B4-BE49-F238E27FC236}">
+                  <a16:creationId xmlns:a16="http://schemas.microsoft.com/office/drawing/2014/main" id="{8A6AC420-43A7-7192-EBB7-4CDFF12E39E9}"/>
+                </a:ext>
+              </a:extLst>
+            </p:cNvPr>
+            <p:cNvCxnSpPr>
+              <a:cxnSpLocks/>
+              <a:stCxn id="13" idx="5"/>
+              <a:endCxn id="17" idx="1"/>
+            </p:cNvCxnSpPr>
+            <p:nvPr/>
+          </p:nvCxnSpPr>
+          <p:spPr>
+            <a:xfrm>
+              <a:off x="1144882" y="4786827"/>
+              <a:ext cx="186167" cy="530452"/>
+            </a:xfrm>
+            <a:prstGeom prst="line">
+              <a:avLst/>
+            </a:prstGeom>
+          </p:spPr>
+          <p:style>
+            <a:lnRef idx="3">
+              <a:schemeClr val="dk1"/>
+            </a:lnRef>
+            <a:fillRef idx="0">
+              <a:schemeClr val="dk1"/>
+            </a:fillRef>
+            <a:effectRef idx="2">
+              <a:schemeClr val="dk1"/>
+            </a:effectRef>
+            <a:fontRef idx="minor">
+              <a:schemeClr val="tx1"/>
+            </a:fontRef>
+          </p:style>
+        </p:cxnSp>
+        <p:cxnSp>
+          <p:nvCxnSpPr>
+            <p:cNvPr id="22" name="Straight Connector 21">
+              <a:extLst>
+                <a:ext uri="{FF2B5EF4-FFF2-40B4-BE49-F238E27FC236}">
+                  <a16:creationId xmlns:a16="http://schemas.microsoft.com/office/drawing/2014/main" id="{09AB02A9-5E5C-DEAD-4A00-6AFD5A4626D3}"/>
+                </a:ext>
+              </a:extLst>
+            </p:cNvPr>
+            <p:cNvCxnSpPr>
+              <a:cxnSpLocks/>
+              <a:stCxn id="14" idx="4"/>
+              <a:endCxn id="17" idx="0"/>
+            </p:cNvCxnSpPr>
+            <p:nvPr/>
+          </p:nvCxnSpPr>
+          <p:spPr>
+            <a:xfrm>
+              <a:off x="1422830" y="4828073"/>
+              <a:ext cx="0" cy="447960"/>
+            </a:xfrm>
+            <a:prstGeom prst="line">
+              <a:avLst/>
+            </a:prstGeom>
+          </p:spPr>
+          <p:style>
+            <a:lnRef idx="3">
+              <a:schemeClr val="dk1"/>
+            </a:lnRef>
+            <a:fillRef idx="0">
+              <a:schemeClr val="dk1"/>
+            </a:fillRef>
+            <a:effectRef idx="2">
+              <a:schemeClr val="dk1"/>
+            </a:effectRef>
+            <a:fontRef idx="minor">
+              <a:schemeClr val="tx1"/>
+            </a:fontRef>
+          </p:style>
+        </p:cxnSp>
+        <p:cxnSp>
+          <p:nvCxnSpPr>
+            <p:cNvPr id="23" name="Straight Connector 22">
+              <a:extLst>
+                <a:ext uri="{FF2B5EF4-FFF2-40B4-BE49-F238E27FC236}">
+                  <a16:creationId xmlns:a16="http://schemas.microsoft.com/office/drawing/2014/main" id="{ABA652BD-14E5-0CAD-E2B4-CCA8AE6796CA}"/>
+                </a:ext>
+              </a:extLst>
+            </p:cNvPr>
+            <p:cNvCxnSpPr>
+              <a:cxnSpLocks/>
+              <a:stCxn id="14" idx="3"/>
+              <a:endCxn id="16" idx="7"/>
+            </p:cNvCxnSpPr>
+            <p:nvPr/>
+          </p:nvCxnSpPr>
+          <p:spPr>
+            <a:xfrm flipH="1">
+              <a:off x="1144882" y="4786827"/>
+              <a:ext cx="186167" cy="515280"/>
+            </a:xfrm>
+            <a:prstGeom prst="line">
+              <a:avLst/>
+            </a:prstGeom>
+          </p:spPr>
+          <p:style>
+            <a:lnRef idx="3">
+              <a:schemeClr val="dk1"/>
+            </a:lnRef>
+            <a:fillRef idx="0">
+              <a:schemeClr val="dk1"/>
+            </a:fillRef>
+            <a:effectRef idx="2">
+              <a:schemeClr val="dk1"/>
+            </a:effectRef>
+            <a:fontRef idx="minor">
+              <a:schemeClr val="tx1"/>
+            </a:fontRef>
+          </p:style>
+        </p:cxnSp>
+        <p:cxnSp>
+          <p:nvCxnSpPr>
+            <p:cNvPr id="24" name="Straight Connector 23">
+              <a:extLst>
+                <a:ext uri="{FF2B5EF4-FFF2-40B4-BE49-F238E27FC236}">
+                  <a16:creationId xmlns:a16="http://schemas.microsoft.com/office/drawing/2014/main" id="{767853A1-6F96-F095-22A6-E31C34D933B1}"/>
+                </a:ext>
+              </a:extLst>
+            </p:cNvPr>
+            <p:cNvCxnSpPr>
+              <a:cxnSpLocks/>
+              <a:stCxn id="13" idx="3"/>
+              <a:endCxn id="15" idx="7"/>
+            </p:cNvCxnSpPr>
+            <p:nvPr/>
+          </p:nvCxnSpPr>
+          <p:spPr>
+            <a:xfrm flipH="1">
+              <a:off x="775154" y="4786827"/>
+              <a:ext cx="186167" cy="515280"/>
+            </a:xfrm>
+            <a:prstGeom prst="line">
+              <a:avLst/>
+            </a:prstGeom>
+          </p:spPr>
+          <p:style>
+            <a:lnRef idx="3">
+              <a:schemeClr val="dk1"/>
+            </a:lnRef>
+            <a:fillRef idx="0">
+              <a:schemeClr val="dk1"/>
+            </a:fillRef>
+            <a:effectRef idx="2">
+              <a:schemeClr val="dk1"/>
+            </a:effectRef>
+            <a:fontRef idx="minor">
+              <a:schemeClr val="tx1"/>
+            </a:fontRef>
+          </p:style>
+        </p:cxnSp>
+        <p:cxnSp>
+          <p:nvCxnSpPr>
+            <p:cNvPr id="25" name="Straight Connector 24">
+              <a:extLst>
+                <a:ext uri="{FF2B5EF4-FFF2-40B4-BE49-F238E27FC236}">
+                  <a16:creationId xmlns:a16="http://schemas.microsoft.com/office/drawing/2014/main" id="{C4708965-432C-455E-A616-647E746BE91B}"/>
+                </a:ext>
+              </a:extLst>
+            </p:cNvPr>
+            <p:cNvCxnSpPr>
+              <a:cxnSpLocks/>
+              <a:stCxn id="14" idx="2"/>
+              <a:endCxn id="15" idx="6"/>
+            </p:cNvCxnSpPr>
+            <p:nvPr/>
+          </p:nvCxnSpPr>
+          <p:spPr>
+            <a:xfrm flipH="1">
+              <a:off x="813171" y="4687252"/>
+              <a:ext cx="479861" cy="714430"/>
+            </a:xfrm>
+            <a:prstGeom prst="line">
+              <a:avLst/>
+            </a:prstGeom>
+          </p:spPr>
+          <p:style>
+            <a:lnRef idx="3">
+              <a:schemeClr val="dk1"/>
+            </a:lnRef>
+            <a:fillRef idx="0">
+              <a:schemeClr val="dk1"/>
+            </a:fillRef>
+            <a:effectRef idx="2">
+              <a:schemeClr val="dk1"/>
+            </a:effectRef>
+            <a:fontRef idx="minor">
+              <a:schemeClr val="tx1"/>
+            </a:fontRef>
+          </p:style>
+        </p:cxnSp>
+        <p:cxnSp>
+          <p:nvCxnSpPr>
+            <p:cNvPr id="26" name="Straight Connector 25">
+              <a:extLst>
+                <a:ext uri="{FF2B5EF4-FFF2-40B4-BE49-F238E27FC236}">
+                  <a16:creationId xmlns:a16="http://schemas.microsoft.com/office/drawing/2014/main" id="{0CEA4F3E-B484-802F-60CD-3628C2ABDC53}"/>
+                </a:ext>
+              </a:extLst>
+            </p:cNvPr>
+            <p:cNvCxnSpPr>
+              <a:cxnSpLocks/>
+              <a:stCxn id="13" idx="4"/>
+              <a:endCxn id="16" idx="0"/>
+            </p:cNvCxnSpPr>
+            <p:nvPr/>
+          </p:nvCxnSpPr>
+          <p:spPr>
+            <a:xfrm>
+              <a:off x="1053102" y="4828073"/>
+              <a:ext cx="0" cy="432788"/>
+            </a:xfrm>
+            <a:prstGeom prst="line">
+              <a:avLst/>
+            </a:prstGeom>
+          </p:spPr>
+          <p:style>
+            <a:lnRef idx="3">
+              <a:schemeClr val="dk1"/>
+            </a:lnRef>
+            <a:fillRef idx="0">
+              <a:schemeClr val="dk1"/>
+            </a:fillRef>
+            <a:effectRef idx="2">
+              <a:schemeClr val="dk1"/>
+            </a:effectRef>
+            <a:fontRef idx="minor">
+              <a:schemeClr val="tx1"/>
+            </a:fontRef>
+          </p:style>
+        </p:cxnSp>
+      </p:grpSp>
+      <p:sp>
+        <p:nvSpPr>
+          <p:cNvPr id="27" name="Arrow: Curved Right 26">
+            <a:extLst>
+              <a:ext uri="{FF2B5EF4-FFF2-40B4-BE49-F238E27FC236}">
+                <a16:creationId xmlns:a16="http://schemas.microsoft.com/office/drawing/2014/main" id="{72113059-2BED-8B98-8EB1-E3060D4E2727}"/>
+              </a:ext>
+            </a:extLst>
+          </p:cNvPr>
+          <p:cNvSpPr/>
+          <p:nvPr/>
+        </p:nvSpPr>
+        <p:spPr>
+          <a:xfrm>
+            <a:off x="1896148" y="1918765"/>
+            <a:ext cx="731520" cy="1216152"/>
+          </a:xfrm>
+          <a:prstGeom prst="curvedRightArrow">
+            <a:avLst/>
+          </a:prstGeom>
+        </p:spPr>
+        <p:style>
+          <a:lnRef idx="2">
+            <a:schemeClr val="accent1">
+              <a:shade val="15000"/>
+            </a:schemeClr>
+          </a:lnRef>
+          <a:fillRef idx="1">
+            <a:schemeClr val="accent1"/>
+          </a:fillRef>
+          <a:effectRef idx="0">
+            <a:schemeClr val="accent1"/>
+          </a:effectRef>
+          <a:fontRef idx="minor">
+            <a:schemeClr val="lt1"/>
+          </a:fontRef>
+        </p:style>
+        <p:txBody>
+          <a:bodyPr rtlCol="0" anchor="ctr"/>
+          <a:lstStyle/>
+          <a:p>
+            <a:pPr algn="ctr"/>
+            <a:endParaRPr lang="en-PH">
+              <a:solidFill>
+                <a:schemeClr val="tx1"/>
+              </a:solidFill>
+            </a:endParaRPr>
+          </a:p>
+        </p:txBody>
+      </p:sp>
+      <p:sp>
+        <p:nvSpPr>
+          <p:cNvPr id="28" name="Arrow: Curved Right 27">
+            <a:extLst>
+              <a:ext uri="{FF2B5EF4-FFF2-40B4-BE49-F238E27FC236}">
+                <a16:creationId xmlns:a16="http://schemas.microsoft.com/office/drawing/2014/main" id="{0FC59921-2298-8C5B-6625-2B63715C0223}"/>
+              </a:ext>
+            </a:extLst>
+          </p:cNvPr>
+          <p:cNvSpPr/>
+          <p:nvPr/>
+        </p:nvSpPr>
+        <p:spPr>
+          <a:xfrm rot="10800000">
+            <a:off x="4599739" y="1820290"/>
+            <a:ext cx="731520" cy="1216152"/>
+          </a:xfrm>
+          <a:prstGeom prst="curvedRightArrow">
+            <a:avLst/>
+          </a:prstGeom>
+        </p:spPr>
+        <p:style>
+          <a:lnRef idx="2">
+            <a:schemeClr val="accent1">
+              <a:shade val="15000"/>
+            </a:schemeClr>
+          </a:lnRef>
+          <a:fillRef idx="1">
+            <a:schemeClr val="accent1"/>
+          </a:fillRef>
+          <a:effectRef idx="0">
+            <a:schemeClr val="accent1"/>
+          </a:effectRef>
+          <a:fontRef idx="minor">
+            <a:schemeClr val="lt1"/>
+          </a:fontRef>
+        </p:style>
+        <p:txBody>
+          <a:bodyPr rtlCol="0" anchor="ctr"/>
+          <a:lstStyle/>
+          <a:p>
+            <a:pPr algn="ctr"/>
+            <a:endParaRPr lang="en-PH">
+              <a:solidFill>
+                <a:schemeClr val="tx1"/>
+              </a:solidFill>
+            </a:endParaRPr>
+          </a:p>
+        </p:txBody>
+      </p:sp>
+      <p:sp>
+        <p:nvSpPr>
+          <p:cNvPr id="29" name="Arrow: Curved Right 28">
+            <a:extLst>
+              <a:ext uri="{FF2B5EF4-FFF2-40B4-BE49-F238E27FC236}">
+                <a16:creationId xmlns:a16="http://schemas.microsoft.com/office/drawing/2014/main" id="{34EBA7D5-6A44-828E-6717-F0682ADD81C8}"/>
+              </a:ext>
+            </a:extLst>
+          </p:cNvPr>
+          <p:cNvSpPr/>
+          <p:nvPr/>
+        </p:nvSpPr>
+        <p:spPr>
+          <a:xfrm>
+            <a:off x="6645997" y="1945939"/>
+            <a:ext cx="731520" cy="1216152"/>
+          </a:xfrm>
+          <a:prstGeom prst="curvedRightArrow">
+            <a:avLst/>
+          </a:prstGeom>
+        </p:spPr>
+        <p:style>
+          <a:lnRef idx="2">
+            <a:schemeClr val="accent1">
+              <a:shade val="15000"/>
+            </a:schemeClr>
+          </a:lnRef>
+          <a:fillRef idx="1">
+            <a:schemeClr val="accent1"/>
+          </a:fillRef>
+          <a:effectRef idx="0">
+            <a:schemeClr val="accent1"/>
+          </a:effectRef>
+          <a:fontRef idx="minor">
+            <a:schemeClr val="lt1"/>
+          </a:fontRef>
+        </p:style>
+        <p:txBody>
+          <a:bodyPr rtlCol="0" anchor="ctr"/>
+          <a:lstStyle/>
+          <a:p>
+            <a:pPr algn="ctr"/>
+            <a:endParaRPr lang="en-PH">
+              <a:solidFill>
+                <a:schemeClr val="tx1"/>
+              </a:solidFill>
+            </a:endParaRPr>
+          </a:p>
+        </p:txBody>
+      </p:sp>
+      <p:sp>
+        <p:nvSpPr>
+          <p:cNvPr id="30" name="Arrow: Curved Right 29">
+            <a:extLst>
+              <a:ext uri="{FF2B5EF4-FFF2-40B4-BE49-F238E27FC236}">
+                <a16:creationId xmlns:a16="http://schemas.microsoft.com/office/drawing/2014/main" id="{BD1E37EB-25E4-465B-D82D-5D8BFCF24E26}"/>
+              </a:ext>
+            </a:extLst>
+          </p:cNvPr>
+          <p:cNvSpPr/>
+          <p:nvPr/>
+        </p:nvSpPr>
+        <p:spPr>
+          <a:xfrm rot="10800000">
+            <a:off x="10291150" y="1918765"/>
+            <a:ext cx="731520" cy="1216152"/>
+          </a:xfrm>
+          <a:prstGeom prst="curvedRightArrow">
+            <a:avLst/>
+          </a:prstGeom>
+        </p:spPr>
+        <p:style>
+          <a:lnRef idx="2">
+            <a:schemeClr val="accent1">
+              <a:shade val="15000"/>
+            </a:schemeClr>
+          </a:lnRef>
+          <a:fillRef idx="1">
+            <a:schemeClr val="accent1"/>
+          </a:fillRef>
+          <a:effectRef idx="0">
+            <a:schemeClr val="accent1"/>
+          </a:effectRef>
+          <a:fontRef idx="minor">
+            <a:schemeClr val="lt1"/>
+          </a:fontRef>
+        </p:style>
+        <p:txBody>
+          <a:bodyPr rtlCol="0" anchor="ctr"/>
+          <a:lstStyle/>
+          <a:p>
+            <a:pPr algn="ctr"/>
+            <a:endParaRPr lang="en-PH">
+              <a:solidFill>
+                <a:schemeClr val="tx1"/>
+              </a:solidFill>
+            </a:endParaRPr>
+          </a:p>
+        </p:txBody>
+      </p:sp>
+      <p:pic>
+        <p:nvPicPr>
+          <p:cNvPr id="31" name="Picture 30">
+            <a:extLst>
+              <a:ext uri="{FF2B5EF4-FFF2-40B4-BE49-F238E27FC236}">
+                <a16:creationId xmlns:a16="http://schemas.microsoft.com/office/drawing/2014/main" id="{A443CB32-A4C6-AC7A-67CF-AF81C23B679D}"/>
+              </a:ext>
+            </a:extLst>
+          </p:cNvPr>
+          <p:cNvPicPr>
+            <a:picLocks noChangeAspect="1"/>
+          </p:cNvPicPr>
+          <p:nvPr/>
+        </p:nvPicPr>
+        <p:blipFill>
+          <a:blip r:embed="rId5">
+            <a:extLst>
+              <a:ext uri="{28A0092B-C50C-407E-A947-70E740481C1C}">
+                <a14:useLocalDpi xmlns:a14="http://schemas.microsoft.com/office/drawing/2010/main" val="0"/>
+              </a:ext>
+            </a:extLst>
+          </a:blip>
+          <a:stretch>
+            <a:fillRect/>
+          </a:stretch>
+        </p:blipFill>
+        <p:spPr>
+          <a:xfrm>
+            <a:off x="3386035" y="3457101"/>
+            <a:ext cx="1055722" cy="492523"/>
           </a:xfrm>
           <a:prstGeom prst="rect">
             <a:avLst/>
           </a:prstGeom>
         </p:spPr>
+      </p:pic>
+      <p:pic>
+        <p:nvPicPr>
+          <p:cNvPr id="32" name="Picture 31">
+            <a:extLst>
+              <a:ext uri="{FF2B5EF4-FFF2-40B4-BE49-F238E27FC236}">
+                <a16:creationId xmlns:a16="http://schemas.microsoft.com/office/drawing/2014/main" id="{0A9446BC-8901-4C78-886E-3B9B7955D78A}"/>
+              </a:ext>
+            </a:extLst>
+          </p:cNvPr>
+          <p:cNvPicPr>
+            <a:picLocks noChangeAspect="1"/>
+          </p:cNvPicPr>
+          <p:nvPr/>
+        </p:nvPicPr>
+        <p:blipFill>
+          <a:blip r:embed="rId5">
+            <a:extLst>
+              <a:ext uri="{28A0092B-C50C-407E-A947-70E740481C1C}">
+                <a14:useLocalDpi xmlns:a14="http://schemas.microsoft.com/office/drawing/2010/main" val="0"/>
+              </a:ext>
+            </a:extLst>
+          </a:blip>
+          <a:stretch>
+            <a:fillRect/>
+          </a:stretch>
+        </p:blipFill>
+        <p:spPr>
+          <a:xfrm>
+            <a:off x="8586328" y="3426148"/>
+            <a:ext cx="1055722" cy="492523"/>
+          </a:xfrm>
+          <a:prstGeom prst="rect">
+            <a:avLst/>
+          </a:prstGeom>
+        </p:spPr>
+      </p:pic>
+    </p:spTree>
+    <p:extLst>
+      <p:ext uri="{BB962C8B-B14F-4D97-AF65-F5344CB8AC3E}">
+        <p14:creationId xmlns:p14="http://schemas.microsoft.com/office/powerpoint/2010/main" val="3603914242"/>
+      </p:ext>
+    </p:extLst>
+  </p:cSld>
+  <p:clrMapOvr>
+    <a:masterClrMapping/>
+  </p:clrMapOvr>
+</p:sld>
+</file>
+
+<file path=ppt/slides/slide24.xml><?xml version="1.0" encoding="utf-8"?>
+<p:sld xmlns:a="http://schemas.openxmlformats.org/drawingml/2006/main" xmlns:r="http://schemas.openxmlformats.org/officeDocument/2006/relationships" xmlns:p="http://schemas.openxmlformats.org/presentationml/2006/main">
+  <p:cSld>
+    <p:bg>
+      <p:bgPr>
+        <a:blipFill dpi="0" rotWithShape="1">
+          <a:blip r:embed="rId3">
+            <a:alphaModFix amt="99000"/>
+            <a:lum/>
+          </a:blip>
+          <a:srcRect/>
+          <a:stretch>
+            <a:fillRect t="89000" r="85000" b="-1000"/>
+          </a:stretch>
+        </a:blipFill>
+        <a:effectLst/>
+      </p:bgPr>
+    </p:bg>
+    <p:spTree>
+      <p:nvGrpSpPr>
+        <p:cNvPr id="1" name=""/>
+        <p:cNvGrpSpPr/>
+        <p:nvPr/>
+      </p:nvGrpSpPr>
+      <p:grpSpPr>
+        <a:xfrm>
+          <a:off x="0" y="0"/>
+          <a:ext cx="0" cy="0"/>
+          <a:chOff x="0" y="0"/>
+          <a:chExt cx="0" cy="0"/>
+        </a:xfrm>
+      </p:grpSpPr>
+      <p:sp>
+        <p:nvSpPr>
+          <p:cNvPr id="2" name="Title 1">
+            <a:extLst>
+              <a:ext uri="{FF2B5EF4-FFF2-40B4-BE49-F238E27FC236}">
+                <a16:creationId xmlns:a16="http://schemas.microsoft.com/office/drawing/2014/main" id="{6A3DCE86-C2BA-4713-9E7A-73589E8D6CCF}"/>
+              </a:ext>
+            </a:extLst>
+          </p:cNvPr>
+          <p:cNvSpPr>
+            <a:spLocks noGrp="1"/>
+          </p:cNvSpPr>
+          <p:nvPr>
+            <p:ph type="ctrTitle"/>
+          </p:nvPr>
+        </p:nvSpPr>
+        <p:spPr>
+          <a:xfrm>
+            <a:off x="1524000" y="497150"/>
+            <a:ext cx="9144000" cy="718459"/>
+          </a:xfrm>
+        </p:spPr>
         <p:txBody>
-          <a:bodyPr vert="horz" lIns="91440" tIns="45720" rIns="91440" bIns="45720" rtlCol="0" anchor="b">
-            <a:normAutofit fontScale="82500" lnSpcReduction="20000"/>
+          <a:bodyPr>
+            <a:normAutofit fontScale="90000"/>
           </a:bodyPr>
-          <a:lstStyle>
-            <a:lvl1pPr algn="ctr" defTabSz="914400" rtl="0" eaLnBrk="1" latinLnBrk="0" hangingPunct="1">
-              <a:lnSpc>
-                <a:spcPct val="90000"/>
-              </a:lnSpc>
-              <a:spcBef>
-                <a:spcPct val="0"/>
-              </a:spcBef>
-              <a:buNone/>
-              <a:defRPr sz="6000" kern="1200">
+          <a:lstStyle/>
+          <a:p>
+            <a:r>
+              <a:rPr lang="en-PH" b="1" dirty="0"/>
+              <a:t>Machine Learning Approach </a:t>
+            </a:r>
+          </a:p>
+        </p:txBody>
+      </p:sp>
+      <p:sp>
+        <p:nvSpPr>
+          <p:cNvPr id="4" name="Footer Placeholder 3">
+            <a:extLst>
+              <a:ext uri="{FF2B5EF4-FFF2-40B4-BE49-F238E27FC236}">
+                <a16:creationId xmlns:a16="http://schemas.microsoft.com/office/drawing/2014/main" id="{638E7DE1-45EE-476A-A474-0F3C264AEDA3}"/>
+              </a:ext>
+            </a:extLst>
+          </p:cNvPr>
+          <p:cNvSpPr>
+            <a:spLocks noGrp="1"/>
+          </p:cNvSpPr>
+          <p:nvPr>
+            <p:ph type="ftr" sz="quarter" idx="11"/>
+          </p:nvPr>
+        </p:nvSpPr>
+        <p:spPr>
+          <a:xfrm>
+            <a:off x="0" y="6139541"/>
+            <a:ext cx="12192000" cy="718459"/>
+          </a:xfrm>
+          <a:ln w="28575">
+            <a:solidFill>
+              <a:schemeClr val="accent5">
+                <a:lumMod val="50000"/>
+              </a:schemeClr>
+            </a:solidFill>
+          </a:ln>
+        </p:spPr>
+        <p:txBody>
+          <a:bodyPr/>
+          <a:lstStyle/>
+          <a:p>
+            <a:pPr algn="r"/>
+            <a:r>
+              <a:rPr lang="en-US" b="1" dirty="0">
                 <a:solidFill>
                   <a:schemeClr val="tx1"/>
                 </a:solidFill>
-                <a:latin typeface="+mj-lt"/>
-                <a:ea typeface="+mj-ea"/>
-                <a:cs typeface="+mj-cs"/>
-              </a:defRPr>
-            </a:lvl1pPr>
-          </a:lstStyle>
-          <a:p>
-            <a:pPr algn="l"/>
-            <a:r>
-              <a:rPr lang="en-US" sz="4800" b="1" i="0" dirty="0">
+              </a:rPr>
+              <a:t>CCINSYSL</a:t>
+            </a:r>
+            <a:endParaRPr lang="en-PH" dirty="0"/>
+          </a:p>
+        </p:txBody>
+      </p:sp>
+      <p:sp>
+        <p:nvSpPr>
+          <p:cNvPr id="3" name="TextBox 2">
+            <a:extLst>
+              <a:ext uri="{FF2B5EF4-FFF2-40B4-BE49-F238E27FC236}">
+                <a16:creationId xmlns:a16="http://schemas.microsoft.com/office/drawing/2014/main" id="{740DE635-4923-6FBA-8354-7899A2C66D72}"/>
+              </a:ext>
+            </a:extLst>
+          </p:cNvPr>
+          <p:cNvSpPr txBox="1"/>
+          <p:nvPr/>
+        </p:nvSpPr>
+        <p:spPr>
+          <a:xfrm>
+            <a:off x="1896148" y="3949624"/>
+            <a:ext cx="9144000" cy="1938992"/>
+          </a:xfrm>
+          <a:prstGeom prst="rect">
+            <a:avLst/>
+          </a:prstGeom>
+          <a:noFill/>
+        </p:spPr>
+        <p:txBody>
+          <a:bodyPr wrap="square" rtlCol="0">
+            <a:spAutoFit/>
+          </a:bodyPr>
+          <a:lstStyle/>
+          <a:p>
+            <a:r>
+              <a:rPr lang="en-US" sz="3000" dirty="0"/>
+              <a:t>As we will see, the training process to teach our neural network or machine learning algorithm to </a:t>
+            </a:r>
+            <a:r>
+              <a:rPr lang="en-US" sz="3000" b="1" dirty="0">
                 <a:solidFill>
-                  <a:srgbClr val="252C33"/>
+                  <a:srgbClr val="00B050"/>
                 </a:solidFill>
-                <a:effectLst/>
-                <a:latin typeface="Calibri Light (Headings)"/>
               </a:rPr>
-              <a:t>Outline</a:t>
-            </a:r>
-          </a:p>
-          <a:p>
-            <a:pPr algn="l"/>
-            <a:endParaRPr lang="en-US" sz="2900" dirty="0">
+              <a:t>tune its internal variables</a:t>
+            </a:r>
+            <a:r>
+              <a:rPr lang="en-US" sz="3000" dirty="0">
+                <a:solidFill>
+                  <a:srgbClr val="00B050"/>
+                </a:solidFill>
+              </a:rPr>
+              <a:t> </a:t>
+            </a:r>
+            <a:r>
+              <a:rPr lang="en-US" sz="3000" dirty="0"/>
+              <a:t>is performed for </a:t>
+            </a:r>
+            <a:r>
+              <a:rPr lang="en-US" sz="3000" b="1" dirty="0">
+                <a:solidFill>
+                  <a:srgbClr val="FF0000"/>
+                </a:solidFill>
+              </a:rPr>
+              <a:t>thousand or even millions of iterations </a:t>
+            </a:r>
+            <a:r>
+              <a:rPr lang="en-US" sz="3000" dirty="0"/>
+              <a:t>over the input and output data!</a:t>
+            </a:r>
+            <a:endParaRPr lang="en-PH" sz="3000" b="1" dirty="0">
               <a:solidFill>
-                <a:srgbClr val="252C33"/>
+                <a:srgbClr val="FF0000"/>
               </a:solidFill>
-              <a:latin typeface="Calibri Light (Headings)"/>
             </a:endParaRPr>
           </a:p>
-          <a:p>
-            <a:pPr marL="457200" indent="-457200" algn="l">
-              <a:buFont typeface="Wingdings" pitchFamily="2" charset="2"/>
-              <a:buChar char="Ø"/>
-            </a:pPr>
-            <a:r>
-              <a:rPr lang="en-US" sz="2900" b="1" dirty="0">
-                <a:latin typeface="Calibri Light (Headings)"/>
-              </a:rPr>
-              <a:t>What is Machine Learning</a:t>
-            </a:r>
-            <a:endParaRPr lang="en-US" sz="2900" b="1" i="0" dirty="0">
-              <a:effectLst/>
-              <a:latin typeface="Calibri Light (Headings)"/>
-            </a:endParaRPr>
-          </a:p>
-          <a:p>
-            <a:pPr marL="457200" indent="-457200" algn="l">
-              <a:buFont typeface="Wingdings" pitchFamily="2" charset="2"/>
-              <a:buChar char="Ø"/>
-            </a:pPr>
-            <a:endParaRPr lang="en-US" sz="2900" b="1" i="0" dirty="0">
+        </p:txBody>
+      </p:sp>
+      <p:grpSp>
+        <p:nvGrpSpPr>
+          <p:cNvPr id="5" name="Group 4">
+            <a:extLst>
+              <a:ext uri="{FF2B5EF4-FFF2-40B4-BE49-F238E27FC236}">
+                <a16:creationId xmlns:a16="http://schemas.microsoft.com/office/drawing/2014/main" id="{3013E91D-EF9B-1ED9-CD5C-8C6590BA0E22}"/>
+              </a:ext>
+            </a:extLst>
+          </p:cNvPr>
+          <p:cNvGrpSpPr/>
+          <p:nvPr/>
+        </p:nvGrpSpPr>
+        <p:grpSpPr>
+          <a:xfrm>
+            <a:off x="6693645" y="1788772"/>
+            <a:ext cx="2621615" cy="1259202"/>
+            <a:chOff x="7888395" y="3253629"/>
+            <a:chExt cx="2621615" cy="1259202"/>
+          </a:xfrm>
+        </p:grpSpPr>
+        <p:sp>
+          <p:nvSpPr>
+            <p:cNvPr id="6" name="Rectangle: Rounded Corners 5">
+              <a:extLst>
+                <a:ext uri="{FF2B5EF4-FFF2-40B4-BE49-F238E27FC236}">
+                  <a16:creationId xmlns:a16="http://schemas.microsoft.com/office/drawing/2014/main" id="{E1C02C48-A08C-F587-6457-2FB1F86B1B0E}"/>
+                </a:ext>
+              </a:extLst>
+            </p:cNvPr>
+            <p:cNvSpPr/>
+            <p:nvPr/>
+          </p:nvSpPr>
+          <p:spPr>
+            <a:xfrm>
+              <a:off x="7888395" y="3253629"/>
+              <a:ext cx="2621615" cy="1259202"/>
+            </a:xfrm>
+            <a:prstGeom prst="roundRect">
+              <a:avLst/>
+            </a:prstGeom>
+            <a:ln>
               <a:solidFill>
-                <a:srgbClr val="252C33"/>
-              </a:solidFill>
-              <a:effectLst/>
-              <a:latin typeface="Calibri Light (Headings)"/>
-            </a:endParaRPr>
-          </a:p>
-          <a:p>
-            <a:pPr marL="457200" indent="-457200" algn="l">
-              <a:buFont typeface="Wingdings" pitchFamily="2" charset="2"/>
-              <a:buChar char="Ø"/>
-            </a:pPr>
-            <a:r>
-              <a:rPr lang="en-US" sz="2900" b="1" dirty="0">
-                <a:solidFill>
-                  <a:schemeClr val="tx1">
-                    <a:lumMod val="50000"/>
-                    <a:lumOff val="50000"/>
-                  </a:schemeClr>
-                </a:solidFill>
-                <a:latin typeface="Calibri Light (Headings)"/>
-              </a:rPr>
-              <a:t>The Machine Learning Paradigm</a:t>
-            </a:r>
-          </a:p>
-          <a:p>
-            <a:pPr marL="457200" indent="-457200" algn="l">
-              <a:buFont typeface="Wingdings" pitchFamily="2" charset="2"/>
-              <a:buChar char="Ø"/>
-            </a:pPr>
-            <a:endParaRPr lang="en-US" sz="2900" b="1" dirty="0">
-              <a:solidFill>
-                <a:schemeClr val="tx1">
-                  <a:lumMod val="50000"/>
-                  <a:lumOff val="50000"/>
+                <a:schemeClr val="accent5">
+                  <a:lumMod val="75000"/>
                 </a:schemeClr>
               </a:solidFill>
-              <a:latin typeface="Calibri Light (Headings)"/>
-            </a:endParaRPr>
-          </a:p>
-          <a:p>
-            <a:pPr marL="457200" indent="-457200" algn="l">
-              <a:buFont typeface="Wingdings" pitchFamily="2" charset="2"/>
-              <a:buChar char="Ø"/>
-            </a:pPr>
-            <a:r>
-              <a:rPr lang="en-US" sz="2900" b="1" i="0" dirty="0">
-                <a:solidFill>
-                  <a:schemeClr val="tx1">
-                    <a:lumMod val="50000"/>
-                    <a:lumOff val="50000"/>
-                  </a:schemeClr>
-                </a:solidFill>
-                <a:effectLst/>
-                <a:latin typeface="Calibri Light (Headings)"/>
-              </a:rPr>
-              <a:t>C</a:t>
-            </a:r>
-          </a:p>
-          <a:p>
-            <a:pPr marL="457200" indent="-457200" algn="l">
-              <a:buFont typeface="Wingdings" pitchFamily="2" charset="2"/>
-              <a:buChar char="Ø"/>
-            </a:pPr>
-            <a:endParaRPr lang="en-US" sz="2900" b="1" i="0" dirty="0">
-              <a:solidFill>
-                <a:schemeClr val="tx1">
-                  <a:lumMod val="50000"/>
-                  <a:lumOff val="50000"/>
-                </a:schemeClr>
-              </a:solidFill>
-              <a:effectLst/>
-              <a:latin typeface="Calibri Light (Headings)"/>
-            </a:endParaRPr>
-          </a:p>
-          <a:p>
-            <a:pPr marL="457200" indent="-457200" algn="l">
-              <a:buFont typeface="Wingdings" pitchFamily="2" charset="2"/>
-              <a:buChar char="Ø"/>
-            </a:pPr>
-            <a:r>
-              <a:rPr lang="en-US" sz="2900" b="1" dirty="0">
-                <a:solidFill>
-                  <a:schemeClr val="tx1">
-                    <a:lumMod val="50000"/>
-                    <a:lumOff val="50000"/>
-                  </a:schemeClr>
-                </a:solidFill>
-                <a:latin typeface="Calibri Light (Headings)"/>
-              </a:rPr>
-              <a:t>D</a:t>
-            </a:r>
-          </a:p>
-          <a:p>
-            <a:pPr marL="457200" indent="-457200" algn="l">
-              <a:buFont typeface="Wingdings" pitchFamily="2" charset="2"/>
-              <a:buChar char="Ø"/>
-            </a:pPr>
-            <a:endParaRPr lang="en-US" sz="2900" b="1" dirty="0">
-              <a:solidFill>
-                <a:schemeClr val="tx1">
-                  <a:lumMod val="50000"/>
-                  <a:lumOff val="50000"/>
-                </a:schemeClr>
-              </a:solidFill>
-              <a:latin typeface="Calibri Light (Headings)"/>
-            </a:endParaRPr>
-          </a:p>
-          <a:p>
-            <a:pPr marL="457200" indent="-457200" algn="l">
-              <a:buFont typeface="Wingdings" pitchFamily="2" charset="2"/>
-              <a:buChar char="Ø"/>
-            </a:pPr>
-            <a:r>
-              <a:rPr lang="en-US" sz="2900" b="1" i="0" dirty="0">
-                <a:solidFill>
-                  <a:schemeClr val="tx1">
-                    <a:lumMod val="50000"/>
-                    <a:lumOff val="50000"/>
-                  </a:schemeClr>
-                </a:solidFill>
-                <a:effectLst/>
-                <a:latin typeface="Calibri Light (Headings)"/>
-              </a:rPr>
-              <a:t>E</a:t>
-            </a:r>
-          </a:p>
-          <a:p>
-            <a:pPr marL="457200" indent="-457200" algn="l">
-              <a:buFont typeface="Wingdings" pitchFamily="2" charset="2"/>
-              <a:buChar char="Ø"/>
-            </a:pPr>
-            <a:endParaRPr lang="en-US" sz="2900" b="1" i="0" dirty="0">
-              <a:solidFill>
-                <a:schemeClr val="tx1">
-                  <a:lumMod val="50000"/>
-                  <a:lumOff val="50000"/>
-                </a:schemeClr>
-              </a:solidFill>
-              <a:effectLst/>
-              <a:latin typeface="Calibri Light (Headings)"/>
-            </a:endParaRPr>
-          </a:p>
-          <a:p>
-            <a:pPr marL="457200" indent="-457200" algn="l">
-              <a:buFont typeface="Wingdings" pitchFamily="2" charset="2"/>
-              <a:buChar char="Ø"/>
-            </a:pPr>
-            <a:r>
-              <a:rPr lang="en-US" sz="2900" b="1" dirty="0">
-                <a:solidFill>
-                  <a:schemeClr val="tx1">
-                    <a:lumMod val="50000"/>
-                    <a:lumOff val="50000"/>
-                  </a:schemeClr>
-                </a:solidFill>
-                <a:latin typeface="Calibri Light (Headings)"/>
-              </a:rPr>
-              <a:t>F</a:t>
-            </a:r>
-          </a:p>
-          <a:p>
-            <a:pPr marL="457200" indent="-457200" algn="l">
-              <a:buFont typeface="Wingdings" pitchFamily="2" charset="2"/>
-              <a:buChar char="Ø"/>
-            </a:pPr>
-            <a:endParaRPr lang="en-US" sz="2900" b="1" dirty="0">
-              <a:solidFill>
-                <a:schemeClr val="tx1">
-                  <a:lumMod val="50000"/>
-                  <a:lumOff val="50000"/>
-                </a:schemeClr>
-              </a:solidFill>
-              <a:latin typeface="Calibri Light (Headings)"/>
-            </a:endParaRPr>
-          </a:p>
-          <a:p>
-            <a:pPr marL="457200" indent="-457200" algn="l">
-              <a:buFont typeface="Wingdings" pitchFamily="2" charset="2"/>
-              <a:buChar char="Ø"/>
-            </a:pPr>
-            <a:r>
-              <a:rPr lang="en-US" sz="2900" b="1" i="0" dirty="0">
-                <a:solidFill>
-                  <a:schemeClr val="tx1">
-                    <a:lumMod val="50000"/>
-                    <a:lumOff val="50000"/>
-                  </a:schemeClr>
-                </a:solidFill>
-                <a:effectLst/>
-                <a:latin typeface="Calibri Light (Headings)"/>
-              </a:rPr>
-              <a:t>G</a:t>
-            </a:r>
-          </a:p>
-          <a:p>
-            <a:pPr algn="l"/>
-            <a:endParaRPr lang="en-US" sz="2900" dirty="0">
-              <a:latin typeface="Calibri Light (Headings)"/>
-            </a:endParaRPr>
-          </a:p>
-          <a:p>
-            <a:pPr algn="l"/>
-            <a:endParaRPr lang="en-US" sz="2900" dirty="0">
-              <a:latin typeface="Calibri Light (Headings)"/>
-            </a:endParaRPr>
-          </a:p>
-        </p:txBody>
-      </p:sp>
+            </a:ln>
+            <a:effectLst>
+              <a:outerShdw blurRad="50800" dist="38100" dir="2700000" algn="tl" rotWithShape="0">
+                <a:prstClr val="black">
+                  <a:alpha val="40000"/>
+                </a:prstClr>
+              </a:outerShdw>
+            </a:effectLst>
+          </p:spPr>
+          <p:style>
+            <a:lnRef idx="2">
+              <a:schemeClr val="accent1">
+                <a:shade val="15000"/>
+              </a:schemeClr>
+            </a:lnRef>
+            <a:fillRef idx="1">
+              <a:schemeClr val="accent1"/>
+            </a:fillRef>
+            <a:effectRef idx="0">
+              <a:schemeClr val="accent1"/>
+            </a:effectRef>
+            <a:fontRef idx="minor">
+              <a:schemeClr val="lt1"/>
+            </a:fontRef>
+          </p:style>
+          <p:txBody>
+            <a:bodyPr rtlCol="0" anchor="ctr"/>
+            <a:lstStyle/>
+            <a:p>
+              <a:pPr algn="ctr"/>
+              <a:endParaRPr lang="en-US" sz="1500" b="1" dirty="0"/>
+            </a:p>
+            <a:p>
+              <a:pPr algn="ctr"/>
+              <a:endParaRPr lang="en-US" sz="1500" b="1" dirty="0"/>
+            </a:p>
+            <a:p>
+              <a:pPr algn="ctr"/>
+              <a:r>
+                <a:rPr lang="en-US" sz="1500" b="1" dirty="0"/>
+                <a:t>Machine Learning Algorithm</a:t>
+              </a:r>
+            </a:p>
+            <a:p>
+              <a:pPr algn="ctr"/>
+              <a:endParaRPr lang="en-US" sz="1500" b="1" dirty="0"/>
+            </a:p>
+            <a:p>
+              <a:pPr algn="ctr"/>
+              <a:endParaRPr lang="en-US" sz="1500" b="1" dirty="0"/>
+            </a:p>
+            <a:p>
+              <a:pPr algn="ctr"/>
+              <a:endParaRPr lang="en-US" sz="1500" b="1" dirty="0"/>
+            </a:p>
+            <a:p>
+              <a:pPr algn="ctr"/>
+              <a:endParaRPr lang="en-PH" sz="1500" b="1" dirty="0"/>
+            </a:p>
+          </p:txBody>
+        </p:sp>
+        <p:pic>
+          <p:nvPicPr>
+            <p:cNvPr id="8" name="Picture 7" descr="Icon&#10;&#10;Description automatically generated">
+              <a:extLst>
+                <a:ext uri="{FF2B5EF4-FFF2-40B4-BE49-F238E27FC236}">
+                  <a16:creationId xmlns:a16="http://schemas.microsoft.com/office/drawing/2014/main" id="{1F7495BE-3FD3-9172-F938-97701CD1936A}"/>
+                </a:ext>
+              </a:extLst>
+            </p:cNvPr>
+            <p:cNvPicPr>
+              <a:picLocks noChangeAspect="1"/>
+            </p:cNvPicPr>
+            <p:nvPr/>
+          </p:nvPicPr>
+          <p:blipFill>
+            <a:blip r:embed="rId4">
+              <a:extLst>
+                <a:ext uri="{28A0092B-C50C-407E-A947-70E740481C1C}">
+                  <a14:useLocalDpi xmlns:a14="http://schemas.microsoft.com/office/drawing/2010/main" val="0"/>
+                </a:ext>
+              </a:extLst>
+            </a:blip>
+            <a:stretch>
+              <a:fillRect/>
+            </a:stretch>
+          </p:blipFill>
+          <p:spPr>
+            <a:xfrm>
+              <a:off x="8769753" y="3757582"/>
+              <a:ext cx="781026" cy="600293"/>
+            </a:xfrm>
+            <a:prstGeom prst="rect">
+              <a:avLst/>
+            </a:prstGeom>
+          </p:spPr>
+        </p:pic>
+      </p:grpSp>
+      <p:grpSp>
+        <p:nvGrpSpPr>
+          <p:cNvPr id="9" name="Group 8">
+            <a:extLst>
+              <a:ext uri="{FF2B5EF4-FFF2-40B4-BE49-F238E27FC236}">
+                <a16:creationId xmlns:a16="http://schemas.microsoft.com/office/drawing/2014/main" id="{5EDB6343-8CA2-DC16-EA49-9B3CF2F6FB26}"/>
+              </a:ext>
+            </a:extLst>
+          </p:cNvPr>
+          <p:cNvGrpSpPr/>
+          <p:nvPr/>
+        </p:nvGrpSpPr>
+        <p:grpSpPr>
+          <a:xfrm>
+            <a:off x="2876740" y="1629788"/>
+            <a:ext cx="1607442" cy="1597157"/>
+            <a:chOff x="293893" y="4102100"/>
+            <a:chExt cx="1607442" cy="1770972"/>
+          </a:xfrm>
+        </p:grpSpPr>
+        <p:cxnSp>
+          <p:nvCxnSpPr>
+            <p:cNvPr id="10" name="Straight Connector 9">
+              <a:extLst>
+                <a:ext uri="{FF2B5EF4-FFF2-40B4-BE49-F238E27FC236}">
+                  <a16:creationId xmlns:a16="http://schemas.microsoft.com/office/drawing/2014/main" id="{633721BA-73E7-CF93-ACCE-C4BF0967A709}"/>
+                </a:ext>
+              </a:extLst>
+            </p:cNvPr>
+            <p:cNvCxnSpPr>
+              <a:cxnSpLocks/>
+              <a:stCxn id="13" idx="4"/>
+              <a:endCxn id="16" idx="0"/>
+            </p:cNvCxnSpPr>
+            <p:nvPr/>
+          </p:nvCxnSpPr>
+          <p:spPr>
+            <a:xfrm>
+              <a:off x="1053102" y="4828073"/>
+              <a:ext cx="0" cy="432788"/>
+            </a:xfrm>
+            <a:prstGeom prst="line">
+              <a:avLst/>
+            </a:prstGeom>
+          </p:spPr>
+          <p:style>
+            <a:lnRef idx="3">
+              <a:schemeClr val="dk1"/>
+            </a:lnRef>
+            <a:fillRef idx="0">
+              <a:schemeClr val="dk1"/>
+            </a:fillRef>
+            <a:effectRef idx="2">
+              <a:schemeClr val="dk1"/>
+            </a:effectRef>
+            <a:fontRef idx="minor">
+              <a:schemeClr val="tx1"/>
+            </a:fontRef>
+          </p:style>
+        </p:cxnSp>
+        <p:sp>
+          <p:nvSpPr>
+            <p:cNvPr id="11" name="Rectangle: Rounded Corners 10">
+              <a:extLst>
+                <a:ext uri="{FF2B5EF4-FFF2-40B4-BE49-F238E27FC236}">
+                  <a16:creationId xmlns:a16="http://schemas.microsoft.com/office/drawing/2014/main" id="{DC7D8828-129C-73D7-2EF1-F5DC31A9F986}"/>
+                </a:ext>
+              </a:extLst>
+            </p:cNvPr>
+            <p:cNvSpPr/>
+            <p:nvPr/>
+          </p:nvSpPr>
+          <p:spPr>
+            <a:xfrm>
+              <a:off x="293893" y="4102100"/>
+              <a:ext cx="1607442" cy="1770972"/>
+            </a:xfrm>
+            <a:prstGeom prst="roundRect">
+              <a:avLst/>
+            </a:prstGeom>
+            <a:ln/>
+          </p:spPr>
+          <p:style>
+            <a:lnRef idx="2">
+              <a:schemeClr val="dk1"/>
+            </a:lnRef>
+            <a:fillRef idx="1">
+              <a:schemeClr val="lt1"/>
+            </a:fillRef>
+            <a:effectRef idx="0">
+              <a:schemeClr val="dk1"/>
+            </a:effectRef>
+            <a:fontRef idx="minor">
+              <a:schemeClr val="dk1"/>
+            </a:fontRef>
+          </p:style>
+          <p:txBody>
+            <a:bodyPr rtlCol="0" anchor="ctr"/>
+            <a:lstStyle/>
+            <a:p>
+              <a:pPr algn="ctr"/>
+              <a:r>
+                <a:rPr lang="en-US" sz="1500" b="1" dirty="0"/>
+                <a:t>Neural Network</a:t>
+              </a:r>
+            </a:p>
+            <a:p>
+              <a:pPr algn="ctr"/>
+              <a:endParaRPr lang="en-US" sz="1500" b="1" dirty="0"/>
+            </a:p>
+            <a:p>
+              <a:pPr algn="ctr"/>
+              <a:endParaRPr lang="en-US" sz="1500" b="1" dirty="0"/>
+            </a:p>
+            <a:p>
+              <a:pPr algn="ctr"/>
+              <a:endParaRPr lang="en-US" sz="1500" b="1" dirty="0"/>
+            </a:p>
+            <a:p>
+              <a:pPr algn="ctr"/>
+              <a:endParaRPr lang="en-US" sz="1500" b="1" dirty="0"/>
+            </a:p>
+            <a:p>
+              <a:pPr algn="ctr"/>
+              <a:endParaRPr lang="en-US" sz="1500" b="1" dirty="0"/>
+            </a:p>
+          </p:txBody>
+        </p:sp>
+        <p:sp>
+          <p:nvSpPr>
+            <p:cNvPr id="12" name="Oval 11">
+              <a:extLst>
+                <a:ext uri="{FF2B5EF4-FFF2-40B4-BE49-F238E27FC236}">
+                  <a16:creationId xmlns:a16="http://schemas.microsoft.com/office/drawing/2014/main" id="{AF8E079E-857F-2421-777E-4154AD5BC770}"/>
+                </a:ext>
+              </a:extLst>
+            </p:cNvPr>
+            <p:cNvSpPr/>
+            <p:nvPr/>
+          </p:nvSpPr>
+          <p:spPr>
+            <a:xfrm>
+              <a:off x="553576" y="4547102"/>
+              <a:ext cx="259595" cy="281642"/>
+            </a:xfrm>
+            <a:prstGeom prst="ellipse">
+              <a:avLst/>
+            </a:prstGeom>
+          </p:spPr>
+          <p:style>
+            <a:lnRef idx="2">
+              <a:schemeClr val="accent1">
+                <a:shade val="15000"/>
+              </a:schemeClr>
+            </a:lnRef>
+            <a:fillRef idx="1">
+              <a:schemeClr val="accent1"/>
+            </a:fillRef>
+            <a:effectRef idx="0">
+              <a:schemeClr val="accent1"/>
+            </a:effectRef>
+            <a:fontRef idx="minor">
+              <a:schemeClr val="lt1"/>
+            </a:fontRef>
+          </p:style>
+          <p:txBody>
+            <a:bodyPr rtlCol="0" anchor="ctr"/>
+            <a:lstStyle/>
+            <a:p>
+              <a:pPr algn="ctr"/>
+              <a:endParaRPr lang="en-PH" dirty="0"/>
+            </a:p>
+          </p:txBody>
+        </p:sp>
+        <p:sp>
+          <p:nvSpPr>
+            <p:cNvPr id="13" name="Oval 12">
+              <a:extLst>
+                <a:ext uri="{FF2B5EF4-FFF2-40B4-BE49-F238E27FC236}">
+                  <a16:creationId xmlns:a16="http://schemas.microsoft.com/office/drawing/2014/main" id="{B1602098-2C51-B2EA-A655-C5B216D9C9E5}"/>
+                </a:ext>
+              </a:extLst>
+            </p:cNvPr>
+            <p:cNvSpPr/>
+            <p:nvPr/>
+          </p:nvSpPr>
+          <p:spPr>
+            <a:xfrm>
+              <a:off x="923304" y="4546431"/>
+              <a:ext cx="259595" cy="281642"/>
+            </a:xfrm>
+            <a:prstGeom prst="ellipse">
+              <a:avLst/>
+            </a:prstGeom>
+          </p:spPr>
+          <p:style>
+            <a:lnRef idx="2">
+              <a:schemeClr val="accent1">
+                <a:shade val="15000"/>
+              </a:schemeClr>
+            </a:lnRef>
+            <a:fillRef idx="1">
+              <a:schemeClr val="accent1"/>
+            </a:fillRef>
+            <a:effectRef idx="0">
+              <a:schemeClr val="accent1"/>
+            </a:effectRef>
+            <a:fontRef idx="minor">
+              <a:schemeClr val="lt1"/>
+            </a:fontRef>
+          </p:style>
+          <p:txBody>
+            <a:bodyPr rtlCol="0" anchor="ctr"/>
+            <a:lstStyle/>
+            <a:p>
+              <a:pPr algn="ctr"/>
+              <a:endParaRPr lang="en-PH" dirty="0"/>
+            </a:p>
+          </p:txBody>
+        </p:sp>
+        <p:sp>
+          <p:nvSpPr>
+            <p:cNvPr id="14" name="Oval 13">
+              <a:extLst>
+                <a:ext uri="{FF2B5EF4-FFF2-40B4-BE49-F238E27FC236}">
+                  <a16:creationId xmlns:a16="http://schemas.microsoft.com/office/drawing/2014/main" id="{ED0BC5C5-71C0-464F-B95E-C9BD501E2147}"/>
+                </a:ext>
+              </a:extLst>
+            </p:cNvPr>
+            <p:cNvSpPr/>
+            <p:nvPr/>
+          </p:nvSpPr>
+          <p:spPr>
+            <a:xfrm>
+              <a:off x="1293032" y="4546431"/>
+              <a:ext cx="259595" cy="281642"/>
+            </a:xfrm>
+            <a:prstGeom prst="ellipse">
+              <a:avLst/>
+            </a:prstGeom>
+          </p:spPr>
+          <p:style>
+            <a:lnRef idx="2">
+              <a:schemeClr val="accent1">
+                <a:shade val="15000"/>
+              </a:schemeClr>
+            </a:lnRef>
+            <a:fillRef idx="1">
+              <a:schemeClr val="accent1"/>
+            </a:fillRef>
+            <a:effectRef idx="0">
+              <a:schemeClr val="accent1"/>
+            </a:effectRef>
+            <a:fontRef idx="minor">
+              <a:schemeClr val="lt1"/>
+            </a:fontRef>
+          </p:style>
+          <p:txBody>
+            <a:bodyPr rtlCol="0" anchor="ctr"/>
+            <a:lstStyle/>
+            <a:p>
+              <a:pPr algn="ctr"/>
+              <a:endParaRPr lang="en-PH" dirty="0"/>
+            </a:p>
+          </p:txBody>
+        </p:sp>
+        <p:sp>
+          <p:nvSpPr>
+            <p:cNvPr id="15" name="Oval 14">
+              <a:extLst>
+                <a:ext uri="{FF2B5EF4-FFF2-40B4-BE49-F238E27FC236}">
+                  <a16:creationId xmlns:a16="http://schemas.microsoft.com/office/drawing/2014/main" id="{9CD85E42-16AF-7559-8E30-CDFEE5628C5B}"/>
+                </a:ext>
+              </a:extLst>
+            </p:cNvPr>
+            <p:cNvSpPr/>
+            <p:nvPr/>
+          </p:nvSpPr>
+          <p:spPr>
+            <a:xfrm>
+              <a:off x="553576" y="5260861"/>
+              <a:ext cx="259595" cy="281642"/>
+            </a:xfrm>
+            <a:prstGeom prst="ellipse">
+              <a:avLst/>
+            </a:prstGeom>
+          </p:spPr>
+          <p:style>
+            <a:lnRef idx="2">
+              <a:schemeClr val="accent1">
+                <a:shade val="15000"/>
+              </a:schemeClr>
+            </a:lnRef>
+            <a:fillRef idx="1">
+              <a:schemeClr val="accent1"/>
+            </a:fillRef>
+            <a:effectRef idx="0">
+              <a:schemeClr val="accent1"/>
+            </a:effectRef>
+            <a:fontRef idx="minor">
+              <a:schemeClr val="lt1"/>
+            </a:fontRef>
+          </p:style>
+          <p:txBody>
+            <a:bodyPr rtlCol="0" anchor="ctr"/>
+            <a:lstStyle/>
+            <a:p>
+              <a:pPr algn="ctr"/>
+              <a:endParaRPr lang="en-PH" dirty="0"/>
+            </a:p>
+          </p:txBody>
+        </p:sp>
+        <p:sp>
+          <p:nvSpPr>
+            <p:cNvPr id="16" name="Oval 15">
+              <a:extLst>
+                <a:ext uri="{FF2B5EF4-FFF2-40B4-BE49-F238E27FC236}">
+                  <a16:creationId xmlns:a16="http://schemas.microsoft.com/office/drawing/2014/main" id="{29B843AF-209A-F62A-E263-68636C53381D}"/>
+                </a:ext>
+              </a:extLst>
+            </p:cNvPr>
+            <p:cNvSpPr/>
+            <p:nvPr/>
+          </p:nvSpPr>
+          <p:spPr>
+            <a:xfrm>
+              <a:off x="923304" y="5260861"/>
+              <a:ext cx="259595" cy="281642"/>
+            </a:xfrm>
+            <a:prstGeom prst="ellipse">
+              <a:avLst/>
+            </a:prstGeom>
+          </p:spPr>
+          <p:style>
+            <a:lnRef idx="2">
+              <a:schemeClr val="accent1">
+                <a:shade val="15000"/>
+              </a:schemeClr>
+            </a:lnRef>
+            <a:fillRef idx="1">
+              <a:schemeClr val="accent1"/>
+            </a:fillRef>
+            <a:effectRef idx="0">
+              <a:schemeClr val="accent1"/>
+            </a:effectRef>
+            <a:fontRef idx="minor">
+              <a:schemeClr val="lt1"/>
+            </a:fontRef>
+          </p:style>
+          <p:txBody>
+            <a:bodyPr rtlCol="0" anchor="ctr"/>
+            <a:lstStyle/>
+            <a:p>
+              <a:pPr algn="ctr"/>
+              <a:endParaRPr lang="en-PH" dirty="0"/>
+            </a:p>
+          </p:txBody>
+        </p:sp>
+        <p:sp>
+          <p:nvSpPr>
+            <p:cNvPr id="17" name="Oval 16">
+              <a:extLst>
+                <a:ext uri="{FF2B5EF4-FFF2-40B4-BE49-F238E27FC236}">
+                  <a16:creationId xmlns:a16="http://schemas.microsoft.com/office/drawing/2014/main" id="{4F547FBF-A41F-8C70-F0EB-4E9E072038F0}"/>
+                </a:ext>
+              </a:extLst>
+            </p:cNvPr>
+            <p:cNvSpPr/>
+            <p:nvPr/>
+          </p:nvSpPr>
+          <p:spPr>
+            <a:xfrm>
+              <a:off x="1293032" y="5276033"/>
+              <a:ext cx="259595" cy="281642"/>
+            </a:xfrm>
+            <a:prstGeom prst="ellipse">
+              <a:avLst/>
+            </a:prstGeom>
+          </p:spPr>
+          <p:style>
+            <a:lnRef idx="2">
+              <a:schemeClr val="accent1">
+                <a:shade val="15000"/>
+              </a:schemeClr>
+            </a:lnRef>
+            <a:fillRef idx="1">
+              <a:schemeClr val="accent1"/>
+            </a:fillRef>
+            <a:effectRef idx="0">
+              <a:schemeClr val="accent1"/>
+            </a:effectRef>
+            <a:fontRef idx="minor">
+              <a:schemeClr val="lt1"/>
+            </a:fontRef>
+          </p:style>
+          <p:txBody>
+            <a:bodyPr rtlCol="0" anchor="ctr"/>
+            <a:lstStyle/>
+            <a:p>
+              <a:pPr algn="ctr"/>
+              <a:endParaRPr lang="en-PH" dirty="0"/>
+            </a:p>
+          </p:txBody>
+        </p:sp>
+        <p:cxnSp>
+          <p:nvCxnSpPr>
+            <p:cNvPr id="18" name="Straight Connector 17">
+              <a:extLst>
+                <a:ext uri="{FF2B5EF4-FFF2-40B4-BE49-F238E27FC236}">
+                  <a16:creationId xmlns:a16="http://schemas.microsoft.com/office/drawing/2014/main" id="{D6CDD7F1-80E2-DC19-CD4F-45551A9907BD}"/>
+                </a:ext>
+              </a:extLst>
+            </p:cNvPr>
+            <p:cNvCxnSpPr>
+              <a:cxnSpLocks/>
+              <a:stCxn id="12" idx="4"/>
+              <a:endCxn id="15" idx="0"/>
+            </p:cNvCxnSpPr>
+            <p:nvPr/>
+          </p:nvCxnSpPr>
+          <p:spPr>
+            <a:xfrm>
+              <a:off x="683374" y="4828744"/>
+              <a:ext cx="0" cy="432117"/>
+            </a:xfrm>
+            <a:prstGeom prst="line">
+              <a:avLst/>
+            </a:prstGeom>
+          </p:spPr>
+          <p:style>
+            <a:lnRef idx="3">
+              <a:schemeClr val="dk1"/>
+            </a:lnRef>
+            <a:fillRef idx="0">
+              <a:schemeClr val="dk1"/>
+            </a:fillRef>
+            <a:effectRef idx="2">
+              <a:schemeClr val="dk1"/>
+            </a:effectRef>
+            <a:fontRef idx="minor">
+              <a:schemeClr val="tx1"/>
+            </a:fontRef>
+          </p:style>
+        </p:cxnSp>
+        <p:cxnSp>
+          <p:nvCxnSpPr>
+            <p:cNvPr id="19" name="Straight Connector 18">
+              <a:extLst>
+                <a:ext uri="{FF2B5EF4-FFF2-40B4-BE49-F238E27FC236}">
+                  <a16:creationId xmlns:a16="http://schemas.microsoft.com/office/drawing/2014/main" id="{730D085A-B69E-CE4E-19BB-BB5EFB20FA83}"/>
+                </a:ext>
+              </a:extLst>
+            </p:cNvPr>
+            <p:cNvCxnSpPr>
+              <a:cxnSpLocks/>
+              <a:stCxn id="12" idx="5"/>
+              <a:endCxn id="16" idx="0"/>
+            </p:cNvCxnSpPr>
+            <p:nvPr/>
+          </p:nvCxnSpPr>
+          <p:spPr>
+            <a:xfrm>
+              <a:off x="775154" y="4787498"/>
+              <a:ext cx="277948" cy="473363"/>
+            </a:xfrm>
+            <a:prstGeom prst="line">
+              <a:avLst/>
+            </a:prstGeom>
+          </p:spPr>
+          <p:style>
+            <a:lnRef idx="3">
+              <a:schemeClr val="dk1"/>
+            </a:lnRef>
+            <a:fillRef idx="0">
+              <a:schemeClr val="dk1"/>
+            </a:fillRef>
+            <a:effectRef idx="2">
+              <a:schemeClr val="dk1"/>
+            </a:effectRef>
+            <a:fontRef idx="minor">
+              <a:schemeClr val="tx1"/>
+            </a:fontRef>
+          </p:style>
+        </p:cxnSp>
+        <p:cxnSp>
+          <p:nvCxnSpPr>
+            <p:cNvPr id="20" name="Straight Connector 19">
+              <a:extLst>
+                <a:ext uri="{FF2B5EF4-FFF2-40B4-BE49-F238E27FC236}">
+                  <a16:creationId xmlns:a16="http://schemas.microsoft.com/office/drawing/2014/main" id="{3E35C0BF-9161-3FDE-6EAC-EC88E5236031}"/>
+                </a:ext>
+              </a:extLst>
+            </p:cNvPr>
+            <p:cNvCxnSpPr>
+              <a:cxnSpLocks/>
+              <a:stCxn id="12" idx="6"/>
+              <a:endCxn id="17" idx="2"/>
+            </p:cNvCxnSpPr>
+            <p:nvPr/>
+          </p:nvCxnSpPr>
+          <p:spPr>
+            <a:xfrm>
+              <a:off x="813171" y="4687923"/>
+              <a:ext cx="479861" cy="728931"/>
+            </a:xfrm>
+            <a:prstGeom prst="line">
+              <a:avLst/>
+            </a:prstGeom>
+          </p:spPr>
+          <p:style>
+            <a:lnRef idx="3">
+              <a:schemeClr val="dk1"/>
+            </a:lnRef>
+            <a:fillRef idx="0">
+              <a:schemeClr val="dk1"/>
+            </a:fillRef>
+            <a:effectRef idx="2">
+              <a:schemeClr val="dk1"/>
+            </a:effectRef>
+            <a:fontRef idx="minor">
+              <a:schemeClr val="tx1"/>
+            </a:fontRef>
+          </p:style>
+        </p:cxnSp>
+        <p:cxnSp>
+          <p:nvCxnSpPr>
+            <p:cNvPr id="21" name="Straight Connector 20">
+              <a:extLst>
+                <a:ext uri="{FF2B5EF4-FFF2-40B4-BE49-F238E27FC236}">
+                  <a16:creationId xmlns:a16="http://schemas.microsoft.com/office/drawing/2014/main" id="{8A6AC420-43A7-7192-EBB7-4CDFF12E39E9}"/>
+                </a:ext>
+              </a:extLst>
+            </p:cNvPr>
+            <p:cNvCxnSpPr>
+              <a:cxnSpLocks/>
+              <a:stCxn id="13" idx="5"/>
+              <a:endCxn id="17" idx="1"/>
+            </p:cNvCxnSpPr>
+            <p:nvPr/>
+          </p:nvCxnSpPr>
+          <p:spPr>
+            <a:xfrm>
+              <a:off x="1144882" y="4786827"/>
+              <a:ext cx="186167" cy="530452"/>
+            </a:xfrm>
+            <a:prstGeom prst="line">
+              <a:avLst/>
+            </a:prstGeom>
+          </p:spPr>
+          <p:style>
+            <a:lnRef idx="3">
+              <a:schemeClr val="dk1"/>
+            </a:lnRef>
+            <a:fillRef idx="0">
+              <a:schemeClr val="dk1"/>
+            </a:fillRef>
+            <a:effectRef idx="2">
+              <a:schemeClr val="dk1"/>
+            </a:effectRef>
+            <a:fontRef idx="minor">
+              <a:schemeClr val="tx1"/>
+            </a:fontRef>
+          </p:style>
+        </p:cxnSp>
+        <p:cxnSp>
+          <p:nvCxnSpPr>
+            <p:cNvPr id="22" name="Straight Connector 21">
+              <a:extLst>
+                <a:ext uri="{FF2B5EF4-FFF2-40B4-BE49-F238E27FC236}">
+                  <a16:creationId xmlns:a16="http://schemas.microsoft.com/office/drawing/2014/main" id="{09AB02A9-5E5C-DEAD-4A00-6AFD5A4626D3}"/>
+                </a:ext>
+              </a:extLst>
+            </p:cNvPr>
+            <p:cNvCxnSpPr>
+              <a:cxnSpLocks/>
+              <a:stCxn id="14" idx="4"/>
+              <a:endCxn id="17" idx="0"/>
+            </p:cNvCxnSpPr>
+            <p:nvPr/>
+          </p:nvCxnSpPr>
+          <p:spPr>
+            <a:xfrm>
+              <a:off x="1422830" y="4828073"/>
+              <a:ext cx="0" cy="447960"/>
+            </a:xfrm>
+            <a:prstGeom prst="line">
+              <a:avLst/>
+            </a:prstGeom>
+          </p:spPr>
+          <p:style>
+            <a:lnRef idx="3">
+              <a:schemeClr val="dk1"/>
+            </a:lnRef>
+            <a:fillRef idx="0">
+              <a:schemeClr val="dk1"/>
+            </a:fillRef>
+            <a:effectRef idx="2">
+              <a:schemeClr val="dk1"/>
+            </a:effectRef>
+            <a:fontRef idx="minor">
+              <a:schemeClr val="tx1"/>
+            </a:fontRef>
+          </p:style>
+        </p:cxnSp>
+        <p:cxnSp>
+          <p:nvCxnSpPr>
+            <p:cNvPr id="23" name="Straight Connector 22">
+              <a:extLst>
+                <a:ext uri="{FF2B5EF4-FFF2-40B4-BE49-F238E27FC236}">
+                  <a16:creationId xmlns:a16="http://schemas.microsoft.com/office/drawing/2014/main" id="{ABA652BD-14E5-0CAD-E2B4-CCA8AE6796CA}"/>
+                </a:ext>
+              </a:extLst>
+            </p:cNvPr>
+            <p:cNvCxnSpPr>
+              <a:cxnSpLocks/>
+              <a:stCxn id="14" idx="3"/>
+              <a:endCxn id="16" idx="7"/>
+            </p:cNvCxnSpPr>
+            <p:nvPr/>
+          </p:nvCxnSpPr>
+          <p:spPr>
+            <a:xfrm flipH="1">
+              <a:off x="1144882" y="4786827"/>
+              <a:ext cx="186167" cy="515280"/>
+            </a:xfrm>
+            <a:prstGeom prst="line">
+              <a:avLst/>
+            </a:prstGeom>
+          </p:spPr>
+          <p:style>
+            <a:lnRef idx="3">
+              <a:schemeClr val="dk1"/>
+            </a:lnRef>
+            <a:fillRef idx="0">
+              <a:schemeClr val="dk1"/>
+            </a:fillRef>
+            <a:effectRef idx="2">
+              <a:schemeClr val="dk1"/>
+            </a:effectRef>
+            <a:fontRef idx="minor">
+              <a:schemeClr val="tx1"/>
+            </a:fontRef>
+          </p:style>
+        </p:cxnSp>
+        <p:cxnSp>
+          <p:nvCxnSpPr>
+            <p:cNvPr id="24" name="Straight Connector 23">
+              <a:extLst>
+                <a:ext uri="{FF2B5EF4-FFF2-40B4-BE49-F238E27FC236}">
+                  <a16:creationId xmlns:a16="http://schemas.microsoft.com/office/drawing/2014/main" id="{767853A1-6F96-F095-22A6-E31C34D933B1}"/>
+                </a:ext>
+              </a:extLst>
+            </p:cNvPr>
+            <p:cNvCxnSpPr>
+              <a:cxnSpLocks/>
+              <a:stCxn id="13" idx="3"/>
+              <a:endCxn id="15" idx="7"/>
+            </p:cNvCxnSpPr>
+            <p:nvPr/>
+          </p:nvCxnSpPr>
+          <p:spPr>
+            <a:xfrm flipH="1">
+              <a:off x="775154" y="4786827"/>
+              <a:ext cx="186167" cy="515280"/>
+            </a:xfrm>
+            <a:prstGeom prst="line">
+              <a:avLst/>
+            </a:prstGeom>
+          </p:spPr>
+          <p:style>
+            <a:lnRef idx="3">
+              <a:schemeClr val="dk1"/>
+            </a:lnRef>
+            <a:fillRef idx="0">
+              <a:schemeClr val="dk1"/>
+            </a:fillRef>
+            <a:effectRef idx="2">
+              <a:schemeClr val="dk1"/>
+            </a:effectRef>
+            <a:fontRef idx="minor">
+              <a:schemeClr val="tx1"/>
+            </a:fontRef>
+          </p:style>
+        </p:cxnSp>
+        <p:cxnSp>
+          <p:nvCxnSpPr>
+            <p:cNvPr id="25" name="Straight Connector 24">
+              <a:extLst>
+                <a:ext uri="{FF2B5EF4-FFF2-40B4-BE49-F238E27FC236}">
+                  <a16:creationId xmlns:a16="http://schemas.microsoft.com/office/drawing/2014/main" id="{C4708965-432C-455E-A616-647E746BE91B}"/>
+                </a:ext>
+              </a:extLst>
+            </p:cNvPr>
+            <p:cNvCxnSpPr>
+              <a:cxnSpLocks/>
+              <a:stCxn id="14" idx="2"/>
+              <a:endCxn id="15" idx="6"/>
+            </p:cNvCxnSpPr>
+            <p:nvPr/>
+          </p:nvCxnSpPr>
+          <p:spPr>
+            <a:xfrm flipH="1">
+              <a:off x="813171" y="4687252"/>
+              <a:ext cx="479861" cy="714430"/>
+            </a:xfrm>
+            <a:prstGeom prst="line">
+              <a:avLst/>
+            </a:prstGeom>
+          </p:spPr>
+          <p:style>
+            <a:lnRef idx="3">
+              <a:schemeClr val="dk1"/>
+            </a:lnRef>
+            <a:fillRef idx="0">
+              <a:schemeClr val="dk1"/>
+            </a:fillRef>
+            <a:effectRef idx="2">
+              <a:schemeClr val="dk1"/>
+            </a:effectRef>
+            <a:fontRef idx="minor">
+              <a:schemeClr val="tx1"/>
+            </a:fontRef>
+          </p:style>
+        </p:cxnSp>
+        <p:cxnSp>
+          <p:nvCxnSpPr>
+            <p:cNvPr id="26" name="Straight Connector 25">
+              <a:extLst>
+                <a:ext uri="{FF2B5EF4-FFF2-40B4-BE49-F238E27FC236}">
+                  <a16:creationId xmlns:a16="http://schemas.microsoft.com/office/drawing/2014/main" id="{0CEA4F3E-B484-802F-60CD-3628C2ABDC53}"/>
+                </a:ext>
+              </a:extLst>
+            </p:cNvPr>
+            <p:cNvCxnSpPr>
+              <a:cxnSpLocks/>
+              <a:stCxn id="13" idx="4"/>
+              <a:endCxn id="16" idx="0"/>
+            </p:cNvCxnSpPr>
+            <p:nvPr/>
+          </p:nvCxnSpPr>
+          <p:spPr>
+            <a:xfrm>
+              <a:off x="1053102" y="4828073"/>
+              <a:ext cx="0" cy="432788"/>
+            </a:xfrm>
+            <a:prstGeom prst="line">
+              <a:avLst/>
+            </a:prstGeom>
+          </p:spPr>
+          <p:style>
+            <a:lnRef idx="3">
+              <a:schemeClr val="dk1"/>
+            </a:lnRef>
+            <a:fillRef idx="0">
+              <a:schemeClr val="dk1"/>
+            </a:fillRef>
+            <a:effectRef idx="2">
+              <a:schemeClr val="dk1"/>
+            </a:effectRef>
+            <a:fontRef idx="minor">
+              <a:schemeClr val="tx1"/>
+            </a:fontRef>
+          </p:style>
+        </p:cxnSp>
+      </p:grpSp>
     </p:spTree>
     <p:extLst>
       <p:ext uri="{BB962C8B-B14F-4D97-AF65-F5344CB8AC3E}">
-        <p14:creationId xmlns:p14="http://schemas.microsoft.com/office/powerpoint/2010/main" val="2707103594"/>
+        <p14:creationId xmlns:p14="http://schemas.microsoft.com/office/powerpoint/2010/main" val="3784394654"/>
       </p:ext>
     </p:extLst>
   </p:cSld>
@@ -17220,7 +21640,15 @@
             </a:r>
             <a:r>
               <a:rPr lang="en-US" sz="2400" dirty="0"/>
-              <a:t>What will be the output value for we have an input value of  </a:t>
+              <a:t>What will be the output </a:t>
+            </a:r>
+            <a:r>
+              <a:rPr lang="en-US" sz="2400"/>
+              <a:t>value if </a:t>
+            </a:r>
+            <a:r>
+              <a:rPr lang="en-US" sz="2400" dirty="0"/>
+              <a:t>we have an input value of  </a:t>
             </a:r>
             <a:r>
               <a:rPr lang="en-US" sz="2400" b="1" dirty="0"/>
